--- a/Java.pptx
+++ b/Java.pptx
@@ -4,6 +4,9 @@
   <p:sldMasterIdLst>
     <p:sldMasterId id="2147483660" r:id="rId1"/>
   </p:sldMasterIdLst>
+  <p:notesMasterIdLst>
+    <p:notesMasterId r:id="rId78"/>
+  </p:notesMasterIdLst>
   <p:sldIdLst>
     <p:sldId id="256" r:id="rId2"/>
     <p:sldId id="257" r:id="rId3"/>
@@ -11,6 +14,76 @@
     <p:sldId id="259" r:id="rId5"/>
     <p:sldId id="260" r:id="rId6"/>
     <p:sldId id="261" r:id="rId7"/>
+    <p:sldId id="262" r:id="rId8"/>
+    <p:sldId id="263" r:id="rId9"/>
+    <p:sldId id="264" r:id="rId10"/>
+    <p:sldId id="265" r:id="rId11"/>
+    <p:sldId id="266" r:id="rId12"/>
+    <p:sldId id="267" r:id="rId13"/>
+    <p:sldId id="268" r:id="rId14"/>
+    <p:sldId id="269" r:id="rId15"/>
+    <p:sldId id="270" r:id="rId16"/>
+    <p:sldId id="271" r:id="rId17"/>
+    <p:sldId id="272" r:id="rId18"/>
+    <p:sldId id="273" r:id="rId19"/>
+    <p:sldId id="274" r:id="rId20"/>
+    <p:sldId id="275" r:id="rId21"/>
+    <p:sldId id="276" r:id="rId22"/>
+    <p:sldId id="277" r:id="rId23"/>
+    <p:sldId id="278" r:id="rId24"/>
+    <p:sldId id="279" r:id="rId25"/>
+    <p:sldId id="280" r:id="rId26"/>
+    <p:sldId id="281" r:id="rId27"/>
+    <p:sldId id="282" r:id="rId28"/>
+    <p:sldId id="283" r:id="rId29"/>
+    <p:sldId id="284" r:id="rId30"/>
+    <p:sldId id="285" r:id="rId31"/>
+    <p:sldId id="286" r:id="rId32"/>
+    <p:sldId id="287" r:id="rId33"/>
+    <p:sldId id="288" r:id="rId34"/>
+    <p:sldId id="289" r:id="rId35"/>
+    <p:sldId id="290" r:id="rId36"/>
+    <p:sldId id="291" r:id="rId37"/>
+    <p:sldId id="292" r:id="rId38"/>
+    <p:sldId id="293" r:id="rId39"/>
+    <p:sldId id="294" r:id="rId40"/>
+    <p:sldId id="295" r:id="rId41"/>
+    <p:sldId id="296" r:id="rId42"/>
+    <p:sldId id="297" r:id="rId43"/>
+    <p:sldId id="298" r:id="rId44"/>
+    <p:sldId id="299" r:id="rId45"/>
+    <p:sldId id="300" r:id="rId46"/>
+    <p:sldId id="301" r:id="rId47"/>
+    <p:sldId id="302" r:id="rId48"/>
+    <p:sldId id="303" r:id="rId49"/>
+    <p:sldId id="305" r:id="rId50"/>
+    <p:sldId id="306" r:id="rId51"/>
+    <p:sldId id="307" r:id="rId52"/>
+    <p:sldId id="308" r:id="rId53"/>
+    <p:sldId id="309" r:id="rId54"/>
+    <p:sldId id="310" r:id="rId55"/>
+    <p:sldId id="311" r:id="rId56"/>
+    <p:sldId id="312" r:id="rId57"/>
+    <p:sldId id="313" r:id="rId58"/>
+    <p:sldId id="314" r:id="rId59"/>
+    <p:sldId id="315" r:id="rId60"/>
+    <p:sldId id="316" r:id="rId61"/>
+    <p:sldId id="317" r:id="rId62"/>
+    <p:sldId id="318" r:id="rId63"/>
+    <p:sldId id="319" r:id="rId64"/>
+    <p:sldId id="320" r:id="rId65"/>
+    <p:sldId id="304" r:id="rId66"/>
+    <p:sldId id="321" r:id="rId67"/>
+    <p:sldId id="322" r:id="rId68"/>
+    <p:sldId id="323" r:id="rId69"/>
+    <p:sldId id="324" r:id="rId70"/>
+    <p:sldId id="325" r:id="rId71"/>
+    <p:sldId id="326" r:id="rId72"/>
+    <p:sldId id="327" r:id="rId73"/>
+    <p:sldId id="328" r:id="rId74"/>
+    <p:sldId id="329" r:id="rId75"/>
+    <p:sldId id="330" r:id="rId76"/>
+    <p:sldId id="331" r:id="rId77"/>
   </p:sldIdLst>
   <p:sldSz cx="9144000" cy="6858000" type="screen4x3"/>
   <p:notesSz cx="6858000" cy="9144000"/>
@@ -112,6 +185,437 @@
 </p:presentation>
 </file>
 
+<file path=ppt/notesMasters/notesMaster1.xml><?xml version="1.0" encoding="utf-8"?>
+<p:notesMaster xmlns:a="http://schemas.openxmlformats.org/drawingml/2006/main" xmlns:r="http://schemas.openxmlformats.org/officeDocument/2006/relationships" xmlns:p="http://schemas.openxmlformats.org/presentationml/2006/main">
+  <p:cSld>
+    <p:bg>
+      <p:bgRef idx="1001">
+        <a:schemeClr val="bg1"/>
+      </p:bgRef>
+    </p:bg>
+    <p:spTree>
+      <p:nvGrpSpPr>
+        <p:cNvPr id="1" name=""/>
+        <p:cNvGrpSpPr/>
+        <p:nvPr/>
+      </p:nvGrpSpPr>
+      <p:grpSpPr>
+        <a:xfrm>
+          <a:off x="0" y="0"/>
+          <a:ext cx="0" cy="0"/>
+          <a:chOff x="0" y="0"/>
+          <a:chExt cx="0" cy="0"/>
+        </a:xfrm>
+      </p:grpSpPr>
+      <p:sp>
+        <p:nvSpPr>
+          <p:cNvPr id="2" name="Header Placeholder 1"/>
+          <p:cNvSpPr>
+            <a:spLocks noGrp="1"/>
+          </p:cNvSpPr>
+          <p:nvPr>
+            <p:ph type="hdr" sz="quarter"/>
+          </p:nvPr>
+        </p:nvSpPr>
+        <p:spPr>
+          <a:xfrm>
+            <a:off x="0" y="0"/>
+            <a:ext cx="2971800" cy="457200"/>
+          </a:xfrm>
+          <a:prstGeom prst="rect">
+            <a:avLst/>
+          </a:prstGeom>
+        </p:spPr>
+        <p:txBody>
+          <a:bodyPr vert="horz" lIns="91440" tIns="45720" rIns="91440" bIns="45720" rtlCol="0"/>
+          <a:lstStyle>
+            <a:lvl1pPr algn="l">
+              <a:defRPr sz="1200"/>
+            </a:lvl1pPr>
+          </a:lstStyle>
+          <a:p>
+            <a:endParaRPr lang="en-GB"/>
+          </a:p>
+        </p:txBody>
+      </p:sp>
+      <p:sp>
+        <p:nvSpPr>
+          <p:cNvPr id="3" name="Date Placeholder 2"/>
+          <p:cNvSpPr>
+            <a:spLocks noGrp="1"/>
+          </p:cNvSpPr>
+          <p:nvPr>
+            <p:ph type="dt" idx="1"/>
+          </p:nvPr>
+        </p:nvSpPr>
+        <p:spPr>
+          <a:xfrm>
+            <a:off x="3884613" y="0"/>
+            <a:ext cx="2971800" cy="457200"/>
+          </a:xfrm>
+          <a:prstGeom prst="rect">
+            <a:avLst/>
+          </a:prstGeom>
+        </p:spPr>
+        <p:txBody>
+          <a:bodyPr vert="horz" lIns="91440" tIns="45720" rIns="91440" bIns="45720" rtlCol="0"/>
+          <a:lstStyle>
+            <a:lvl1pPr algn="r">
+              <a:defRPr sz="1200"/>
+            </a:lvl1pPr>
+          </a:lstStyle>
+          <a:p>
+            <a:fld id="{4661D75D-1AFB-42D5-8F67-5B732B6E6BCC}" type="datetimeFigureOut">
+              <a:rPr lang="en-GB" smtClean="0"/>
+              <a:pPr/>
+              <a:t>27/03/2017</a:t>
+            </a:fld>
+            <a:endParaRPr lang="en-GB"/>
+          </a:p>
+        </p:txBody>
+      </p:sp>
+      <p:sp>
+        <p:nvSpPr>
+          <p:cNvPr id="4" name="Slide Image Placeholder 3"/>
+          <p:cNvSpPr>
+            <a:spLocks noGrp="1" noRot="1" noChangeAspect="1"/>
+          </p:cNvSpPr>
+          <p:nvPr>
+            <p:ph type="sldImg" idx="2"/>
+          </p:nvPr>
+        </p:nvSpPr>
+        <p:spPr>
+          <a:xfrm>
+            <a:off x="1143000" y="685800"/>
+            <a:ext cx="4572000" cy="3429000"/>
+          </a:xfrm>
+          <a:prstGeom prst="rect">
+            <a:avLst/>
+          </a:prstGeom>
+          <a:noFill/>
+          <a:ln w="12700">
+            <a:solidFill>
+              <a:prstClr val="black"/>
+            </a:solidFill>
+          </a:ln>
+        </p:spPr>
+        <p:txBody>
+          <a:bodyPr vert="horz" lIns="91440" tIns="45720" rIns="91440" bIns="45720" rtlCol="0" anchor="ctr"/>
+          <a:lstStyle/>
+          <a:p>
+            <a:endParaRPr lang="en-GB"/>
+          </a:p>
+        </p:txBody>
+      </p:sp>
+      <p:sp>
+        <p:nvSpPr>
+          <p:cNvPr id="5" name="Notes Placeholder 4"/>
+          <p:cNvSpPr>
+            <a:spLocks noGrp="1"/>
+          </p:cNvSpPr>
+          <p:nvPr>
+            <p:ph type="body" sz="quarter" idx="3"/>
+          </p:nvPr>
+        </p:nvSpPr>
+        <p:spPr>
+          <a:xfrm>
+            <a:off x="685800" y="4343400"/>
+            <a:ext cx="5486400" cy="4114800"/>
+          </a:xfrm>
+          <a:prstGeom prst="rect">
+            <a:avLst/>
+          </a:prstGeom>
+        </p:spPr>
+        <p:txBody>
+          <a:bodyPr vert="horz" lIns="91440" tIns="45720" rIns="91440" bIns="45720" rtlCol="0">
+            <a:normAutofit/>
+          </a:bodyPr>
+          <a:lstStyle/>
+          <a:p>
+            <a:pPr lvl="0"/>
+            <a:r>
+              <a:rPr lang="en-US" smtClean="0"/>
+              <a:t>Click to edit Master text styles</a:t>
+            </a:r>
+          </a:p>
+          <a:p>
+            <a:pPr lvl="1"/>
+            <a:r>
+              <a:rPr lang="en-US" smtClean="0"/>
+              <a:t>Second level</a:t>
+            </a:r>
+          </a:p>
+          <a:p>
+            <a:pPr lvl="2"/>
+            <a:r>
+              <a:rPr lang="en-US" smtClean="0"/>
+              <a:t>Third level</a:t>
+            </a:r>
+          </a:p>
+          <a:p>
+            <a:pPr lvl="3"/>
+            <a:r>
+              <a:rPr lang="en-US" smtClean="0"/>
+              <a:t>Fourth level</a:t>
+            </a:r>
+          </a:p>
+          <a:p>
+            <a:pPr lvl="4"/>
+            <a:r>
+              <a:rPr lang="en-US" smtClean="0"/>
+              <a:t>Fifth level</a:t>
+            </a:r>
+            <a:endParaRPr lang="en-GB"/>
+          </a:p>
+        </p:txBody>
+      </p:sp>
+      <p:sp>
+        <p:nvSpPr>
+          <p:cNvPr id="6" name="Footer Placeholder 5"/>
+          <p:cNvSpPr>
+            <a:spLocks noGrp="1"/>
+          </p:cNvSpPr>
+          <p:nvPr>
+            <p:ph type="ftr" sz="quarter" idx="4"/>
+          </p:nvPr>
+        </p:nvSpPr>
+        <p:spPr>
+          <a:xfrm>
+            <a:off x="0" y="8685213"/>
+            <a:ext cx="2971800" cy="457200"/>
+          </a:xfrm>
+          <a:prstGeom prst="rect">
+            <a:avLst/>
+          </a:prstGeom>
+        </p:spPr>
+        <p:txBody>
+          <a:bodyPr vert="horz" lIns="91440" tIns="45720" rIns="91440" bIns="45720" rtlCol="0" anchor="b"/>
+          <a:lstStyle>
+            <a:lvl1pPr algn="l">
+              <a:defRPr sz="1200"/>
+            </a:lvl1pPr>
+          </a:lstStyle>
+          <a:p>
+            <a:endParaRPr lang="en-GB"/>
+          </a:p>
+        </p:txBody>
+      </p:sp>
+      <p:sp>
+        <p:nvSpPr>
+          <p:cNvPr id="7" name="Slide Number Placeholder 6"/>
+          <p:cNvSpPr>
+            <a:spLocks noGrp="1"/>
+          </p:cNvSpPr>
+          <p:nvPr>
+            <p:ph type="sldNum" sz="quarter" idx="5"/>
+          </p:nvPr>
+        </p:nvSpPr>
+        <p:spPr>
+          <a:xfrm>
+            <a:off x="3884613" y="8685213"/>
+            <a:ext cx="2971800" cy="457200"/>
+          </a:xfrm>
+          <a:prstGeom prst="rect">
+            <a:avLst/>
+          </a:prstGeom>
+        </p:spPr>
+        <p:txBody>
+          <a:bodyPr vert="horz" lIns="91440" tIns="45720" rIns="91440" bIns="45720" rtlCol="0" anchor="b"/>
+          <a:lstStyle>
+            <a:lvl1pPr algn="r">
+              <a:defRPr sz="1200"/>
+            </a:lvl1pPr>
+          </a:lstStyle>
+          <a:p>
+            <a:fld id="{B893467B-021B-49A6-BF1B-810F17120488}" type="slidenum">
+              <a:rPr lang="en-GB" smtClean="0"/>
+              <a:pPr/>
+              <a:t>‹#›</a:t>
+            </a:fld>
+            <a:endParaRPr lang="en-GB"/>
+          </a:p>
+        </p:txBody>
+      </p:sp>
+    </p:spTree>
+  </p:cSld>
+  <p:clrMap bg1="lt1" tx1="dk1" bg2="lt2" tx2="dk2" accent1="accent1" accent2="accent2" accent3="accent3" accent4="accent4" accent5="accent5" accent6="accent6" hlink="hlink" folHlink="folHlink"/>
+  <p:notesStyle>
+    <a:lvl1pPr marL="0" algn="l" defTabSz="914400" rtl="0" eaLnBrk="1" latinLnBrk="0" hangingPunct="1">
+      <a:defRPr sz="1200" kern="1200">
+        <a:solidFill>
+          <a:schemeClr val="tx1"/>
+        </a:solidFill>
+        <a:latin typeface="+mn-lt"/>
+        <a:ea typeface="+mn-ea"/>
+        <a:cs typeface="+mn-cs"/>
+      </a:defRPr>
+    </a:lvl1pPr>
+    <a:lvl2pPr marL="457200" algn="l" defTabSz="914400" rtl="0" eaLnBrk="1" latinLnBrk="0" hangingPunct="1">
+      <a:defRPr sz="1200" kern="1200">
+        <a:solidFill>
+          <a:schemeClr val="tx1"/>
+        </a:solidFill>
+        <a:latin typeface="+mn-lt"/>
+        <a:ea typeface="+mn-ea"/>
+        <a:cs typeface="+mn-cs"/>
+      </a:defRPr>
+    </a:lvl2pPr>
+    <a:lvl3pPr marL="914400" algn="l" defTabSz="914400" rtl="0" eaLnBrk="1" latinLnBrk="0" hangingPunct="1">
+      <a:defRPr sz="1200" kern="1200">
+        <a:solidFill>
+          <a:schemeClr val="tx1"/>
+        </a:solidFill>
+        <a:latin typeface="+mn-lt"/>
+        <a:ea typeface="+mn-ea"/>
+        <a:cs typeface="+mn-cs"/>
+      </a:defRPr>
+    </a:lvl3pPr>
+    <a:lvl4pPr marL="1371600" algn="l" defTabSz="914400" rtl="0" eaLnBrk="1" latinLnBrk="0" hangingPunct="1">
+      <a:defRPr sz="1200" kern="1200">
+        <a:solidFill>
+          <a:schemeClr val="tx1"/>
+        </a:solidFill>
+        <a:latin typeface="+mn-lt"/>
+        <a:ea typeface="+mn-ea"/>
+        <a:cs typeface="+mn-cs"/>
+      </a:defRPr>
+    </a:lvl4pPr>
+    <a:lvl5pPr marL="1828800" algn="l" defTabSz="914400" rtl="0" eaLnBrk="1" latinLnBrk="0" hangingPunct="1">
+      <a:defRPr sz="1200" kern="1200">
+        <a:solidFill>
+          <a:schemeClr val="tx1"/>
+        </a:solidFill>
+        <a:latin typeface="+mn-lt"/>
+        <a:ea typeface="+mn-ea"/>
+        <a:cs typeface="+mn-cs"/>
+      </a:defRPr>
+    </a:lvl5pPr>
+    <a:lvl6pPr marL="2286000" algn="l" defTabSz="914400" rtl="0" eaLnBrk="1" latinLnBrk="0" hangingPunct="1">
+      <a:defRPr sz="1200" kern="1200">
+        <a:solidFill>
+          <a:schemeClr val="tx1"/>
+        </a:solidFill>
+        <a:latin typeface="+mn-lt"/>
+        <a:ea typeface="+mn-ea"/>
+        <a:cs typeface="+mn-cs"/>
+      </a:defRPr>
+    </a:lvl6pPr>
+    <a:lvl7pPr marL="2743200" algn="l" defTabSz="914400" rtl="0" eaLnBrk="1" latinLnBrk="0" hangingPunct="1">
+      <a:defRPr sz="1200" kern="1200">
+        <a:solidFill>
+          <a:schemeClr val="tx1"/>
+        </a:solidFill>
+        <a:latin typeface="+mn-lt"/>
+        <a:ea typeface="+mn-ea"/>
+        <a:cs typeface="+mn-cs"/>
+      </a:defRPr>
+    </a:lvl7pPr>
+    <a:lvl8pPr marL="3200400" algn="l" defTabSz="914400" rtl="0" eaLnBrk="1" latinLnBrk="0" hangingPunct="1">
+      <a:defRPr sz="1200" kern="1200">
+        <a:solidFill>
+          <a:schemeClr val="tx1"/>
+        </a:solidFill>
+        <a:latin typeface="+mn-lt"/>
+        <a:ea typeface="+mn-ea"/>
+        <a:cs typeface="+mn-cs"/>
+      </a:defRPr>
+    </a:lvl8pPr>
+    <a:lvl9pPr marL="3657600" algn="l" defTabSz="914400" rtl="0" eaLnBrk="1" latinLnBrk="0" hangingPunct="1">
+      <a:defRPr sz="1200" kern="1200">
+        <a:solidFill>
+          <a:schemeClr val="tx1"/>
+        </a:solidFill>
+        <a:latin typeface="+mn-lt"/>
+        <a:ea typeface="+mn-ea"/>
+        <a:cs typeface="+mn-cs"/>
+      </a:defRPr>
+    </a:lvl9pPr>
+  </p:notesStyle>
+</p:notesMaster>
+</file>
+
+<file path=ppt/notesSlides/notesSlide1.xml><?xml version="1.0" encoding="utf-8"?>
+<p:notes xmlns:a="http://schemas.openxmlformats.org/drawingml/2006/main" xmlns:r="http://schemas.openxmlformats.org/officeDocument/2006/relationships" xmlns:p="http://schemas.openxmlformats.org/presentationml/2006/main">
+  <p:cSld>
+    <p:spTree>
+      <p:nvGrpSpPr>
+        <p:cNvPr id="1" name=""/>
+        <p:cNvGrpSpPr/>
+        <p:nvPr/>
+      </p:nvGrpSpPr>
+      <p:grpSpPr>
+        <a:xfrm>
+          <a:off x="0" y="0"/>
+          <a:ext cx="0" cy="0"/>
+          <a:chOff x="0" y="0"/>
+          <a:chExt cx="0" cy="0"/>
+        </a:xfrm>
+      </p:grpSpPr>
+      <p:sp>
+        <p:nvSpPr>
+          <p:cNvPr id="2" name="Slide Image Placeholder 1"/>
+          <p:cNvSpPr>
+            <a:spLocks noGrp="1" noRot="1" noChangeAspect="1"/>
+          </p:cNvSpPr>
+          <p:nvPr>
+            <p:ph type="sldImg"/>
+          </p:nvPr>
+        </p:nvSpPr>
+        <p:spPr/>
+      </p:sp>
+      <p:sp>
+        <p:nvSpPr>
+          <p:cNvPr id="3" name="Notes Placeholder 2"/>
+          <p:cNvSpPr>
+            <a:spLocks noGrp="1"/>
+          </p:cNvSpPr>
+          <p:nvPr>
+            <p:ph type="body" idx="1"/>
+          </p:nvPr>
+        </p:nvSpPr>
+        <p:spPr/>
+        <p:txBody>
+          <a:bodyPr>
+            <a:normAutofit/>
+          </a:bodyPr>
+          <a:lstStyle/>
+          <a:p>
+            <a:endParaRPr lang="en-GB" dirty="0"/>
+          </a:p>
+        </p:txBody>
+      </p:sp>
+      <p:sp>
+        <p:nvSpPr>
+          <p:cNvPr id="4" name="Slide Number Placeholder 3"/>
+          <p:cNvSpPr>
+            <a:spLocks noGrp="1"/>
+          </p:cNvSpPr>
+          <p:nvPr>
+            <p:ph type="sldNum" sz="quarter" idx="10"/>
+          </p:nvPr>
+        </p:nvSpPr>
+        <p:spPr/>
+        <p:txBody>
+          <a:bodyPr/>
+          <a:lstStyle/>
+          <a:p>
+            <a:fld id="{B893467B-021B-49A6-BF1B-810F17120488}" type="slidenum">
+              <a:rPr lang="en-GB" smtClean="0"/>
+              <a:pPr/>
+              <a:t>63</a:t>
+            </a:fld>
+            <a:endParaRPr lang="en-GB"/>
+          </a:p>
+        </p:txBody>
+      </p:sp>
+    </p:spTree>
+  </p:cSld>
+  <p:clrMapOvr>
+    <a:masterClrMapping/>
+  </p:clrMapOvr>
+</p:notes>
+</file>
+
 <file path=ppt/slideLayouts/slideLayout1.xml><?xml version="1.0" encoding="utf-8"?>
 <p:sldLayout xmlns:a="http://schemas.openxmlformats.org/drawingml/2006/main" xmlns:r="http://schemas.openxmlformats.org/officeDocument/2006/relationships" xmlns:p="http://schemas.openxmlformats.org/presentationml/2006/main" type="title" preserve="1">
   <p:cSld name="Title Slide">
@@ -286,9 +790,9 @@
             <a:fld id="{47C9B81F-C347-4BEF-BFDF-29C42F48304A}" type="datetimeFigureOut">
               <a:rPr lang="en-US" smtClean="0"/>
               <a:pPr/>
-              <a:t>3/4/2017</a:t>
+              <a:t>3/27/2017</a:t>
             </a:fld>
-            <a:endParaRPr lang="en-US"/>
+            <a:endParaRPr lang="en-US" dirty="0"/>
           </a:p>
         </p:txBody>
       </p:sp>
@@ -307,7 +811,7 @@
           <a:bodyPr/>
           <a:lstStyle/>
           <a:p>
-            <a:endParaRPr kumimoji="0" lang="en-US"/>
+            <a:endParaRPr kumimoji="0" lang="en-US" dirty="0"/>
           </a:p>
         </p:txBody>
       </p:sp>
@@ -331,7 +835,7 @@
               <a:pPr/>
               <a:t>‹#›</a:t>
             </a:fld>
-            <a:endParaRPr kumimoji="0" lang="en-US"/>
+            <a:endParaRPr kumimoji="0" lang="en-US" dirty="0"/>
           </a:p>
         </p:txBody>
       </p:sp>
@@ -453,9 +957,9 @@
             <a:fld id="{47C9B81F-C347-4BEF-BFDF-29C42F48304A}" type="datetimeFigureOut">
               <a:rPr lang="en-US" smtClean="0"/>
               <a:pPr/>
-              <a:t>3/4/2017</a:t>
+              <a:t>3/27/2017</a:t>
             </a:fld>
-            <a:endParaRPr lang="en-US"/>
+            <a:endParaRPr lang="en-US" dirty="0"/>
           </a:p>
         </p:txBody>
       </p:sp>
@@ -474,7 +978,7 @@
           <a:bodyPr/>
           <a:lstStyle/>
           <a:p>
-            <a:endParaRPr kumimoji="0" lang="en-US"/>
+            <a:endParaRPr kumimoji="0" lang="en-US" dirty="0"/>
           </a:p>
         </p:txBody>
       </p:sp>
@@ -498,7 +1002,7 @@
               <a:pPr/>
               <a:t>‹#›</a:t>
             </a:fld>
-            <a:endParaRPr kumimoji="0" lang="en-US"/>
+            <a:endParaRPr kumimoji="0" lang="en-US" dirty="0"/>
           </a:p>
         </p:txBody>
       </p:sp>
@@ -630,9 +1134,9 @@
             <a:fld id="{47C9B81F-C347-4BEF-BFDF-29C42F48304A}" type="datetimeFigureOut">
               <a:rPr lang="en-US" smtClean="0"/>
               <a:pPr/>
-              <a:t>3/4/2017</a:t>
+              <a:t>3/27/2017</a:t>
             </a:fld>
-            <a:endParaRPr lang="en-US"/>
+            <a:endParaRPr lang="en-US" dirty="0"/>
           </a:p>
         </p:txBody>
       </p:sp>
@@ -651,7 +1155,7 @@
           <a:bodyPr/>
           <a:lstStyle/>
           <a:p>
-            <a:endParaRPr kumimoji="0" lang="en-US"/>
+            <a:endParaRPr kumimoji="0" lang="en-US" dirty="0"/>
           </a:p>
         </p:txBody>
       </p:sp>
@@ -675,7 +1179,7 @@
               <a:pPr/>
               <a:t>‹#›</a:t>
             </a:fld>
-            <a:endParaRPr kumimoji="0" lang="en-US"/>
+            <a:endParaRPr kumimoji="0" lang="en-US" dirty="0"/>
           </a:p>
         </p:txBody>
       </p:sp>
@@ -797,9 +1301,9 @@
             <a:fld id="{47C9B81F-C347-4BEF-BFDF-29C42F48304A}" type="datetimeFigureOut">
               <a:rPr lang="en-US" smtClean="0"/>
               <a:pPr/>
-              <a:t>3/4/2017</a:t>
+              <a:t>3/27/2017</a:t>
             </a:fld>
-            <a:endParaRPr lang="en-US"/>
+            <a:endParaRPr lang="en-US" dirty="0"/>
           </a:p>
         </p:txBody>
       </p:sp>
@@ -818,7 +1322,7 @@
           <a:bodyPr/>
           <a:lstStyle/>
           <a:p>
-            <a:endParaRPr kumimoji="0" lang="en-US"/>
+            <a:endParaRPr kumimoji="0" lang="en-US" dirty="0"/>
           </a:p>
         </p:txBody>
       </p:sp>
@@ -842,7 +1346,7 @@
               <a:pPr/>
               <a:t>‹#›</a:t>
             </a:fld>
-            <a:endParaRPr kumimoji="0" lang="en-US"/>
+            <a:endParaRPr kumimoji="0" lang="en-US" dirty="0"/>
           </a:p>
         </p:txBody>
       </p:sp>
@@ -1041,9 +1545,9 @@
             <a:fld id="{47C9B81F-C347-4BEF-BFDF-29C42F48304A}" type="datetimeFigureOut">
               <a:rPr lang="en-US" smtClean="0"/>
               <a:pPr/>
-              <a:t>3/4/2017</a:t>
+              <a:t>3/27/2017</a:t>
             </a:fld>
-            <a:endParaRPr lang="en-US"/>
+            <a:endParaRPr lang="en-US" dirty="0"/>
           </a:p>
         </p:txBody>
       </p:sp>
@@ -1062,7 +1566,7 @@
           <a:bodyPr/>
           <a:lstStyle/>
           <a:p>
-            <a:endParaRPr kumimoji="0" lang="en-US"/>
+            <a:endParaRPr kumimoji="0" lang="en-US" dirty="0"/>
           </a:p>
         </p:txBody>
       </p:sp>
@@ -1086,7 +1590,7 @@
               <a:pPr/>
               <a:t>‹#›</a:t>
             </a:fld>
-            <a:endParaRPr kumimoji="0" lang="en-US"/>
+            <a:endParaRPr kumimoji="0" lang="en-US" dirty="0"/>
           </a:p>
         </p:txBody>
       </p:sp>
@@ -1307,9 +1811,9 @@
             <a:fld id="{47C9B81F-C347-4BEF-BFDF-29C42F48304A}" type="datetimeFigureOut">
               <a:rPr lang="en-US" smtClean="0"/>
               <a:pPr/>
-              <a:t>3/4/2017</a:t>
+              <a:t>3/27/2017</a:t>
             </a:fld>
-            <a:endParaRPr lang="en-US"/>
+            <a:endParaRPr lang="en-US" dirty="0"/>
           </a:p>
         </p:txBody>
       </p:sp>
@@ -1328,7 +1832,7 @@
           <a:bodyPr/>
           <a:lstStyle/>
           <a:p>
-            <a:endParaRPr kumimoji="0" lang="en-US"/>
+            <a:endParaRPr kumimoji="0" lang="en-US" dirty="0"/>
           </a:p>
         </p:txBody>
       </p:sp>
@@ -1352,7 +1856,7 @@
               <a:pPr/>
               <a:t>‹#›</a:t>
             </a:fld>
-            <a:endParaRPr kumimoji="0" lang="en-US"/>
+            <a:endParaRPr kumimoji="0" lang="en-US" dirty="0"/>
           </a:p>
         </p:txBody>
       </p:sp>
@@ -1687,9 +2191,9 @@
             <a:fld id="{47C9B81F-C347-4BEF-BFDF-29C42F48304A}" type="datetimeFigureOut">
               <a:rPr lang="en-US" smtClean="0"/>
               <a:pPr/>
-              <a:t>3/4/2017</a:t>
+              <a:t>3/27/2017</a:t>
             </a:fld>
-            <a:endParaRPr lang="en-US"/>
+            <a:endParaRPr lang="en-US" dirty="0"/>
           </a:p>
         </p:txBody>
       </p:sp>
@@ -1732,7 +2236,7 @@
               <a:pPr/>
               <a:t>‹#›</a:t>
             </a:fld>
-            <a:endParaRPr kumimoji="0" lang="en-US"/>
+            <a:endParaRPr kumimoji="0" lang="en-US" dirty="0"/>
           </a:p>
         </p:txBody>
       </p:sp>
@@ -1839,9 +2343,9 @@
             <a:fld id="{47C9B81F-C347-4BEF-BFDF-29C42F48304A}" type="datetimeFigureOut">
               <a:rPr lang="en-US" smtClean="0"/>
               <a:pPr/>
-              <a:t>3/4/2017</a:t>
+              <a:t>3/27/2017</a:t>
             </a:fld>
-            <a:endParaRPr lang="en-US"/>
+            <a:endParaRPr lang="en-US" dirty="0"/>
           </a:p>
         </p:txBody>
       </p:sp>
@@ -1860,7 +2364,7 @@
           <a:bodyPr/>
           <a:lstStyle/>
           <a:p>
-            <a:endParaRPr kumimoji="0" lang="en-US"/>
+            <a:endParaRPr kumimoji="0" lang="en-US" dirty="0"/>
           </a:p>
         </p:txBody>
       </p:sp>
@@ -1884,7 +2388,7 @@
               <a:pPr/>
               <a:t>‹#›</a:t>
             </a:fld>
-            <a:endParaRPr kumimoji="0" lang="en-US"/>
+            <a:endParaRPr kumimoji="0" lang="en-US" dirty="0"/>
           </a:p>
         </p:txBody>
       </p:sp>
@@ -1931,9 +2435,9 @@
             <a:fld id="{47C9B81F-C347-4BEF-BFDF-29C42F48304A}" type="datetimeFigureOut">
               <a:rPr lang="en-US" smtClean="0"/>
               <a:pPr/>
-              <a:t>3/4/2017</a:t>
+              <a:t>3/27/2017</a:t>
             </a:fld>
-            <a:endParaRPr lang="en-US"/>
+            <a:endParaRPr lang="en-US" dirty="0"/>
           </a:p>
         </p:txBody>
       </p:sp>
@@ -1952,7 +2456,7 @@
           <a:bodyPr/>
           <a:lstStyle/>
           <a:p>
-            <a:endParaRPr kumimoji="0" lang="en-US"/>
+            <a:endParaRPr kumimoji="0" lang="en-US" dirty="0"/>
           </a:p>
         </p:txBody>
       </p:sp>
@@ -1976,7 +2480,7 @@
               <a:pPr/>
               <a:t>‹#›</a:t>
             </a:fld>
-            <a:endParaRPr kumimoji="0" lang="en-US"/>
+            <a:endParaRPr kumimoji="0" lang="en-US" dirty="0"/>
           </a:p>
         </p:txBody>
       </p:sp>
@@ -2194,9 +2698,9 @@
             <a:fld id="{47C9B81F-C347-4BEF-BFDF-29C42F48304A}" type="datetimeFigureOut">
               <a:rPr lang="en-US" smtClean="0"/>
               <a:pPr/>
-              <a:t>3/4/2017</a:t>
+              <a:t>3/27/2017</a:t>
             </a:fld>
-            <a:endParaRPr lang="en-US"/>
+            <a:endParaRPr lang="en-US" dirty="0"/>
           </a:p>
         </p:txBody>
       </p:sp>
@@ -2215,7 +2719,7 @@
           <a:bodyPr/>
           <a:lstStyle/>
           <a:p>
-            <a:endParaRPr kumimoji="0" lang="en-US"/>
+            <a:endParaRPr kumimoji="0" lang="en-US" dirty="0"/>
           </a:p>
         </p:txBody>
       </p:sp>
@@ -2239,7 +2743,7 @@
               <a:pPr/>
               <a:t>‹#›</a:t>
             </a:fld>
-            <a:endParaRPr kumimoji="0" lang="en-US"/>
+            <a:endParaRPr kumimoji="0" lang="en-US" dirty="0"/>
           </a:p>
         </p:txBody>
       </p:sp>
@@ -2321,7 +2825,7 @@
           <a:lstStyle/>
           <a:p>
             <a:pPr algn="ctr" eaLnBrk="1" latinLnBrk="0" hangingPunct="1"/>
-            <a:endParaRPr kumimoji="0" lang="en-US"/>
+            <a:endParaRPr kumimoji="0" lang="en-US" dirty="0"/>
           </a:p>
         </p:txBody>
       </p:sp>
@@ -2376,7 +2880,7 @@
           <a:lstStyle/>
           <a:p>
             <a:pPr algn="ctr" eaLnBrk="1" latinLnBrk="0" hangingPunct="1"/>
-            <a:endParaRPr kumimoji="0" lang="en-US"/>
+            <a:endParaRPr kumimoji="0" lang="en-US" dirty="0"/>
           </a:p>
         </p:txBody>
       </p:sp>
@@ -2484,9 +2988,9 @@
             <a:fld id="{47C9B81F-C347-4BEF-BFDF-29C42F48304A}" type="datetimeFigureOut">
               <a:rPr lang="en-US" smtClean="0"/>
               <a:pPr/>
-              <a:t>3/4/2017</a:t>
+              <a:t>3/27/2017</a:t>
             </a:fld>
-            <a:endParaRPr lang="en-US"/>
+            <a:endParaRPr lang="en-US" dirty="0"/>
           </a:p>
         </p:txBody>
       </p:sp>
@@ -2505,7 +3009,7 @@
           <a:bodyPr/>
           <a:lstStyle/>
           <a:p>
-            <a:endParaRPr kumimoji="0" lang="en-US"/>
+            <a:endParaRPr kumimoji="0" lang="en-US" dirty="0"/>
           </a:p>
         </p:txBody>
       </p:sp>
@@ -2534,7 +3038,7 @@
               <a:pPr/>
               <a:t>‹#›</a:t>
             </a:fld>
-            <a:endParaRPr kumimoji="0" lang="en-US"/>
+            <a:endParaRPr kumimoji="0" lang="en-US" dirty="0"/>
           </a:p>
         </p:txBody>
       </p:sp>
@@ -2577,7 +3081,7 @@
           </a:lstStyle>
           <a:p>
             <a:r>
-              <a:rPr kumimoji="0" lang="en-US" smtClean="0"/>
+              <a:rPr kumimoji="0" lang="en-US" dirty="0" smtClean="0"/>
               <a:t>Click icon to add picture</a:t>
             </a:r>
             <a:endParaRPr kumimoji="0" lang="en-US" dirty="0"/>
@@ -2716,7 +3220,7 @@
           <a:lstStyle/>
           <a:p>
             <a:pPr marL="0" algn="l" rtl="0" eaLnBrk="1" latinLnBrk="0" hangingPunct="1"/>
-            <a:endParaRPr kumimoji="0" lang="en-US">
+            <a:endParaRPr kumimoji="0" lang="en-US" dirty="0">
               <a:solidFill>
                 <a:schemeClr val="tx1"/>
               </a:solidFill>
@@ -2829,7 +3333,7 @@
           <a:lstStyle/>
           <a:p>
             <a:pPr marL="0" algn="l" rtl="0" eaLnBrk="1" latinLnBrk="0" hangingPunct="1"/>
-            <a:endParaRPr kumimoji="0" lang="en-US">
+            <a:endParaRPr kumimoji="0" lang="en-US" dirty="0">
               <a:solidFill>
                 <a:schemeClr val="tx1"/>
               </a:solidFill>
@@ -3002,7 +3506,7 @@
           <a:lstStyle/>
           <a:p>
             <a:pPr marL="0" algn="l" rtl="0" eaLnBrk="1" latinLnBrk="0" hangingPunct="1"/>
-            <a:endParaRPr kumimoji="0" lang="en-US">
+            <a:endParaRPr kumimoji="0" lang="en-US" dirty="0">
               <a:solidFill>
                 <a:schemeClr val="tx1"/>
               </a:solidFill>
@@ -3115,7 +3619,7 @@
           <a:lstStyle/>
           <a:p>
             <a:pPr marL="0" algn="l" rtl="0" eaLnBrk="1" latinLnBrk="0" hangingPunct="1"/>
-            <a:endParaRPr kumimoji="0" lang="en-US">
+            <a:endParaRPr kumimoji="0" lang="en-US" dirty="0">
               <a:solidFill>
                 <a:schemeClr val="tx1"/>
               </a:solidFill>
@@ -3257,7 +3761,7 @@
             <a:fld id="{47C9B81F-C347-4BEF-BFDF-29C42F48304A}" type="datetimeFigureOut">
               <a:rPr lang="en-US" smtClean="0"/>
               <a:pPr/>
-              <a:t>3/4/2017</a:t>
+              <a:t>3/27/2017</a:t>
             </a:fld>
             <a:endParaRPr lang="en-US" dirty="0">
               <a:solidFill>
@@ -3473,7 +3977,7 @@
             <a:bodyPr vert="horz" wrap="square" lIns="91440" tIns="45720" rIns="91440" bIns="45720" anchor="t" compatLnSpc="1"/>
             <a:lstStyle/>
             <a:p>
-              <a:endParaRPr kumimoji="0" lang="en-US"/>
+              <a:endParaRPr kumimoji="0" lang="en-US" dirty="0"/>
             </a:p>
           </p:txBody>
         </p:sp>
@@ -3570,7 +4074,7 @@
             <a:bodyPr vert="horz" wrap="square" lIns="91440" tIns="45720" rIns="91440" bIns="45720" anchor="t" compatLnSpc="1"/>
             <a:lstStyle/>
             <a:p>
-              <a:endParaRPr kumimoji="0" lang="en-US"/>
+              <a:endParaRPr kumimoji="0" lang="en-US" dirty="0"/>
             </a:p>
           </p:txBody>
         </p:sp>
@@ -3933,7 +4437,778 @@
           <a:bodyPr/>
           <a:lstStyle/>
           <a:p>
+            <a:endParaRPr lang="en-GB" dirty="0"/>
+          </a:p>
+        </p:txBody>
+      </p:sp>
+    </p:spTree>
+  </p:cSld>
+  <p:clrMapOvr>
+    <a:masterClrMapping/>
+  </p:clrMapOvr>
+</p:sld>
+</file>
+
+<file path=ppt/slides/slide10.xml><?xml version="1.0" encoding="utf-8"?>
+<p:sld xmlns:a="http://schemas.openxmlformats.org/drawingml/2006/main" xmlns:r="http://schemas.openxmlformats.org/officeDocument/2006/relationships" xmlns:p="http://schemas.openxmlformats.org/presentationml/2006/main">
+  <p:cSld>
+    <p:spTree>
+      <p:nvGrpSpPr>
+        <p:cNvPr id="1" name=""/>
+        <p:cNvGrpSpPr/>
+        <p:nvPr/>
+      </p:nvGrpSpPr>
+      <p:grpSpPr>
+        <a:xfrm>
+          <a:off x="0" y="0"/>
+          <a:ext cx="0" cy="0"/>
+          <a:chOff x="0" y="0"/>
+          <a:chExt cx="0" cy="0"/>
+        </a:xfrm>
+      </p:grpSpPr>
+      <p:sp>
+        <p:nvSpPr>
+          <p:cNvPr id="2" name="Title 1"/>
+          <p:cNvSpPr>
+            <a:spLocks noGrp="1"/>
+          </p:cNvSpPr>
+          <p:nvPr>
+            <p:ph type="ctrTitle"/>
+          </p:nvPr>
+        </p:nvSpPr>
+        <p:spPr/>
+        <p:txBody>
+          <a:bodyPr/>
+          <a:lstStyle/>
+          <a:p>
+            <a:r>
+              <a:rPr lang="en-US" dirty="0" smtClean="0"/>
+              <a:t>To </a:t>
+            </a:r>
+            <a:r>
+              <a:rPr lang="en-US" dirty="0" err="1" smtClean="0"/>
+              <a:t>Oraganize</a:t>
+            </a:r>
+            <a:r>
+              <a:rPr lang="en-US" dirty="0" smtClean="0"/>
+              <a:t> codes in </a:t>
+            </a:r>
+            <a:r>
+              <a:rPr lang="en-US" dirty="0" err="1" smtClean="0"/>
+              <a:t>Ecliplse</a:t>
+            </a:r>
+            <a:r>
+              <a:rPr lang="en-US" dirty="0" smtClean="0"/>
+              <a:t> IDE</a:t>
+            </a:r>
+            <a:endParaRPr lang="en-GB" dirty="0"/>
+          </a:p>
+        </p:txBody>
+      </p:sp>
+      <p:sp>
+        <p:nvSpPr>
+          <p:cNvPr id="3" name="Subtitle 2"/>
+          <p:cNvSpPr>
+            <a:spLocks noGrp="1"/>
+          </p:cNvSpPr>
+          <p:nvPr>
+            <p:ph type="subTitle" idx="1"/>
+          </p:nvPr>
+        </p:nvSpPr>
+        <p:spPr/>
+        <p:txBody>
+          <a:bodyPr/>
+          <a:lstStyle/>
+          <a:p>
+            <a:r>
+              <a:rPr lang="en-US" dirty="0" smtClean="0"/>
+              <a:t>Ctrl A</a:t>
+            </a:r>
+          </a:p>
+          <a:p>
+            <a:r>
+              <a:rPr lang="en-US" dirty="0" smtClean="0"/>
+              <a:t>Ctrl +!</a:t>
+            </a:r>
+            <a:endParaRPr lang="en-GB" dirty="0"/>
+          </a:p>
+        </p:txBody>
+      </p:sp>
+    </p:spTree>
+  </p:cSld>
+  <p:clrMapOvr>
+    <a:masterClrMapping/>
+  </p:clrMapOvr>
+</p:sld>
+</file>
+
+<file path=ppt/slides/slide11.xml><?xml version="1.0" encoding="utf-8"?>
+<p:sld xmlns:a="http://schemas.openxmlformats.org/drawingml/2006/main" xmlns:r="http://schemas.openxmlformats.org/officeDocument/2006/relationships" xmlns:p="http://schemas.openxmlformats.org/presentationml/2006/main">
+  <p:cSld>
+    <p:spTree>
+      <p:nvGrpSpPr>
+        <p:cNvPr id="1" name=""/>
+        <p:cNvGrpSpPr/>
+        <p:nvPr/>
+      </p:nvGrpSpPr>
+      <p:grpSpPr>
+        <a:xfrm>
+          <a:off x="0" y="0"/>
+          <a:ext cx="0" cy="0"/>
+          <a:chOff x="0" y="0"/>
+          <a:chExt cx="0" cy="0"/>
+        </a:xfrm>
+      </p:grpSpPr>
+      <p:sp>
+        <p:nvSpPr>
+          <p:cNvPr id="2" name="Title 1"/>
+          <p:cNvSpPr>
+            <a:spLocks noGrp="1"/>
+          </p:cNvSpPr>
+          <p:nvPr>
+            <p:ph type="ctrTitle"/>
+          </p:nvPr>
+        </p:nvSpPr>
+        <p:spPr/>
+        <p:txBody>
+          <a:bodyPr/>
+          <a:lstStyle/>
+          <a:p>
+            <a:r>
+              <a:rPr lang="en-GB" dirty="0" smtClean="0"/>
+              <a:t>Java Packages allow us to__</a:t>
+            </a:r>
+            <a:endParaRPr lang="en-GB" dirty="0"/>
+          </a:p>
+        </p:txBody>
+      </p:sp>
+      <p:sp>
+        <p:nvSpPr>
+          <p:cNvPr id="3" name="Subtitle 2"/>
+          <p:cNvSpPr>
+            <a:spLocks noGrp="1"/>
+          </p:cNvSpPr>
+          <p:nvPr>
+            <p:ph type="subTitle" idx="1"/>
+          </p:nvPr>
+        </p:nvSpPr>
+        <p:spPr/>
+        <p:txBody>
+          <a:bodyPr/>
+          <a:lstStyle/>
+          <a:p>
+            <a:r>
+              <a:rPr lang="en-GB" smtClean="0"/>
+              <a:t>Organize classes</a:t>
+            </a:r>
             <a:endParaRPr lang="en-GB"/>
+          </a:p>
+        </p:txBody>
+      </p:sp>
+    </p:spTree>
+  </p:cSld>
+  <p:clrMapOvr>
+    <a:masterClrMapping/>
+  </p:clrMapOvr>
+</p:sld>
+</file>
+
+<file path=ppt/slides/slide12.xml><?xml version="1.0" encoding="utf-8"?>
+<p:sld xmlns:a="http://schemas.openxmlformats.org/drawingml/2006/main" xmlns:r="http://schemas.openxmlformats.org/officeDocument/2006/relationships" xmlns:p="http://schemas.openxmlformats.org/presentationml/2006/main">
+  <p:cSld>
+    <p:spTree>
+      <p:nvGrpSpPr>
+        <p:cNvPr id="1" name=""/>
+        <p:cNvGrpSpPr/>
+        <p:nvPr/>
+      </p:nvGrpSpPr>
+      <p:grpSpPr>
+        <a:xfrm>
+          <a:off x="0" y="0"/>
+          <a:ext cx="0" cy="0"/>
+          <a:chOff x="0" y="0"/>
+          <a:chExt cx="0" cy="0"/>
+        </a:xfrm>
+      </p:grpSpPr>
+      <p:sp>
+        <p:nvSpPr>
+          <p:cNvPr id="2" name="Title 1"/>
+          <p:cNvSpPr>
+            <a:spLocks noGrp="1"/>
+          </p:cNvSpPr>
+          <p:nvPr>
+            <p:ph type="ctrTitle"/>
+          </p:nvPr>
+        </p:nvSpPr>
+        <p:spPr/>
+        <p:txBody>
+          <a:bodyPr>
+            <a:normAutofit fontScale="90000"/>
+          </a:bodyPr>
+          <a:lstStyle/>
+          <a:p>
+            <a:r>
+              <a:rPr lang="en-GB" dirty="0" smtClean="0"/>
+              <a:t>How to import multiple classes within same package?</a:t>
+            </a:r>
+            <a:endParaRPr lang="en-GB" dirty="0"/>
+          </a:p>
+        </p:txBody>
+      </p:sp>
+      <p:sp>
+        <p:nvSpPr>
+          <p:cNvPr id="3" name="Subtitle 2"/>
+          <p:cNvSpPr>
+            <a:spLocks noGrp="1"/>
+          </p:cNvSpPr>
+          <p:nvPr>
+            <p:ph type="subTitle" idx="1"/>
+          </p:nvPr>
+        </p:nvSpPr>
+        <p:spPr/>
+        <p:txBody>
+          <a:bodyPr/>
+          <a:lstStyle/>
+          <a:p>
+            <a:r>
+              <a:rPr lang="en-GB" b="1" dirty="0" smtClean="0"/>
+              <a:t>import models.*;</a:t>
+            </a:r>
+            <a:endParaRPr lang="en-GB" dirty="0"/>
+          </a:p>
+        </p:txBody>
+      </p:sp>
+    </p:spTree>
+  </p:cSld>
+  <p:clrMapOvr>
+    <a:masterClrMapping/>
+  </p:clrMapOvr>
+</p:sld>
+</file>
+
+<file path=ppt/slides/slide13.xml><?xml version="1.0" encoding="utf-8"?>
+<p:sld xmlns:a="http://schemas.openxmlformats.org/drawingml/2006/main" xmlns:r="http://schemas.openxmlformats.org/officeDocument/2006/relationships" xmlns:p="http://schemas.openxmlformats.org/presentationml/2006/main">
+  <p:cSld>
+    <p:spTree>
+      <p:nvGrpSpPr>
+        <p:cNvPr id="1" name=""/>
+        <p:cNvGrpSpPr/>
+        <p:nvPr/>
+      </p:nvGrpSpPr>
+      <p:grpSpPr>
+        <a:xfrm>
+          <a:off x="0" y="0"/>
+          <a:ext cx="0" cy="0"/>
+          <a:chOff x="0" y="0"/>
+          <a:chExt cx="0" cy="0"/>
+        </a:xfrm>
+      </p:grpSpPr>
+      <p:sp>
+        <p:nvSpPr>
+          <p:cNvPr id="2" name="Title 1"/>
+          <p:cNvSpPr>
+            <a:spLocks noGrp="1"/>
+          </p:cNvSpPr>
+          <p:nvPr>
+            <p:ph type="ctrTitle"/>
+          </p:nvPr>
+        </p:nvSpPr>
+        <p:spPr/>
+        <p:txBody>
+          <a:bodyPr>
+            <a:normAutofit fontScale="90000"/>
+          </a:bodyPr>
+          <a:lstStyle/>
+          <a:p>
+            <a:r>
+              <a:rPr lang="en-GB" dirty="0" smtClean="0"/>
+              <a:t>Can a class in one package see classes in another package?</a:t>
+            </a:r>
+            <a:endParaRPr lang="en-GB" dirty="0"/>
+          </a:p>
+        </p:txBody>
+      </p:sp>
+      <p:sp>
+        <p:nvSpPr>
+          <p:cNvPr id="3" name="Subtitle 2"/>
+          <p:cNvSpPr>
+            <a:spLocks noGrp="1"/>
+          </p:cNvSpPr>
+          <p:nvPr>
+            <p:ph type="subTitle" idx="1"/>
+          </p:nvPr>
+        </p:nvSpPr>
+        <p:spPr/>
+        <p:txBody>
+          <a:bodyPr/>
+          <a:lstStyle/>
+          <a:p>
+            <a:r>
+              <a:rPr lang="en-GB" dirty="0" smtClean="0"/>
+              <a:t>No, unless package name is imported at top</a:t>
+            </a:r>
+            <a:endParaRPr lang="en-GB" dirty="0"/>
+          </a:p>
+        </p:txBody>
+      </p:sp>
+    </p:spTree>
+  </p:cSld>
+  <p:clrMapOvr>
+    <a:masterClrMapping/>
+  </p:clrMapOvr>
+</p:sld>
+</file>
+
+<file path=ppt/slides/slide14.xml><?xml version="1.0" encoding="utf-8"?>
+<p:sld xmlns:a="http://schemas.openxmlformats.org/drawingml/2006/main" xmlns:r="http://schemas.openxmlformats.org/officeDocument/2006/relationships" xmlns:p="http://schemas.openxmlformats.org/presentationml/2006/main">
+  <p:cSld>
+    <p:spTree>
+      <p:nvGrpSpPr>
+        <p:cNvPr id="1" name=""/>
+        <p:cNvGrpSpPr/>
+        <p:nvPr/>
+      </p:nvGrpSpPr>
+      <p:grpSpPr>
+        <a:xfrm>
+          <a:off x="0" y="0"/>
+          <a:ext cx="0" cy="0"/>
+          <a:chOff x="0" y="0"/>
+          <a:chExt cx="0" cy="0"/>
+        </a:xfrm>
+      </p:grpSpPr>
+      <p:sp>
+        <p:nvSpPr>
+          <p:cNvPr id="2" name="Title 1"/>
+          <p:cNvSpPr>
+            <a:spLocks noGrp="1"/>
+          </p:cNvSpPr>
+          <p:nvPr>
+            <p:ph type="ctrTitle"/>
+          </p:nvPr>
+        </p:nvSpPr>
+        <p:spPr/>
+        <p:txBody>
+          <a:bodyPr>
+            <a:normAutofit fontScale="90000"/>
+          </a:bodyPr>
+          <a:lstStyle/>
+          <a:p>
+            <a:r>
+              <a:rPr lang="en-GB" dirty="0" smtClean="0"/>
+              <a:t>What does import classes do at the top of a function?</a:t>
+            </a:r>
+            <a:endParaRPr lang="en-GB" dirty="0"/>
+          </a:p>
+        </p:txBody>
+      </p:sp>
+      <p:sp>
+        <p:nvSpPr>
+          <p:cNvPr id="3" name="Subtitle 2"/>
+          <p:cNvSpPr>
+            <a:spLocks noGrp="1"/>
+          </p:cNvSpPr>
+          <p:nvPr>
+            <p:ph type="subTitle" idx="1"/>
+          </p:nvPr>
+        </p:nvSpPr>
+        <p:spPr/>
+        <p:txBody>
+          <a:bodyPr/>
+          <a:lstStyle/>
+          <a:p>
+            <a:r>
+              <a:rPr lang="en-GB" dirty="0" smtClean="0"/>
+              <a:t>It just tells compiler that, it should go and check inside  the </a:t>
+            </a:r>
+            <a:r>
+              <a:rPr lang="en-GB" dirty="0" err="1" smtClean="0"/>
+              <a:t>package.class</a:t>
+            </a:r>
+            <a:r>
+              <a:rPr lang="en-GB" dirty="0" smtClean="0"/>
+              <a:t> </a:t>
+            </a:r>
+            <a:endParaRPr lang="en-GB" dirty="0"/>
+          </a:p>
+        </p:txBody>
+      </p:sp>
+    </p:spTree>
+  </p:cSld>
+  <p:clrMapOvr>
+    <a:masterClrMapping/>
+  </p:clrMapOvr>
+</p:sld>
+</file>
+
+<file path=ppt/slides/slide15.xml><?xml version="1.0" encoding="utf-8"?>
+<p:sld xmlns:a="http://schemas.openxmlformats.org/drawingml/2006/main" xmlns:r="http://schemas.openxmlformats.org/officeDocument/2006/relationships" xmlns:p="http://schemas.openxmlformats.org/presentationml/2006/main">
+  <p:cSld>
+    <p:spTree>
+      <p:nvGrpSpPr>
+        <p:cNvPr id="1" name=""/>
+        <p:cNvGrpSpPr/>
+        <p:nvPr/>
+      </p:nvGrpSpPr>
+      <p:grpSpPr>
+        <a:xfrm>
+          <a:off x="0" y="0"/>
+          <a:ext cx="0" cy="0"/>
+          <a:chOff x="0" y="0"/>
+          <a:chExt cx="0" cy="0"/>
+        </a:xfrm>
+      </p:grpSpPr>
+      <p:sp>
+        <p:nvSpPr>
+          <p:cNvPr id="2" name="Title 1"/>
+          <p:cNvSpPr>
+            <a:spLocks noGrp="1"/>
+          </p:cNvSpPr>
+          <p:nvPr>
+            <p:ph type="ctrTitle"/>
+          </p:nvPr>
+        </p:nvSpPr>
+        <p:spPr/>
+        <p:txBody>
+          <a:bodyPr>
+            <a:normAutofit fontScale="90000"/>
+          </a:bodyPr>
+          <a:lstStyle/>
+          <a:p>
+            <a:r>
+              <a:rPr lang="en-GB" dirty="0" smtClean="0"/>
+              <a:t>What is the internal way to tell Eclipse IDE to go and check explicit versions of import?</a:t>
+            </a:r>
+            <a:endParaRPr lang="en-GB" dirty="0"/>
+          </a:p>
+        </p:txBody>
+      </p:sp>
+      <p:sp>
+        <p:nvSpPr>
+          <p:cNvPr id="3" name="Subtitle 2"/>
+          <p:cNvSpPr>
+            <a:spLocks noGrp="1"/>
+          </p:cNvSpPr>
+          <p:nvPr>
+            <p:ph type="subTitle" idx="1"/>
+          </p:nvPr>
+        </p:nvSpPr>
+        <p:spPr/>
+        <p:txBody>
+          <a:bodyPr/>
+          <a:lstStyle/>
+          <a:p>
+            <a:r>
+              <a:rPr lang="en-GB" dirty="0" err="1" smtClean="0"/>
+              <a:t>Ctrl+shift</a:t>
+            </a:r>
+            <a:r>
+              <a:rPr lang="en-GB" dirty="0" smtClean="0"/>
+              <a:t>+ O</a:t>
+            </a:r>
+            <a:endParaRPr lang="en-GB" dirty="0"/>
+          </a:p>
+        </p:txBody>
+      </p:sp>
+    </p:spTree>
+  </p:cSld>
+  <p:clrMapOvr>
+    <a:masterClrMapping/>
+  </p:clrMapOvr>
+</p:sld>
+</file>
+
+<file path=ppt/slides/slide16.xml><?xml version="1.0" encoding="utf-8"?>
+<p:sld xmlns:a="http://schemas.openxmlformats.org/drawingml/2006/main" xmlns:r="http://schemas.openxmlformats.org/officeDocument/2006/relationships" xmlns:p="http://schemas.openxmlformats.org/presentationml/2006/main">
+  <p:cSld>
+    <p:spTree>
+      <p:nvGrpSpPr>
+        <p:cNvPr id="1" name=""/>
+        <p:cNvGrpSpPr/>
+        <p:nvPr/>
+      </p:nvGrpSpPr>
+      <p:grpSpPr>
+        <a:xfrm>
+          <a:off x="0" y="0"/>
+          <a:ext cx="0" cy="0"/>
+          <a:chOff x="0" y="0"/>
+          <a:chExt cx="0" cy="0"/>
+        </a:xfrm>
+      </p:grpSpPr>
+      <p:sp>
+        <p:nvSpPr>
+          <p:cNvPr id="2" name="Title 1"/>
+          <p:cNvSpPr>
+            <a:spLocks noGrp="1"/>
+          </p:cNvSpPr>
+          <p:nvPr>
+            <p:ph type="ctrTitle"/>
+          </p:nvPr>
+        </p:nvSpPr>
+        <p:spPr/>
+        <p:txBody>
+          <a:bodyPr/>
+          <a:lstStyle/>
+          <a:p>
+            <a:r>
+              <a:rPr lang="en-GB" dirty="0" smtClean="0"/>
+              <a:t>What is the unique way of naming packages</a:t>
+            </a:r>
+            <a:endParaRPr lang="en-GB" dirty="0"/>
+          </a:p>
+        </p:txBody>
+      </p:sp>
+      <p:sp>
+        <p:nvSpPr>
+          <p:cNvPr id="3" name="Subtitle 2"/>
+          <p:cNvSpPr>
+            <a:spLocks noGrp="1"/>
+          </p:cNvSpPr>
+          <p:nvPr>
+            <p:ph type="subTitle" idx="1"/>
+          </p:nvPr>
+        </p:nvSpPr>
+        <p:spPr/>
+        <p:txBody>
+          <a:bodyPr/>
+          <a:lstStyle/>
+          <a:p>
+            <a:r>
+              <a:rPr lang="en-GB" dirty="0" err="1" smtClean="0"/>
+              <a:t>com.lendingpairprogrammers.lendinglibrary.ui</a:t>
+            </a:r>
+            <a:endParaRPr lang="en-GB" dirty="0" smtClean="0"/>
+          </a:p>
+          <a:p>
+            <a:r>
+              <a:rPr lang="en-GB" dirty="0" err="1" smtClean="0"/>
+              <a:t>com.lendingpairprogrammers.lendinglibrary.model</a:t>
+            </a:r>
+            <a:endParaRPr lang="en-GB" dirty="0" smtClean="0"/>
+          </a:p>
+        </p:txBody>
+      </p:sp>
+    </p:spTree>
+  </p:cSld>
+  <p:clrMapOvr>
+    <a:masterClrMapping/>
+  </p:clrMapOvr>
+</p:sld>
+</file>
+
+<file path=ppt/slides/slide17.xml><?xml version="1.0" encoding="utf-8"?>
+<p:sld xmlns:a="http://schemas.openxmlformats.org/drawingml/2006/main" xmlns:r="http://schemas.openxmlformats.org/officeDocument/2006/relationships" xmlns:p="http://schemas.openxmlformats.org/presentationml/2006/main">
+  <p:cSld>
+    <p:spTree>
+      <p:nvGrpSpPr>
+        <p:cNvPr id="1" name=""/>
+        <p:cNvGrpSpPr/>
+        <p:nvPr/>
+      </p:nvGrpSpPr>
+      <p:grpSpPr>
+        <a:xfrm>
+          <a:off x="0" y="0"/>
+          <a:ext cx="0" cy="0"/>
+          <a:chOff x="0" y="0"/>
+          <a:chExt cx="0" cy="0"/>
+        </a:xfrm>
+      </p:grpSpPr>
+      <p:sp>
+        <p:nvSpPr>
+          <p:cNvPr id="2" name="Title 1"/>
+          <p:cNvSpPr>
+            <a:spLocks noGrp="1"/>
+          </p:cNvSpPr>
+          <p:nvPr>
+            <p:ph type="ctrTitle"/>
+          </p:nvPr>
+        </p:nvSpPr>
+        <p:spPr/>
+        <p:txBody>
+          <a:bodyPr>
+            <a:normAutofit fontScale="90000"/>
+          </a:bodyPr>
+          <a:lstStyle/>
+          <a:p>
+            <a:r>
+              <a:rPr lang="en-GB" dirty="0" smtClean="0"/>
+              <a:t>Give example of a primitive data type in Java?</a:t>
+            </a:r>
+            <a:endParaRPr lang="en-GB" dirty="0"/>
+          </a:p>
+        </p:txBody>
+      </p:sp>
+      <p:sp>
+        <p:nvSpPr>
+          <p:cNvPr id="3" name="Subtitle 2"/>
+          <p:cNvSpPr>
+            <a:spLocks noGrp="1"/>
+          </p:cNvSpPr>
+          <p:nvPr>
+            <p:ph type="subTitle" idx="1"/>
+          </p:nvPr>
+        </p:nvSpPr>
+        <p:spPr/>
+        <p:txBody>
+          <a:bodyPr/>
+          <a:lstStyle/>
+          <a:p>
+            <a:r>
+              <a:rPr lang="en-GB" dirty="0" err="1" smtClean="0"/>
+              <a:t>int</a:t>
+            </a:r>
+            <a:r>
+              <a:rPr lang="en-GB" dirty="0" smtClean="0"/>
+              <a:t>,</a:t>
+            </a:r>
+          </a:p>
+          <a:p>
+            <a:r>
+              <a:rPr lang="en-GB" dirty="0" smtClean="0"/>
+              <a:t>We use primitive types to building them into more complex types such as book, customer</a:t>
+            </a:r>
+            <a:endParaRPr lang="en-GB" dirty="0"/>
+          </a:p>
+        </p:txBody>
+      </p:sp>
+    </p:spTree>
+  </p:cSld>
+  <p:clrMapOvr>
+    <a:masterClrMapping/>
+  </p:clrMapOvr>
+</p:sld>
+</file>
+
+<file path=ppt/slides/slide18.xml><?xml version="1.0" encoding="utf-8"?>
+<p:sld xmlns:a="http://schemas.openxmlformats.org/drawingml/2006/main" xmlns:r="http://schemas.openxmlformats.org/officeDocument/2006/relationships" xmlns:p="http://schemas.openxmlformats.org/presentationml/2006/main">
+  <p:cSld>
+    <p:spTree>
+      <p:nvGrpSpPr>
+        <p:cNvPr id="1" name=""/>
+        <p:cNvGrpSpPr/>
+        <p:nvPr/>
+      </p:nvGrpSpPr>
+      <p:grpSpPr>
+        <a:xfrm>
+          <a:off x="0" y="0"/>
+          <a:ext cx="0" cy="0"/>
+          <a:chOff x="0" y="0"/>
+          <a:chExt cx="0" cy="0"/>
+        </a:xfrm>
+      </p:grpSpPr>
+      <p:sp>
+        <p:nvSpPr>
+          <p:cNvPr id="2" name="Title 1"/>
+          <p:cNvSpPr>
+            <a:spLocks noGrp="1"/>
+          </p:cNvSpPr>
+          <p:nvPr>
+            <p:ph type="ctrTitle"/>
+          </p:nvPr>
+        </p:nvSpPr>
+        <p:spPr/>
+        <p:txBody>
+          <a:bodyPr/>
+          <a:lstStyle/>
+          <a:p>
+            <a:r>
+              <a:rPr lang="en-GB" dirty="0" smtClean="0"/>
+              <a:t>The package imported for free in java is</a:t>
+            </a:r>
+            <a:endParaRPr lang="en-GB" dirty="0"/>
+          </a:p>
+        </p:txBody>
+      </p:sp>
+      <p:sp>
+        <p:nvSpPr>
+          <p:cNvPr id="3" name="Subtitle 2"/>
+          <p:cNvSpPr>
+            <a:spLocks noGrp="1"/>
+          </p:cNvSpPr>
+          <p:nvPr>
+            <p:ph type="subTitle" idx="1"/>
+          </p:nvPr>
+        </p:nvSpPr>
+        <p:spPr/>
+        <p:txBody>
+          <a:bodyPr/>
+          <a:lstStyle/>
+          <a:p>
+            <a:r>
+              <a:rPr lang="en-GB" dirty="0" err="1" smtClean="0"/>
+              <a:t>Java.lang</a:t>
+            </a:r>
+            <a:endParaRPr lang="en-GB" dirty="0"/>
+          </a:p>
+        </p:txBody>
+      </p:sp>
+    </p:spTree>
+  </p:cSld>
+  <p:clrMapOvr>
+    <a:masterClrMapping/>
+  </p:clrMapOvr>
+</p:sld>
+</file>
+
+<file path=ppt/slides/slide19.xml><?xml version="1.0" encoding="utf-8"?>
+<p:sld xmlns:a="http://schemas.openxmlformats.org/drawingml/2006/main" xmlns:r="http://schemas.openxmlformats.org/officeDocument/2006/relationships" xmlns:p="http://schemas.openxmlformats.org/presentationml/2006/main">
+  <p:cSld>
+    <p:spTree>
+      <p:nvGrpSpPr>
+        <p:cNvPr id="1" name=""/>
+        <p:cNvGrpSpPr/>
+        <p:nvPr/>
+      </p:nvGrpSpPr>
+      <p:grpSpPr>
+        <a:xfrm>
+          <a:off x="0" y="0"/>
+          <a:ext cx="0" cy="0"/>
+          <a:chOff x="0" y="0"/>
+          <a:chExt cx="0" cy="0"/>
+        </a:xfrm>
+      </p:grpSpPr>
+      <p:sp>
+        <p:nvSpPr>
+          <p:cNvPr id="2" name="Title 1"/>
+          <p:cNvSpPr>
+            <a:spLocks noGrp="1"/>
+          </p:cNvSpPr>
+          <p:nvPr>
+            <p:ph type="ctrTitle"/>
+          </p:nvPr>
+        </p:nvSpPr>
+        <p:spPr/>
+        <p:txBody>
+          <a:bodyPr/>
+          <a:lstStyle/>
+          <a:p>
+            <a:r>
+              <a:rPr lang="en-GB" dirty="0" smtClean="0"/>
+              <a:t>Give a general purpose package in java?</a:t>
+            </a:r>
+            <a:endParaRPr lang="en-GB" dirty="0"/>
+          </a:p>
+        </p:txBody>
+      </p:sp>
+      <p:sp>
+        <p:nvSpPr>
+          <p:cNvPr id="3" name="Subtitle 2"/>
+          <p:cNvSpPr>
+            <a:spLocks noGrp="1"/>
+          </p:cNvSpPr>
+          <p:nvPr>
+            <p:ph type="subTitle" idx="1"/>
+          </p:nvPr>
+        </p:nvSpPr>
+        <p:spPr/>
+        <p:txBody>
+          <a:bodyPr/>
+          <a:lstStyle/>
+          <a:p>
+            <a:r>
+              <a:rPr lang="en-GB" dirty="0" err="1" smtClean="0"/>
+              <a:t>Java.util</a:t>
+            </a:r>
+            <a:endParaRPr lang="en-GB" dirty="0"/>
           </a:p>
         </p:txBody>
       </p:sp>
@@ -4044,6 +5319,1099 @@
 </p:sld>
 </file>
 
+<file path=ppt/slides/slide20.xml><?xml version="1.0" encoding="utf-8"?>
+<p:sld xmlns:a="http://schemas.openxmlformats.org/drawingml/2006/main" xmlns:r="http://schemas.openxmlformats.org/officeDocument/2006/relationships" xmlns:p="http://schemas.openxmlformats.org/presentationml/2006/main">
+  <p:cSld>
+    <p:spTree>
+      <p:nvGrpSpPr>
+        <p:cNvPr id="1" name=""/>
+        <p:cNvGrpSpPr/>
+        <p:nvPr/>
+      </p:nvGrpSpPr>
+      <p:grpSpPr>
+        <a:xfrm>
+          <a:off x="0" y="0"/>
+          <a:ext cx="0" cy="0"/>
+          <a:chOff x="0" y="0"/>
+          <a:chExt cx="0" cy="0"/>
+        </a:xfrm>
+      </p:grpSpPr>
+      <p:sp>
+        <p:nvSpPr>
+          <p:cNvPr id="2" name="Title 1"/>
+          <p:cNvSpPr>
+            <a:spLocks noGrp="1"/>
+          </p:cNvSpPr>
+          <p:nvPr>
+            <p:ph type="ctrTitle"/>
+          </p:nvPr>
+        </p:nvSpPr>
+        <p:spPr/>
+        <p:txBody>
+          <a:bodyPr>
+            <a:normAutofit fontScale="90000"/>
+          </a:bodyPr>
+          <a:lstStyle/>
+          <a:p>
+            <a:r>
+              <a:rPr lang="en-GB" dirty="0" smtClean="0"/>
+              <a:t>How to make java prompt for packages in eclipse IDE?</a:t>
+            </a:r>
+            <a:endParaRPr lang="en-GB" dirty="0"/>
+          </a:p>
+        </p:txBody>
+      </p:sp>
+      <p:sp>
+        <p:nvSpPr>
+          <p:cNvPr id="3" name="Subtitle 2"/>
+          <p:cNvSpPr>
+            <a:spLocks noGrp="1"/>
+          </p:cNvSpPr>
+          <p:nvPr>
+            <p:ph type="subTitle" idx="1"/>
+          </p:nvPr>
+        </p:nvSpPr>
+        <p:spPr/>
+        <p:txBody>
+          <a:bodyPr/>
+          <a:lstStyle/>
+          <a:p>
+            <a:r>
+              <a:rPr lang="en-GB" dirty="0" smtClean="0"/>
+              <a:t>Type them and press ctrl and space</a:t>
+            </a:r>
+            <a:endParaRPr lang="en-GB" dirty="0"/>
+          </a:p>
+        </p:txBody>
+      </p:sp>
+    </p:spTree>
+  </p:cSld>
+  <p:clrMapOvr>
+    <a:masterClrMapping/>
+  </p:clrMapOvr>
+</p:sld>
+</file>
+
+<file path=ppt/slides/slide21.xml><?xml version="1.0" encoding="utf-8"?>
+<p:sld xmlns:a="http://schemas.openxmlformats.org/drawingml/2006/main" xmlns:r="http://schemas.openxmlformats.org/officeDocument/2006/relationships" xmlns:p="http://schemas.openxmlformats.org/presentationml/2006/main">
+  <p:cSld>
+    <p:spTree>
+      <p:nvGrpSpPr>
+        <p:cNvPr id="1" name=""/>
+        <p:cNvGrpSpPr/>
+        <p:nvPr/>
+      </p:nvGrpSpPr>
+      <p:grpSpPr>
+        <a:xfrm>
+          <a:off x="0" y="0"/>
+          <a:ext cx="0" cy="0"/>
+          <a:chOff x="0" y="0"/>
+          <a:chExt cx="0" cy="0"/>
+        </a:xfrm>
+      </p:grpSpPr>
+      <p:sp>
+        <p:nvSpPr>
+          <p:cNvPr id="2" name="Title 1"/>
+          <p:cNvSpPr>
+            <a:spLocks noGrp="1"/>
+          </p:cNvSpPr>
+          <p:nvPr>
+            <p:ph type="ctrTitle"/>
+          </p:nvPr>
+        </p:nvSpPr>
+        <p:spPr/>
+        <p:txBody>
+          <a:bodyPr/>
+          <a:lstStyle/>
+          <a:p>
+            <a:r>
+              <a:rPr lang="en-GB" dirty="0" smtClean="0"/>
+              <a:t>A simple date package download script</a:t>
+            </a:r>
+            <a:endParaRPr lang="en-GB" dirty="0"/>
+          </a:p>
+        </p:txBody>
+      </p:sp>
+      <p:sp>
+        <p:nvSpPr>
+          <p:cNvPr id="3" name="Subtitle 2"/>
+          <p:cNvSpPr>
+            <a:spLocks noGrp="1"/>
+          </p:cNvSpPr>
+          <p:nvPr>
+            <p:ph type="subTitle" idx="1"/>
+          </p:nvPr>
+        </p:nvSpPr>
+        <p:spPr>
+          <a:xfrm>
+            <a:off x="533400" y="3228536"/>
+            <a:ext cx="7854696" cy="2072672"/>
+          </a:xfrm>
+        </p:spPr>
+        <p:txBody>
+          <a:bodyPr>
+            <a:normAutofit fontScale="92500" lnSpcReduction="10000"/>
+          </a:bodyPr>
+          <a:lstStyle/>
+          <a:p>
+            <a:pPr algn="l"/>
+            <a:r>
+              <a:rPr lang="en-GB" dirty="0" smtClean="0"/>
+              <a:t>Date today= </a:t>
+            </a:r>
+            <a:r>
+              <a:rPr lang="en-GB" b="1" dirty="0" smtClean="0"/>
+              <a:t>new Date();</a:t>
+            </a:r>
+          </a:p>
+          <a:p>
+            <a:pPr algn="l"/>
+            <a:r>
+              <a:rPr lang="en-GB" dirty="0" smtClean="0"/>
+              <a:t> </a:t>
+            </a:r>
+            <a:r>
+              <a:rPr lang="en-GB" dirty="0" err="1" smtClean="0"/>
+              <a:t>System.</a:t>
+            </a:r>
+            <a:r>
+              <a:rPr lang="en-GB" b="1" i="1" dirty="0" err="1" smtClean="0"/>
+              <a:t>out.println</a:t>
+            </a:r>
+            <a:r>
+              <a:rPr lang="en-GB" b="1" i="1" dirty="0" smtClean="0"/>
+              <a:t>(today);</a:t>
+            </a:r>
+          </a:p>
+          <a:p>
+            <a:pPr algn="l"/>
+            <a:r>
+              <a:rPr lang="en-GB" dirty="0" smtClean="0"/>
+              <a:t> </a:t>
+            </a:r>
+            <a:r>
+              <a:rPr lang="en-GB" dirty="0" err="1" smtClean="0"/>
+              <a:t>SimpleDateFormat</a:t>
+            </a:r>
+            <a:r>
+              <a:rPr lang="en-GB" dirty="0" smtClean="0"/>
+              <a:t> </a:t>
+            </a:r>
+            <a:r>
+              <a:rPr lang="en-GB" dirty="0" err="1" smtClean="0"/>
+              <a:t>sdf</a:t>
+            </a:r>
+            <a:r>
+              <a:rPr lang="en-GB" dirty="0" smtClean="0"/>
+              <a:t>=</a:t>
+            </a:r>
+            <a:r>
+              <a:rPr lang="en-GB" b="1" dirty="0" smtClean="0"/>
+              <a:t>new </a:t>
+            </a:r>
+            <a:r>
+              <a:rPr lang="en-GB" b="1" dirty="0" err="1" smtClean="0"/>
+              <a:t>SimpleDateFormat</a:t>
+            </a:r>
+            <a:r>
+              <a:rPr lang="en-GB" b="1" dirty="0" smtClean="0"/>
+              <a:t>("</a:t>
+            </a:r>
+            <a:r>
+              <a:rPr lang="en-GB" b="1" dirty="0" err="1" smtClean="0"/>
+              <a:t>yyyy</a:t>
+            </a:r>
+            <a:r>
+              <a:rPr lang="en-GB" b="1" dirty="0" smtClean="0"/>
+              <a:t>-MM-</a:t>
+            </a:r>
+            <a:r>
+              <a:rPr lang="en-GB" b="1" dirty="0" err="1" smtClean="0"/>
+              <a:t>dd</a:t>
+            </a:r>
+            <a:r>
+              <a:rPr lang="en-GB" b="1" dirty="0" smtClean="0"/>
+              <a:t>");</a:t>
+            </a:r>
+          </a:p>
+          <a:p>
+            <a:pPr algn="l"/>
+            <a:r>
+              <a:rPr lang="en-GB" dirty="0" smtClean="0"/>
+              <a:t> </a:t>
+            </a:r>
+            <a:r>
+              <a:rPr lang="en-GB" dirty="0" err="1" smtClean="0"/>
+              <a:t>System.</a:t>
+            </a:r>
+            <a:r>
+              <a:rPr lang="en-GB" b="1" i="1" dirty="0" err="1" smtClean="0"/>
+              <a:t>out.println</a:t>
+            </a:r>
+            <a:r>
+              <a:rPr lang="en-GB" b="1" i="1" dirty="0" smtClean="0"/>
+              <a:t>(</a:t>
+            </a:r>
+            <a:r>
+              <a:rPr lang="en-GB" b="1" i="1" dirty="0" err="1" smtClean="0"/>
+              <a:t>sdf.format</a:t>
+            </a:r>
+            <a:r>
+              <a:rPr lang="en-GB" b="1" i="1" dirty="0" smtClean="0"/>
+              <a:t>(today));</a:t>
+            </a:r>
+            <a:endParaRPr lang="en-GB" dirty="0"/>
+          </a:p>
+        </p:txBody>
+      </p:sp>
+    </p:spTree>
+  </p:cSld>
+  <p:clrMapOvr>
+    <a:masterClrMapping/>
+  </p:clrMapOvr>
+</p:sld>
+</file>
+
+<file path=ppt/slides/slide22.xml><?xml version="1.0" encoding="utf-8"?>
+<p:sld xmlns:a="http://schemas.openxmlformats.org/drawingml/2006/main" xmlns:r="http://schemas.openxmlformats.org/officeDocument/2006/relationships" xmlns:p="http://schemas.openxmlformats.org/presentationml/2006/main">
+  <p:cSld>
+    <p:spTree>
+      <p:nvGrpSpPr>
+        <p:cNvPr id="1" name=""/>
+        <p:cNvGrpSpPr/>
+        <p:nvPr/>
+      </p:nvGrpSpPr>
+      <p:grpSpPr>
+        <a:xfrm>
+          <a:off x="0" y="0"/>
+          <a:ext cx="0" cy="0"/>
+          <a:chOff x="0" y="0"/>
+          <a:chExt cx="0" cy="0"/>
+        </a:xfrm>
+      </p:grpSpPr>
+      <p:sp>
+        <p:nvSpPr>
+          <p:cNvPr id="2" name="Title 1"/>
+          <p:cNvSpPr>
+            <a:spLocks noGrp="1"/>
+          </p:cNvSpPr>
+          <p:nvPr>
+            <p:ph type="ctrTitle"/>
+          </p:nvPr>
+        </p:nvSpPr>
+        <p:spPr/>
+        <p:txBody>
+          <a:bodyPr>
+            <a:normAutofit fontScale="90000"/>
+          </a:bodyPr>
+          <a:lstStyle/>
+          <a:p>
+            <a:r>
+              <a:rPr lang="en-GB" dirty="0" smtClean="0"/>
+              <a:t>Simple date format to show month name in half or full</a:t>
+            </a:r>
+            <a:endParaRPr lang="en-GB" dirty="0"/>
+          </a:p>
+        </p:txBody>
+      </p:sp>
+      <p:sp>
+        <p:nvSpPr>
+          <p:cNvPr id="3" name="Subtitle 2"/>
+          <p:cNvSpPr>
+            <a:spLocks noGrp="1"/>
+          </p:cNvSpPr>
+          <p:nvPr>
+            <p:ph type="subTitle" idx="1"/>
+          </p:nvPr>
+        </p:nvSpPr>
+        <p:spPr>
+          <a:xfrm>
+            <a:off x="533400" y="3228536"/>
+            <a:ext cx="8610600" cy="1752600"/>
+          </a:xfrm>
+        </p:spPr>
+        <p:txBody>
+          <a:bodyPr>
+            <a:normAutofit lnSpcReduction="10000"/>
+          </a:bodyPr>
+          <a:lstStyle/>
+          <a:p>
+            <a:pPr algn="l"/>
+            <a:r>
+              <a:rPr lang="en-GB" dirty="0" err="1" smtClean="0"/>
+              <a:t>SimpleDateFormat</a:t>
+            </a:r>
+            <a:r>
+              <a:rPr lang="en-GB" dirty="0" smtClean="0"/>
+              <a:t> </a:t>
+            </a:r>
+            <a:r>
+              <a:rPr lang="en-GB" dirty="0" err="1" smtClean="0"/>
+              <a:t>sdf</a:t>
+            </a:r>
+            <a:r>
+              <a:rPr lang="en-GB" dirty="0" smtClean="0"/>
+              <a:t>=</a:t>
+            </a:r>
+            <a:r>
+              <a:rPr lang="en-GB" b="1" dirty="0" smtClean="0"/>
+              <a:t>new </a:t>
+            </a:r>
+            <a:r>
+              <a:rPr lang="en-GB" b="1" dirty="0" err="1" smtClean="0"/>
+              <a:t>SimpleDateFormat</a:t>
+            </a:r>
+            <a:r>
+              <a:rPr lang="en-GB" b="1" dirty="0" smtClean="0"/>
+              <a:t>("MM");</a:t>
+            </a:r>
+          </a:p>
+          <a:p>
+            <a:pPr algn="l"/>
+            <a:r>
+              <a:rPr lang="en-GB" dirty="0" smtClean="0"/>
+              <a:t> </a:t>
+            </a:r>
+            <a:r>
+              <a:rPr lang="en-GB" dirty="0" err="1" smtClean="0"/>
+              <a:t>System.</a:t>
+            </a:r>
+            <a:r>
+              <a:rPr lang="en-GB" b="1" i="1" dirty="0" err="1" smtClean="0"/>
+              <a:t>out.println</a:t>
+            </a:r>
+            <a:r>
+              <a:rPr lang="en-GB" b="1" i="1" dirty="0" smtClean="0"/>
+              <a:t>(</a:t>
+            </a:r>
+            <a:r>
+              <a:rPr lang="en-GB" b="1" i="1" dirty="0" err="1" smtClean="0"/>
+              <a:t>sdf.format</a:t>
+            </a:r>
+            <a:r>
+              <a:rPr lang="en-GB" b="1" i="1" dirty="0" smtClean="0"/>
+              <a:t>(today))  //-&gt;Sep</a:t>
+            </a:r>
+          </a:p>
+          <a:p>
+            <a:pPr algn="l"/>
+            <a:r>
+              <a:rPr lang="en-GB" dirty="0" err="1" smtClean="0"/>
+              <a:t>SimpleDateFormat</a:t>
+            </a:r>
+            <a:r>
+              <a:rPr lang="en-GB" dirty="0" smtClean="0"/>
+              <a:t> </a:t>
+            </a:r>
+            <a:r>
+              <a:rPr lang="en-GB" dirty="0" err="1" smtClean="0"/>
+              <a:t>sdf</a:t>
+            </a:r>
+            <a:r>
+              <a:rPr lang="en-GB" dirty="0" smtClean="0"/>
+              <a:t>=</a:t>
+            </a:r>
+            <a:r>
+              <a:rPr lang="en-GB" b="1" dirty="0" smtClean="0"/>
+              <a:t>new </a:t>
+            </a:r>
+            <a:r>
+              <a:rPr lang="en-GB" b="1" dirty="0" err="1" smtClean="0"/>
+              <a:t>SimpleDateFormat</a:t>
+            </a:r>
+            <a:r>
+              <a:rPr lang="en-GB" b="1" dirty="0" smtClean="0"/>
+              <a:t>("MMMM"); //-&gt;September</a:t>
+            </a:r>
+          </a:p>
+          <a:p>
+            <a:pPr algn="l"/>
+            <a:endParaRPr lang="en-GB" dirty="0"/>
+          </a:p>
+        </p:txBody>
+      </p:sp>
+    </p:spTree>
+  </p:cSld>
+  <p:clrMapOvr>
+    <a:masterClrMapping/>
+  </p:clrMapOvr>
+</p:sld>
+</file>
+
+<file path=ppt/slides/slide23.xml><?xml version="1.0" encoding="utf-8"?>
+<p:sld xmlns:a="http://schemas.openxmlformats.org/drawingml/2006/main" xmlns:r="http://schemas.openxmlformats.org/officeDocument/2006/relationships" xmlns:p="http://schemas.openxmlformats.org/presentationml/2006/main">
+  <p:cSld>
+    <p:spTree>
+      <p:nvGrpSpPr>
+        <p:cNvPr id="1" name=""/>
+        <p:cNvGrpSpPr/>
+        <p:nvPr/>
+      </p:nvGrpSpPr>
+      <p:grpSpPr>
+        <a:xfrm>
+          <a:off x="0" y="0"/>
+          <a:ext cx="0" cy="0"/>
+          <a:chOff x="0" y="0"/>
+          <a:chExt cx="0" cy="0"/>
+        </a:xfrm>
+      </p:grpSpPr>
+      <p:sp>
+        <p:nvSpPr>
+          <p:cNvPr id="2" name="Title 1"/>
+          <p:cNvSpPr>
+            <a:spLocks noGrp="1"/>
+          </p:cNvSpPr>
+          <p:nvPr>
+            <p:ph type="ctrTitle"/>
+          </p:nvPr>
+        </p:nvSpPr>
+        <p:spPr/>
+        <p:txBody>
+          <a:bodyPr/>
+          <a:lstStyle/>
+          <a:p>
+            <a:r>
+              <a:rPr lang="en-GB" dirty="0" smtClean="0"/>
+              <a:t>Where will you see java docs in full</a:t>
+            </a:r>
+            <a:endParaRPr lang="en-GB" dirty="0"/>
+          </a:p>
+        </p:txBody>
+      </p:sp>
+      <p:sp>
+        <p:nvSpPr>
+          <p:cNvPr id="3" name="Subtitle 2"/>
+          <p:cNvSpPr>
+            <a:spLocks noGrp="1"/>
+          </p:cNvSpPr>
+          <p:nvPr>
+            <p:ph type="subTitle" idx="1"/>
+          </p:nvPr>
+        </p:nvSpPr>
+        <p:spPr/>
+        <p:txBody>
+          <a:bodyPr>
+            <a:normAutofit fontScale="70000" lnSpcReduction="20000"/>
+          </a:bodyPr>
+          <a:lstStyle/>
+          <a:p>
+            <a:pPr algn="l"/>
+            <a:r>
+              <a:rPr lang="en-GB" dirty="0" smtClean="0"/>
+              <a:t>Google  for </a:t>
+            </a:r>
+            <a:r>
+              <a:rPr lang="en-GB" dirty="0" err="1" smtClean="0"/>
+              <a:t>javadocs</a:t>
+            </a:r>
+            <a:r>
+              <a:rPr lang="en-GB" dirty="0" smtClean="0"/>
+              <a:t> version 7</a:t>
+            </a:r>
+          </a:p>
+          <a:p>
+            <a:pPr algn="l"/>
+            <a:r>
+              <a:rPr lang="en-GB" dirty="0" smtClean="0">
+                <a:hlinkClick r:id="rId2"/>
+              </a:rPr>
+              <a:t>https://docs.oracle.com/javase/7/docs/api/</a:t>
+            </a:r>
+            <a:endParaRPr lang="en-GB" dirty="0" smtClean="0"/>
+          </a:p>
+          <a:p>
+            <a:pPr algn="l"/>
+            <a:endParaRPr lang="en-GB" dirty="0" smtClean="0"/>
+          </a:p>
+          <a:p>
+            <a:pPr algn="l"/>
+            <a:r>
+              <a:rPr lang="en-GB" dirty="0" smtClean="0"/>
+              <a:t>Click on packages </a:t>
+            </a:r>
+            <a:r>
+              <a:rPr lang="en-GB" dirty="0" err="1" smtClean="0"/>
+              <a:t>eg</a:t>
+            </a:r>
+            <a:r>
+              <a:rPr lang="en-GB" dirty="0" smtClean="0"/>
+              <a:t>. </a:t>
+            </a:r>
+            <a:r>
+              <a:rPr lang="en-GB" dirty="0" err="1" smtClean="0"/>
+              <a:t>Java.text</a:t>
+            </a:r>
+            <a:endParaRPr lang="en-GB" dirty="0" smtClean="0"/>
+          </a:p>
+          <a:p>
+            <a:pPr algn="l"/>
+            <a:r>
+              <a:rPr lang="en-GB" dirty="0" smtClean="0"/>
+              <a:t>Click on classes </a:t>
+            </a:r>
+            <a:r>
+              <a:rPr lang="en-GB" dirty="0" err="1" smtClean="0"/>
+              <a:t>eg</a:t>
+            </a:r>
+            <a:r>
+              <a:rPr lang="en-GB" dirty="0" smtClean="0"/>
+              <a:t>. </a:t>
+            </a:r>
+            <a:r>
+              <a:rPr lang="en-GB" dirty="0" err="1" smtClean="0"/>
+              <a:t>SimpleDateFormat</a:t>
+            </a:r>
+            <a:endParaRPr lang="en-GB" dirty="0" smtClean="0"/>
+          </a:p>
+          <a:p>
+            <a:pPr algn="l"/>
+            <a:r>
+              <a:rPr lang="en-GB" dirty="0" smtClean="0"/>
+              <a:t>And see </a:t>
+            </a:r>
+            <a:r>
+              <a:rPr lang="en-GB" dirty="0" err="1" smtClean="0"/>
+              <a:t>tjhe</a:t>
+            </a:r>
+            <a:r>
+              <a:rPr lang="en-GB" dirty="0" smtClean="0"/>
+              <a:t> details on right </a:t>
+            </a:r>
+            <a:endParaRPr lang="en-GB" dirty="0"/>
+          </a:p>
+        </p:txBody>
+      </p:sp>
+    </p:spTree>
+  </p:cSld>
+  <p:clrMapOvr>
+    <a:masterClrMapping/>
+  </p:clrMapOvr>
+</p:sld>
+</file>
+
+<file path=ppt/slides/slide24.xml><?xml version="1.0" encoding="utf-8"?>
+<p:sld xmlns:a="http://schemas.openxmlformats.org/drawingml/2006/main" xmlns:r="http://schemas.openxmlformats.org/officeDocument/2006/relationships" xmlns:p="http://schemas.openxmlformats.org/presentationml/2006/main">
+  <p:cSld>
+    <p:spTree>
+      <p:nvGrpSpPr>
+        <p:cNvPr id="1" name=""/>
+        <p:cNvGrpSpPr/>
+        <p:nvPr/>
+      </p:nvGrpSpPr>
+      <p:grpSpPr>
+        <a:xfrm>
+          <a:off x="0" y="0"/>
+          <a:ext cx="0" cy="0"/>
+          <a:chOff x="0" y="0"/>
+          <a:chExt cx="0" cy="0"/>
+        </a:xfrm>
+      </p:grpSpPr>
+      <p:sp>
+        <p:nvSpPr>
+          <p:cNvPr id="2" name="Title 1"/>
+          <p:cNvSpPr>
+            <a:spLocks noGrp="1"/>
+          </p:cNvSpPr>
+          <p:nvPr>
+            <p:ph type="ctrTitle"/>
+          </p:nvPr>
+        </p:nvSpPr>
+        <p:spPr/>
+        <p:txBody>
+          <a:bodyPr/>
+          <a:lstStyle/>
+          <a:p>
+            <a:r>
+              <a:rPr lang="en-US" dirty="0" smtClean="0"/>
+              <a:t>To bring java package class</a:t>
+            </a:r>
+            <a:endParaRPr lang="en-GB" dirty="0"/>
+          </a:p>
+        </p:txBody>
+      </p:sp>
+      <p:sp>
+        <p:nvSpPr>
+          <p:cNvPr id="3" name="Subtitle 2"/>
+          <p:cNvSpPr>
+            <a:spLocks noGrp="1"/>
+          </p:cNvSpPr>
+          <p:nvPr>
+            <p:ph type="subTitle" idx="1"/>
+          </p:nvPr>
+        </p:nvSpPr>
+        <p:spPr/>
+        <p:txBody>
+          <a:bodyPr/>
+          <a:lstStyle/>
+          <a:p>
+            <a:r>
+              <a:rPr lang="en-US" dirty="0" smtClean="0"/>
+              <a:t>Ctrl + shift+ O</a:t>
+            </a:r>
+          </a:p>
+          <a:p>
+            <a:r>
+              <a:rPr lang="en-US" dirty="0" smtClean="0"/>
+              <a:t>It is a tidy up command as well to remove any unused imports</a:t>
+            </a:r>
+            <a:endParaRPr lang="en-GB" dirty="0"/>
+          </a:p>
+        </p:txBody>
+      </p:sp>
+    </p:spTree>
+  </p:cSld>
+  <p:clrMapOvr>
+    <a:masterClrMapping/>
+  </p:clrMapOvr>
+</p:sld>
+</file>
+
+<file path=ppt/slides/slide25.xml><?xml version="1.0" encoding="utf-8"?>
+<p:sld xmlns:a="http://schemas.openxmlformats.org/drawingml/2006/main" xmlns:r="http://schemas.openxmlformats.org/officeDocument/2006/relationships" xmlns:p="http://schemas.openxmlformats.org/presentationml/2006/main">
+  <p:cSld>
+    <p:spTree>
+      <p:nvGrpSpPr>
+        <p:cNvPr id="1" name=""/>
+        <p:cNvGrpSpPr/>
+        <p:nvPr/>
+      </p:nvGrpSpPr>
+      <p:grpSpPr>
+        <a:xfrm>
+          <a:off x="0" y="0"/>
+          <a:ext cx="0" cy="0"/>
+          <a:chOff x="0" y="0"/>
+          <a:chExt cx="0" cy="0"/>
+        </a:xfrm>
+      </p:grpSpPr>
+      <p:sp>
+        <p:nvSpPr>
+          <p:cNvPr id="2" name="Title 1"/>
+          <p:cNvSpPr>
+            <a:spLocks noGrp="1"/>
+          </p:cNvSpPr>
+          <p:nvPr>
+            <p:ph type="ctrTitle"/>
+          </p:nvPr>
+        </p:nvSpPr>
+        <p:spPr/>
+        <p:txBody>
+          <a:bodyPr/>
+          <a:lstStyle/>
+          <a:p>
+            <a:r>
+              <a:rPr lang="en-US" dirty="0" smtClean="0"/>
+              <a:t>To prompt data entry in Eclipse</a:t>
+            </a:r>
+            <a:endParaRPr lang="en-GB" dirty="0"/>
+          </a:p>
+        </p:txBody>
+      </p:sp>
+      <p:sp>
+        <p:nvSpPr>
+          <p:cNvPr id="3" name="Subtitle 2"/>
+          <p:cNvSpPr>
+            <a:spLocks noGrp="1"/>
+          </p:cNvSpPr>
+          <p:nvPr>
+            <p:ph type="subTitle" idx="1"/>
+          </p:nvPr>
+        </p:nvSpPr>
+        <p:spPr/>
+        <p:txBody>
+          <a:bodyPr/>
+          <a:lstStyle/>
+          <a:p>
+            <a:r>
+              <a:rPr lang="en-US" dirty="0" smtClean="0"/>
+              <a:t>An. Ctrl </a:t>
+            </a:r>
+            <a:r>
+              <a:rPr lang="en-US" smtClean="0"/>
+              <a:t>+ Space</a:t>
+            </a:r>
+            <a:endParaRPr lang="en-GB"/>
+          </a:p>
+        </p:txBody>
+      </p:sp>
+    </p:spTree>
+  </p:cSld>
+  <p:clrMapOvr>
+    <a:masterClrMapping/>
+  </p:clrMapOvr>
+</p:sld>
+</file>
+
+<file path=ppt/slides/slide26.xml><?xml version="1.0" encoding="utf-8"?>
+<p:sld xmlns:a="http://schemas.openxmlformats.org/drawingml/2006/main" xmlns:r="http://schemas.openxmlformats.org/officeDocument/2006/relationships" xmlns:p="http://schemas.openxmlformats.org/presentationml/2006/main">
+  <p:cSld>
+    <p:spTree>
+      <p:nvGrpSpPr>
+        <p:cNvPr id="1" name=""/>
+        <p:cNvGrpSpPr/>
+        <p:nvPr/>
+      </p:nvGrpSpPr>
+      <p:grpSpPr>
+        <a:xfrm>
+          <a:off x="0" y="0"/>
+          <a:ext cx="0" cy="0"/>
+          <a:chOff x="0" y="0"/>
+          <a:chExt cx="0" cy="0"/>
+        </a:xfrm>
+      </p:grpSpPr>
+      <p:sp>
+        <p:nvSpPr>
+          <p:cNvPr id="2" name="Title 1"/>
+          <p:cNvSpPr>
+            <a:spLocks noGrp="1"/>
+          </p:cNvSpPr>
+          <p:nvPr>
+            <p:ph type="ctrTitle"/>
+          </p:nvPr>
+        </p:nvSpPr>
+        <p:spPr/>
+        <p:txBody>
+          <a:bodyPr/>
+          <a:lstStyle/>
+          <a:p>
+            <a:r>
+              <a:rPr lang="en-GB" dirty="0" smtClean="0"/>
+              <a:t>Write an instance to print in local currency</a:t>
+            </a:r>
+            <a:endParaRPr lang="en-GB" dirty="0"/>
+          </a:p>
+        </p:txBody>
+      </p:sp>
+      <p:sp>
+        <p:nvSpPr>
+          <p:cNvPr id="3" name="Subtitle 2"/>
+          <p:cNvSpPr>
+            <a:spLocks noGrp="1"/>
+          </p:cNvSpPr>
+          <p:nvPr>
+            <p:ph type="subTitle" idx="1"/>
+          </p:nvPr>
+        </p:nvSpPr>
+        <p:spPr/>
+        <p:txBody>
+          <a:bodyPr>
+            <a:normAutofit fontScale="92500"/>
+          </a:bodyPr>
+          <a:lstStyle/>
+          <a:p>
+            <a:pPr algn="l"/>
+            <a:r>
+              <a:rPr lang="en-GB" dirty="0" smtClean="0"/>
+              <a:t>Double </a:t>
+            </a:r>
+            <a:r>
+              <a:rPr lang="en-GB" dirty="0" err="1" smtClean="0"/>
+              <a:t>dubleNum</a:t>
+            </a:r>
+            <a:r>
+              <a:rPr lang="en-GB" dirty="0" smtClean="0"/>
+              <a:t>=12.34567;</a:t>
+            </a:r>
+          </a:p>
+          <a:p>
+            <a:pPr algn="l"/>
+            <a:r>
+              <a:rPr lang="en-GB" dirty="0" err="1" smtClean="0"/>
+              <a:t>NumberFormat</a:t>
+            </a:r>
+            <a:r>
+              <a:rPr lang="en-GB" dirty="0" smtClean="0"/>
+              <a:t> </a:t>
+            </a:r>
+            <a:r>
+              <a:rPr lang="en-GB" dirty="0" err="1" smtClean="0"/>
+              <a:t>nf</a:t>
+            </a:r>
+            <a:r>
+              <a:rPr lang="en-GB" dirty="0" smtClean="0"/>
+              <a:t>= </a:t>
+            </a:r>
+            <a:r>
+              <a:rPr lang="en-GB" dirty="0" err="1" smtClean="0"/>
+              <a:t>NumberFormat.</a:t>
+            </a:r>
+            <a:r>
+              <a:rPr lang="en-GB" i="1" dirty="0" err="1" smtClean="0"/>
+              <a:t>getCurrencyInstance</a:t>
+            </a:r>
+            <a:r>
+              <a:rPr lang="en-GB" i="1" dirty="0" smtClean="0"/>
+              <a:t>(</a:t>
+            </a:r>
+            <a:r>
+              <a:rPr lang="en-GB" i="1" dirty="0" err="1" smtClean="0"/>
+              <a:t>Locale.</a:t>
+            </a:r>
+            <a:r>
+              <a:rPr lang="en-GB" b="1" i="1" dirty="0" err="1" smtClean="0"/>
+              <a:t>FRANCE</a:t>
+            </a:r>
+            <a:r>
+              <a:rPr lang="en-GB" b="1" i="1" dirty="0" smtClean="0"/>
+              <a:t>);</a:t>
+            </a:r>
+          </a:p>
+          <a:p>
+            <a:pPr algn="l"/>
+            <a:r>
+              <a:rPr lang="en-GB" dirty="0" err="1" smtClean="0"/>
+              <a:t>System.</a:t>
+            </a:r>
+            <a:r>
+              <a:rPr lang="en-GB" b="1" i="1" dirty="0" err="1" smtClean="0"/>
+              <a:t>out.println</a:t>
+            </a:r>
+            <a:r>
+              <a:rPr lang="en-GB" b="1" i="1" dirty="0" smtClean="0"/>
+              <a:t>(</a:t>
+            </a:r>
+            <a:r>
+              <a:rPr lang="en-GB" b="1" i="1" dirty="0" err="1" smtClean="0"/>
+              <a:t>nf.format</a:t>
+            </a:r>
+            <a:r>
+              <a:rPr lang="en-GB" b="1" i="1" dirty="0" smtClean="0"/>
+              <a:t>(</a:t>
+            </a:r>
+            <a:r>
+              <a:rPr lang="en-GB" b="1" i="1" dirty="0" err="1" smtClean="0"/>
+              <a:t>dubleNum</a:t>
+            </a:r>
+            <a:r>
+              <a:rPr lang="en-GB" b="1" i="1" dirty="0" smtClean="0"/>
+              <a:t>));</a:t>
+            </a:r>
+            <a:endParaRPr lang="en-GB" dirty="0"/>
+          </a:p>
+        </p:txBody>
+      </p:sp>
+    </p:spTree>
+  </p:cSld>
+  <p:clrMapOvr>
+    <a:masterClrMapping/>
+  </p:clrMapOvr>
+</p:sld>
+</file>
+
+<file path=ppt/slides/slide27.xml><?xml version="1.0" encoding="utf-8"?>
+<p:sld xmlns:a="http://schemas.openxmlformats.org/drawingml/2006/main" xmlns:r="http://schemas.openxmlformats.org/officeDocument/2006/relationships" xmlns:p="http://schemas.openxmlformats.org/presentationml/2006/main">
+  <p:cSld>
+    <p:spTree>
+      <p:nvGrpSpPr>
+        <p:cNvPr id="1" name=""/>
+        <p:cNvGrpSpPr/>
+        <p:nvPr/>
+      </p:nvGrpSpPr>
+      <p:grpSpPr>
+        <a:xfrm>
+          <a:off x="0" y="0"/>
+          <a:ext cx="0" cy="0"/>
+          <a:chOff x="0" y="0"/>
+          <a:chExt cx="0" cy="0"/>
+        </a:xfrm>
+      </p:grpSpPr>
+      <p:sp>
+        <p:nvSpPr>
+          <p:cNvPr id="2" name="Title 1"/>
+          <p:cNvSpPr>
+            <a:spLocks noGrp="1"/>
+          </p:cNvSpPr>
+          <p:nvPr>
+            <p:ph type="ctrTitle"/>
+          </p:nvPr>
+        </p:nvSpPr>
+        <p:spPr/>
+        <p:txBody>
+          <a:bodyPr/>
+          <a:lstStyle/>
+          <a:p>
+            <a:r>
+              <a:rPr lang="en-GB" dirty="0" smtClean="0"/>
+              <a:t>When doubts in Java what would you do?</a:t>
+            </a:r>
+            <a:endParaRPr lang="en-GB" dirty="0"/>
+          </a:p>
+        </p:txBody>
+      </p:sp>
+      <p:sp>
+        <p:nvSpPr>
+          <p:cNvPr id="3" name="Subtitle 2"/>
+          <p:cNvSpPr>
+            <a:spLocks noGrp="1"/>
+          </p:cNvSpPr>
+          <p:nvPr>
+            <p:ph type="subTitle" idx="1"/>
+          </p:nvPr>
+        </p:nvSpPr>
+        <p:spPr/>
+        <p:txBody>
+          <a:bodyPr/>
+          <a:lstStyle/>
+          <a:p>
+            <a:r>
+              <a:rPr lang="en-GB" dirty="0" smtClean="0"/>
+              <a:t>Refer to java docs</a:t>
+            </a:r>
+            <a:endParaRPr lang="en-GB" dirty="0"/>
+          </a:p>
+        </p:txBody>
+      </p:sp>
+    </p:spTree>
+  </p:cSld>
+  <p:clrMapOvr>
+    <a:masterClrMapping/>
+  </p:clrMapOvr>
+</p:sld>
+</file>
+
+<file path=ppt/slides/slide28.xml><?xml version="1.0" encoding="utf-8"?>
+<p:sld xmlns:a="http://schemas.openxmlformats.org/drawingml/2006/main" xmlns:r="http://schemas.openxmlformats.org/officeDocument/2006/relationships" xmlns:p="http://schemas.openxmlformats.org/presentationml/2006/main">
+  <p:cSld>
+    <p:spTree>
+      <p:nvGrpSpPr>
+        <p:cNvPr id="1" name=""/>
+        <p:cNvGrpSpPr/>
+        <p:nvPr/>
+      </p:nvGrpSpPr>
+      <p:grpSpPr>
+        <a:xfrm>
+          <a:off x="0" y="0"/>
+          <a:ext cx="0" cy="0"/>
+          <a:chOff x="0" y="0"/>
+          <a:chExt cx="0" cy="0"/>
+        </a:xfrm>
+      </p:grpSpPr>
+      <p:sp>
+        <p:nvSpPr>
+          <p:cNvPr id="2" name="Title 1"/>
+          <p:cNvSpPr>
+            <a:spLocks noGrp="1"/>
+          </p:cNvSpPr>
+          <p:nvPr>
+            <p:ph type="ctrTitle"/>
+          </p:nvPr>
+        </p:nvSpPr>
+        <p:spPr/>
+        <p:txBody>
+          <a:bodyPr/>
+          <a:lstStyle/>
+          <a:p>
+            <a:r>
+              <a:rPr lang="en-GB" dirty="0" smtClean="0"/>
+              <a:t>Who does the Garbage Collection?</a:t>
+            </a:r>
+            <a:endParaRPr lang="en-GB" dirty="0"/>
+          </a:p>
+        </p:txBody>
+      </p:sp>
+      <p:sp>
+        <p:nvSpPr>
+          <p:cNvPr id="3" name="Subtitle 2"/>
+          <p:cNvSpPr>
+            <a:spLocks noGrp="1"/>
+          </p:cNvSpPr>
+          <p:nvPr>
+            <p:ph type="subTitle" idx="1"/>
+          </p:nvPr>
+        </p:nvSpPr>
+        <p:spPr/>
+        <p:txBody>
+          <a:bodyPr/>
+          <a:lstStyle/>
+          <a:p>
+            <a:r>
+              <a:rPr lang="en-GB" dirty="0" smtClean="0"/>
+              <a:t>JVM Garbage collection</a:t>
+            </a:r>
+            <a:endParaRPr lang="en-GB" dirty="0"/>
+          </a:p>
+        </p:txBody>
+      </p:sp>
+    </p:spTree>
+  </p:cSld>
+  <p:clrMapOvr>
+    <a:masterClrMapping/>
+  </p:clrMapOvr>
+</p:sld>
+</file>
+
+<file path=ppt/slides/slide29.xml><?xml version="1.0" encoding="utf-8"?>
+<p:sld xmlns:a="http://schemas.openxmlformats.org/drawingml/2006/main" xmlns:r="http://schemas.openxmlformats.org/officeDocument/2006/relationships" xmlns:p="http://schemas.openxmlformats.org/presentationml/2006/main">
+  <p:cSld>
+    <p:spTree>
+      <p:nvGrpSpPr>
+        <p:cNvPr id="1" name=""/>
+        <p:cNvGrpSpPr/>
+        <p:nvPr/>
+      </p:nvGrpSpPr>
+      <p:grpSpPr>
+        <a:xfrm>
+          <a:off x="0" y="0"/>
+          <a:ext cx="0" cy="0"/>
+          <a:chOff x="0" y="0"/>
+          <a:chExt cx="0" cy="0"/>
+        </a:xfrm>
+      </p:grpSpPr>
+      <p:sp>
+        <p:nvSpPr>
+          <p:cNvPr id="2" name="Title 1"/>
+          <p:cNvSpPr>
+            <a:spLocks noGrp="1"/>
+          </p:cNvSpPr>
+          <p:nvPr>
+            <p:ph type="ctrTitle"/>
+          </p:nvPr>
+        </p:nvSpPr>
+        <p:spPr/>
+        <p:txBody>
+          <a:bodyPr/>
+          <a:lstStyle/>
+          <a:p>
+            <a:r>
+              <a:rPr lang="en-GB" dirty="0" smtClean="0"/>
+              <a:t>Where do Objects get created in memory?</a:t>
+            </a:r>
+            <a:endParaRPr lang="en-GB" dirty="0"/>
+          </a:p>
+        </p:txBody>
+      </p:sp>
+      <p:sp>
+        <p:nvSpPr>
+          <p:cNvPr id="3" name="Subtitle 2"/>
+          <p:cNvSpPr>
+            <a:spLocks noGrp="1"/>
+          </p:cNvSpPr>
+          <p:nvPr>
+            <p:ph type="subTitle" idx="1"/>
+          </p:nvPr>
+        </p:nvSpPr>
+        <p:spPr/>
+        <p:txBody>
+          <a:bodyPr/>
+          <a:lstStyle/>
+          <a:p>
+            <a:r>
+              <a:rPr lang="en-GB" dirty="0" smtClean="0"/>
+              <a:t>An. Heap and reference to your variable are stored as local variable</a:t>
+            </a:r>
+          </a:p>
+          <a:p>
+            <a:endParaRPr lang="en-GB" dirty="0"/>
+          </a:p>
+        </p:txBody>
+      </p:sp>
+    </p:spTree>
+  </p:cSld>
+  <p:clrMapOvr>
+    <a:masterClrMapping/>
+  </p:clrMapOvr>
+</p:sld>
+</file>
+
 <file path=ppt/slides/slide3.xml><?xml version="1.0" encoding="utf-8"?>
 <p:sld xmlns:a="http://schemas.openxmlformats.org/drawingml/2006/main" xmlns:r="http://schemas.openxmlformats.org/officeDocument/2006/relationships" xmlns:p="http://schemas.openxmlformats.org/presentationml/2006/main">
   <p:cSld>
@@ -4104,6 +6472,800 @@
             <a:r>
               <a:rPr lang="en-GB" dirty="0" smtClean="0"/>
               <a:t>We need JVM and JDK</a:t>
+            </a:r>
+            <a:endParaRPr lang="en-GB" dirty="0"/>
+          </a:p>
+        </p:txBody>
+      </p:sp>
+    </p:spTree>
+  </p:cSld>
+  <p:clrMapOvr>
+    <a:masterClrMapping/>
+  </p:clrMapOvr>
+</p:sld>
+</file>
+
+<file path=ppt/slides/slide30.xml><?xml version="1.0" encoding="utf-8"?>
+<p:sld xmlns:a="http://schemas.openxmlformats.org/drawingml/2006/main" xmlns:r="http://schemas.openxmlformats.org/officeDocument/2006/relationships" xmlns:p="http://schemas.openxmlformats.org/presentationml/2006/main">
+  <p:cSld>
+    <p:spTree>
+      <p:nvGrpSpPr>
+        <p:cNvPr id="1" name=""/>
+        <p:cNvGrpSpPr/>
+        <p:nvPr/>
+      </p:nvGrpSpPr>
+      <p:grpSpPr>
+        <a:xfrm>
+          <a:off x="0" y="0"/>
+          <a:ext cx="0" cy="0"/>
+          <a:chOff x="0" y="0"/>
+          <a:chExt cx="0" cy="0"/>
+        </a:xfrm>
+      </p:grpSpPr>
+      <p:sp>
+        <p:nvSpPr>
+          <p:cNvPr id="2" name="Title 1"/>
+          <p:cNvSpPr>
+            <a:spLocks noGrp="1"/>
+          </p:cNvSpPr>
+          <p:nvPr>
+            <p:ph type="ctrTitle"/>
+          </p:nvPr>
+        </p:nvSpPr>
+        <p:spPr/>
+        <p:txBody>
+          <a:bodyPr/>
+          <a:lstStyle/>
+          <a:p>
+            <a:r>
+              <a:rPr lang="en-GB" dirty="0" smtClean="0"/>
+              <a:t>When does the local variable get destroyed?</a:t>
+            </a:r>
+            <a:endParaRPr lang="en-GB" dirty="0"/>
+          </a:p>
+        </p:txBody>
+      </p:sp>
+      <p:sp>
+        <p:nvSpPr>
+          <p:cNvPr id="3" name="Subtitle 2"/>
+          <p:cNvSpPr>
+            <a:spLocks noGrp="1"/>
+          </p:cNvSpPr>
+          <p:nvPr>
+            <p:ph type="subTitle" idx="1"/>
+          </p:nvPr>
+        </p:nvSpPr>
+        <p:spPr/>
+        <p:txBody>
+          <a:bodyPr/>
+          <a:lstStyle/>
+          <a:p>
+            <a:r>
+              <a:rPr lang="en-GB" dirty="0" smtClean="0"/>
+              <a:t>When we exit the code block</a:t>
+            </a:r>
+            <a:endParaRPr lang="en-GB" dirty="0"/>
+          </a:p>
+        </p:txBody>
+      </p:sp>
+    </p:spTree>
+  </p:cSld>
+  <p:clrMapOvr>
+    <a:masterClrMapping/>
+  </p:clrMapOvr>
+</p:sld>
+</file>
+
+<file path=ppt/slides/slide31.xml><?xml version="1.0" encoding="utf-8"?>
+<p:sld xmlns:a="http://schemas.openxmlformats.org/drawingml/2006/main" xmlns:r="http://schemas.openxmlformats.org/officeDocument/2006/relationships" xmlns:p="http://schemas.openxmlformats.org/presentationml/2006/main">
+  <p:cSld>
+    <p:spTree>
+      <p:nvGrpSpPr>
+        <p:cNvPr id="1" name=""/>
+        <p:cNvGrpSpPr/>
+        <p:nvPr/>
+      </p:nvGrpSpPr>
+      <p:grpSpPr>
+        <a:xfrm>
+          <a:off x="0" y="0"/>
+          <a:ext cx="0" cy="0"/>
+          <a:chOff x="0" y="0"/>
+          <a:chExt cx="0" cy="0"/>
+        </a:xfrm>
+      </p:grpSpPr>
+      <p:sp>
+        <p:nvSpPr>
+          <p:cNvPr id="2" name="Title 1"/>
+          <p:cNvSpPr>
+            <a:spLocks noGrp="1"/>
+          </p:cNvSpPr>
+          <p:nvPr>
+            <p:ph type="ctrTitle"/>
+          </p:nvPr>
+        </p:nvSpPr>
+        <p:spPr/>
+        <p:txBody>
+          <a:bodyPr/>
+          <a:lstStyle/>
+          <a:p>
+            <a:r>
+              <a:rPr lang="en-GB" dirty="0" smtClean="0"/>
+              <a:t>When does an object become Orphan?</a:t>
+            </a:r>
+            <a:endParaRPr lang="en-GB" dirty="0"/>
+          </a:p>
+        </p:txBody>
+      </p:sp>
+      <p:sp>
+        <p:nvSpPr>
+          <p:cNvPr id="3" name="Subtitle 2"/>
+          <p:cNvSpPr>
+            <a:spLocks noGrp="1"/>
+          </p:cNvSpPr>
+          <p:nvPr>
+            <p:ph type="subTitle" idx="1"/>
+          </p:nvPr>
+        </p:nvSpPr>
+        <p:spPr/>
+        <p:txBody>
+          <a:bodyPr/>
+          <a:lstStyle/>
+          <a:p>
+            <a:r>
+              <a:rPr lang="en-GB" dirty="0" smtClean="0"/>
+              <a:t>When the local variable gets destroyed which was referring to this object</a:t>
+            </a:r>
+            <a:endParaRPr lang="en-GB" dirty="0"/>
+          </a:p>
+        </p:txBody>
+      </p:sp>
+    </p:spTree>
+  </p:cSld>
+  <p:clrMapOvr>
+    <a:masterClrMapping/>
+  </p:clrMapOvr>
+</p:sld>
+</file>
+
+<file path=ppt/slides/slide32.xml><?xml version="1.0" encoding="utf-8"?>
+<p:sld xmlns:a="http://schemas.openxmlformats.org/drawingml/2006/main" xmlns:r="http://schemas.openxmlformats.org/officeDocument/2006/relationships" xmlns:p="http://schemas.openxmlformats.org/presentationml/2006/main">
+  <p:cSld>
+    <p:spTree>
+      <p:nvGrpSpPr>
+        <p:cNvPr id="1" name=""/>
+        <p:cNvGrpSpPr/>
+        <p:nvPr/>
+      </p:nvGrpSpPr>
+      <p:grpSpPr>
+        <a:xfrm>
+          <a:off x="0" y="0"/>
+          <a:ext cx="0" cy="0"/>
+          <a:chOff x="0" y="0"/>
+          <a:chExt cx="0" cy="0"/>
+        </a:xfrm>
+      </p:grpSpPr>
+      <p:sp>
+        <p:nvSpPr>
+          <p:cNvPr id="2" name="Title 1"/>
+          <p:cNvSpPr>
+            <a:spLocks noGrp="1"/>
+          </p:cNvSpPr>
+          <p:nvPr>
+            <p:ph type="ctrTitle"/>
+          </p:nvPr>
+        </p:nvSpPr>
+        <p:spPr/>
+        <p:txBody>
+          <a:bodyPr/>
+          <a:lstStyle/>
+          <a:p>
+            <a:r>
+              <a:rPr lang="en-GB" dirty="0" smtClean="0"/>
+              <a:t>What is the Garbage collection in Java do?</a:t>
+            </a:r>
+            <a:endParaRPr lang="en-GB" dirty="0"/>
+          </a:p>
+        </p:txBody>
+      </p:sp>
+      <p:sp>
+        <p:nvSpPr>
+          <p:cNvPr id="3" name="Subtitle 2"/>
+          <p:cNvSpPr>
+            <a:spLocks noGrp="1"/>
+          </p:cNvSpPr>
+          <p:nvPr>
+            <p:ph type="subTitle" idx="1"/>
+          </p:nvPr>
+        </p:nvSpPr>
+        <p:spPr/>
+        <p:txBody>
+          <a:bodyPr/>
+          <a:lstStyle/>
+          <a:p>
+            <a:r>
+              <a:rPr lang="en-GB" dirty="0" smtClean="0"/>
+              <a:t>Every so often it checks the memory and destroy the objects that are no longer needed.</a:t>
+            </a:r>
+            <a:endParaRPr lang="en-GB" dirty="0"/>
+          </a:p>
+        </p:txBody>
+      </p:sp>
+    </p:spTree>
+  </p:cSld>
+  <p:clrMapOvr>
+    <a:masterClrMapping/>
+  </p:clrMapOvr>
+</p:sld>
+</file>
+
+<file path=ppt/slides/slide33.xml><?xml version="1.0" encoding="utf-8"?>
+<p:sld xmlns:a="http://schemas.openxmlformats.org/drawingml/2006/main" xmlns:r="http://schemas.openxmlformats.org/officeDocument/2006/relationships" xmlns:p="http://schemas.openxmlformats.org/presentationml/2006/main">
+  <p:cSld>
+    <p:spTree>
+      <p:nvGrpSpPr>
+        <p:cNvPr id="1" name=""/>
+        <p:cNvGrpSpPr/>
+        <p:nvPr/>
+      </p:nvGrpSpPr>
+      <p:grpSpPr>
+        <a:xfrm>
+          <a:off x="0" y="0"/>
+          <a:ext cx="0" cy="0"/>
+          <a:chOff x="0" y="0"/>
+          <a:chExt cx="0" cy="0"/>
+        </a:xfrm>
+      </p:grpSpPr>
+      <p:sp>
+        <p:nvSpPr>
+          <p:cNvPr id="2" name="Title 1"/>
+          <p:cNvSpPr>
+            <a:spLocks noGrp="1"/>
+          </p:cNvSpPr>
+          <p:nvPr>
+            <p:ph type="ctrTitle"/>
+          </p:nvPr>
+        </p:nvSpPr>
+        <p:spPr/>
+        <p:txBody>
+          <a:bodyPr/>
+          <a:lstStyle/>
+          <a:p>
+            <a:r>
+              <a:rPr lang="en-GB" dirty="0" smtClean="0"/>
+              <a:t>Can we do the Garbage collection?</a:t>
+            </a:r>
+            <a:endParaRPr lang="en-GB" dirty="0"/>
+          </a:p>
+        </p:txBody>
+      </p:sp>
+      <p:sp>
+        <p:nvSpPr>
+          <p:cNvPr id="3" name="Subtitle 2"/>
+          <p:cNvSpPr>
+            <a:spLocks noGrp="1"/>
+          </p:cNvSpPr>
+          <p:nvPr>
+            <p:ph type="subTitle" idx="1"/>
+          </p:nvPr>
+        </p:nvSpPr>
+        <p:spPr/>
+        <p:txBody>
+          <a:bodyPr/>
+          <a:lstStyle/>
+          <a:p>
+            <a:r>
+              <a:rPr lang="en-GB" dirty="0" smtClean="0"/>
+              <a:t>No. It is done by Java Virtual Machine.  But JVM can be tuned.</a:t>
+            </a:r>
+            <a:endParaRPr lang="en-GB" dirty="0"/>
+          </a:p>
+        </p:txBody>
+      </p:sp>
+    </p:spTree>
+  </p:cSld>
+  <p:clrMapOvr>
+    <a:masterClrMapping/>
+  </p:clrMapOvr>
+</p:sld>
+</file>
+
+<file path=ppt/slides/slide34.xml><?xml version="1.0" encoding="utf-8"?>
+<p:sld xmlns:a="http://schemas.openxmlformats.org/drawingml/2006/main" xmlns:r="http://schemas.openxmlformats.org/officeDocument/2006/relationships" xmlns:p="http://schemas.openxmlformats.org/presentationml/2006/main">
+  <p:cSld>
+    <p:spTree>
+      <p:nvGrpSpPr>
+        <p:cNvPr id="1" name=""/>
+        <p:cNvGrpSpPr/>
+        <p:nvPr/>
+      </p:nvGrpSpPr>
+      <p:grpSpPr>
+        <a:xfrm>
+          <a:off x="0" y="0"/>
+          <a:ext cx="0" cy="0"/>
+          <a:chOff x="0" y="0"/>
+          <a:chExt cx="0" cy="0"/>
+        </a:xfrm>
+      </p:grpSpPr>
+      <p:sp>
+        <p:nvSpPr>
+          <p:cNvPr id="2" name="Title 1"/>
+          <p:cNvSpPr>
+            <a:spLocks noGrp="1"/>
+          </p:cNvSpPr>
+          <p:nvPr>
+            <p:ph type="ctrTitle"/>
+          </p:nvPr>
+        </p:nvSpPr>
+        <p:spPr/>
+        <p:txBody>
+          <a:bodyPr>
+            <a:normAutofit fontScale="90000"/>
+          </a:bodyPr>
+          <a:lstStyle/>
+          <a:p>
+            <a:r>
+              <a:rPr lang="en-GB" dirty="0" smtClean="0"/>
+              <a:t>A new Object is created every time the </a:t>
+            </a:r>
+            <a:r>
+              <a:rPr lang="en-GB" dirty="0" err="1" smtClean="0"/>
+              <a:t>concat</a:t>
+            </a:r>
+            <a:r>
+              <a:rPr lang="en-GB" dirty="0" smtClean="0"/>
+              <a:t> method is run.  True or false?</a:t>
+            </a:r>
+            <a:endParaRPr lang="en-GB" dirty="0"/>
+          </a:p>
+        </p:txBody>
+      </p:sp>
+      <p:sp>
+        <p:nvSpPr>
+          <p:cNvPr id="3" name="Subtitle 2"/>
+          <p:cNvSpPr>
+            <a:spLocks noGrp="1"/>
+          </p:cNvSpPr>
+          <p:nvPr>
+            <p:ph type="subTitle" idx="1"/>
+          </p:nvPr>
+        </p:nvSpPr>
+        <p:spPr/>
+        <p:txBody>
+          <a:bodyPr/>
+          <a:lstStyle/>
+          <a:p>
+            <a:r>
+              <a:rPr lang="en-GB" dirty="0" smtClean="0"/>
+              <a:t>True</a:t>
+            </a:r>
+            <a:endParaRPr lang="en-GB" dirty="0"/>
+          </a:p>
+        </p:txBody>
+      </p:sp>
+    </p:spTree>
+  </p:cSld>
+  <p:clrMapOvr>
+    <a:masterClrMapping/>
+  </p:clrMapOvr>
+</p:sld>
+</file>
+
+<file path=ppt/slides/slide35.xml><?xml version="1.0" encoding="utf-8"?>
+<p:sld xmlns:a="http://schemas.openxmlformats.org/drawingml/2006/main" xmlns:r="http://schemas.openxmlformats.org/officeDocument/2006/relationships" xmlns:p="http://schemas.openxmlformats.org/presentationml/2006/main">
+  <p:cSld>
+    <p:spTree>
+      <p:nvGrpSpPr>
+        <p:cNvPr id="1" name=""/>
+        <p:cNvGrpSpPr/>
+        <p:nvPr/>
+      </p:nvGrpSpPr>
+      <p:grpSpPr>
+        <a:xfrm>
+          <a:off x="0" y="0"/>
+          <a:ext cx="0" cy="0"/>
+          <a:chOff x="0" y="0"/>
+          <a:chExt cx="0" cy="0"/>
+        </a:xfrm>
+      </p:grpSpPr>
+      <p:sp>
+        <p:nvSpPr>
+          <p:cNvPr id="2" name="Title 1"/>
+          <p:cNvSpPr>
+            <a:spLocks noGrp="1"/>
+          </p:cNvSpPr>
+          <p:nvPr>
+            <p:ph type="ctrTitle"/>
+          </p:nvPr>
+        </p:nvSpPr>
+        <p:spPr/>
+        <p:txBody>
+          <a:bodyPr>
+            <a:normAutofit fontScale="90000"/>
+          </a:bodyPr>
+          <a:lstStyle/>
+          <a:p>
+            <a:r>
+              <a:rPr lang="en-GB" dirty="0" smtClean="0"/>
+              <a:t>What is the relation between Garbage collection and a not clean code?</a:t>
+            </a:r>
+            <a:endParaRPr lang="en-GB" dirty="0"/>
+          </a:p>
+        </p:txBody>
+      </p:sp>
+      <p:sp>
+        <p:nvSpPr>
+          <p:cNvPr id="3" name="Subtitle 2"/>
+          <p:cNvSpPr>
+            <a:spLocks noGrp="1"/>
+          </p:cNvSpPr>
+          <p:nvPr>
+            <p:ph type="subTitle" idx="1"/>
+          </p:nvPr>
+        </p:nvSpPr>
+        <p:spPr/>
+        <p:txBody>
+          <a:bodyPr/>
+          <a:lstStyle/>
+          <a:p>
+            <a:r>
+              <a:rPr lang="en-GB" dirty="0" smtClean="0"/>
+              <a:t>The more the overhead of Garbage collection, the slower the program.</a:t>
+            </a:r>
+            <a:endParaRPr lang="en-GB" dirty="0"/>
+          </a:p>
+        </p:txBody>
+      </p:sp>
+    </p:spTree>
+  </p:cSld>
+  <p:clrMapOvr>
+    <a:masterClrMapping/>
+  </p:clrMapOvr>
+</p:sld>
+</file>
+
+<file path=ppt/slides/slide36.xml><?xml version="1.0" encoding="utf-8"?>
+<p:sld xmlns:a="http://schemas.openxmlformats.org/drawingml/2006/main" xmlns:r="http://schemas.openxmlformats.org/officeDocument/2006/relationships" xmlns:p="http://schemas.openxmlformats.org/presentationml/2006/main">
+  <p:cSld>
+    <p:spTree>
+      <p:nvGrpSpPr>
+        <p:cNvPr id="1" name=""/>
+        <p:cNvGrpSpPr/>
+        <p:nvPr/>
+      </p:nvGrpSpPr>
+      <p:grpSpPr>
+        <a:xfrm>
+          <a:off x="0" y="0"/>
+          <a:ext cx="0" cy="0"/>
+          <a:chOff x="0" y="0"/>
+          <a:chExt cx="0" cy="0"/>
+        </a:xfrm>
+      </p:grpSpPr>
+      <p:sp>
+        <p:nvSpPr>
+          <p:cNvPr id="2" name="Title 1"/>
+          <p:cNvSpPr>
+            <a:spLocks noGrp="1"/>
+          </p:cNvSpPr>
+          <p:nvPr>
+            <p:ph type="ctrTitle"/>
+          </p:nvPr>
+        </p:nvSpPr>
+        <p:spPr/>
+        <p:txBody>
+          <a:bodyPr/>
+          <a:lstStyle/>
+          <a:p>
+            <a:r>
+              <a:rPr lang="en-GB" dirty="0" smtClean="0"/>
+              <a:t>What is an immutable object in Java?</a:t>
+            </a:r>
+            <a:endParaRPr lang="en-GB" dirty="0"/>
+          </a:p>
+        </p:txBody>
+      </p:sp>
+      <p:sp>
+        <p:nvSpPr>
+          <p:cNvPr id="3" name="Subtitle 2"/>
+          <p:cNvSpPr>
+            <a:spLocks noGrp="1"/>
+          </p:cNvSpPr>
+          <p:nvPr>
+            <p:ph type="subTitle" idx="1"/>
+          </p:nvPr>
+        </p:nvSpPr>
+        <p:spPr/>
+        <p:txBody>
+          <a:bodyPr>
+            <a:normAutofit fontScale="92500"/>
+          </a:bodyPr>
+          <a:lstStyle/>
+          <a:p>
+            <a:pPr algn="l"/>
+            <a:r>
+              <a:rPr lang="en-GB" dirty="0" smtClean="0"/>
+              <a:t>in </a:t>
+            </a:r>
+            <a:r>
+              <a:rPr lang="en-GB" b="1" dirty="0" smtClean="0"/>
+              <a:t>Java</a:t>
+            </a:r>
+            <a:r>
+              <a:rPr lang="en-GB" dirty="0" smtClean="0"/>
+              <a:t>, </a:t>
+            </a:r>
+            <a:r>
+              <a:rPr lang="en-GB" b="1" dirty="0" err="1" smtClean="0"/>
+              <a:t>java</a:t>
+            </a:r>
+            <a:r>
+              <a:rPr lang="en-GB" dirty="0" err="1" smtClean="0"/>
+              <a:t>.lang.String</a:t>
+            </a:r>
+            <a:r>
+              <a:rPr lang="en-GB" dirty="0" smtClean="0"/>
+              <a:t> is an </a:t>
+            </a:r>
+            <a:r>
+              <a:rPr lang="en-GB" b="1" dirty="0" smtClean="0"/>
+              <a:t>immutable object</a:t>
+            </a:r>
+            <a:r>
+              <a:rPr lang="en-GB" dirty="0" smtClean="0"/>
+              <a:t> (it cannot be changed once it's created) and </a:t>
+            </a:r>
+            <a:r>
+              <a:rPr lang="en-GB" b="1" dirty="0" err="1" smtClean="0"/>
+              <a:t>java</a:t>
+            </a:r>
+            <a:r>
+              <a:rPr lang="en-GB" dirty="0" err="1" smtClean="0"/>
+              <a:t>.lang.StringBuilder</a:t>
+            </a:r>
+            <a:r>
+              <a:rPr lang="en-GB" dirty="0" smtClean="0"/>
+              <a:t> is a mutable </a:t>
+            </a:r>
+            <a:r>
+              <a:rPr lang="en-GB" b="1" dirty="0" smtClean="0"/>
+              <a:t>object</a:t>
+            </a:r>
+            <a:r>
+              <a:rPr lang="en-GB" dirty="0" smtClean="0"/>
+              <a:t> because it can be changed without creating a new instance</a:t>
+            </a:r>
+            <a:endParaRPr lang="en-GB" dirty="0"/>
+          </a:p>
+        </p:txBody>
+      </p:sp>
+    </p:spTree>
+  </p:cSld>
+  <p:clrMapOvr>
+    <a:masterClrMapping/>
+  </p:clrMapOvr>
+</p:sld>
+</file>
+
+<file path=ppt/slides/slide37.xml><?xml version="1.0" encoding="utf-8"?>
+<p:sld xmlns:a="http://schemas.openxmlformats.org/drawingml/2006/main" xmlns:r="http://schemas.openxmlformats.org/officeDocument/2006/relationships" xmlns:p="http://schemas.openxmlformats.org/presentationml/2006/main">
+  <p:cSld>
+    <p:spTree>
+      <p:nvGrpSpPr>
+        <p:cNvPr id="1" name=""/>
+        <p:cNvGrpSpPr/>
+        <p:nvPr/>
+      </p:nvGrpSpPr>
+      <p:grpSpPr>
+        <a:xfrm>
+          <a:off x="0" y="0"/>
+          <a:ext cx="0" cy="0"/>
+          <a:chOff x="0" y="0"/>
+          <a:chExt cx="0" cy="0"/>
+        </a:xfrm>
+      </p:grpSpPr>
+      <p:sp>
+        <p:nvSpPr>
+          <p:cNvPr id="2" name="Title 1"/>
+          <p:cNvSpPr>
+            <a:spLocks noGrp="1"/>
+          </p:cNvSpPr>
+          <p:nvPr>
+            <p:ph type="ctrTitle"/>
+          </p:nvPr>
+        </p:nvSpPr>
+        <p:spPr/>
+        <p:txBody>
+          <a:bodyPr/>
+          <a:lstStyle/>
+          <a:p>
+            <a:r>
+              <a:rPr lang="en-GB" dirty="0" smtClean="0"/>
+              <a:t>What is the main use of inheritance</a:t>
+            </a:r>
+            <a:endParaRPr lang="en-GB" dirty="0"/>
+          </a:p>
+        </p:txBody>
+      </p:sp>
+      <p:sp>
+        <p:nvSpPr>
+          <p:cNvPr id="3" name="Subtitle 2"/>
+          <p:cNvSpPr>
+            <a:spLocks noGrp="1"/>
+          </p:cNvSpPr>
+          <p:nvPr>
+            <p:ph type="subTitle" idx="1"/>
+          </p:nvPr>
+        </p:nvSpPr>
+        <p:spPr/>
+        <p:txBody>
+          <a:bodyPr>
+            <a:normAutofit lnSpcReduction="10000"/>
+          </a:bodyPr>
+          <a:lstStyle/>
+          <a:p>
+            <a:pPr algn="l"/>
+            <a:r>
+              <a:rPr lang="en-GB" dirty="0" smtClean="0"/>
+              <a:t>Code sharing</a:t>
+            </a:r>
+          </a:p>
+          <a:p>
+            <a:pPr algn="l"/>
+            <a:r>
+              <a:rPr lang="en-GB" dirty="0" smtClean="0"/>
+              <a:t>A class can inherit from another class </a:t>
+            </a:r>
+          </a:p>
+          <a:p>
+            <a:pPr algn="l"/>
+            <a:r>
+              <a:rPr lang="en-GB" dirty="0" smtClean="0"/>
+              <a:t>A child  can inherit  everything from parent and add to it.</a:t>
+            </a:r>
+            <a:endParaRPr lang="en-GB" dirty="0"/>
+          </a:p>
+        </p:txBody>
+      </p:sp>
+    </p:spTree>
+  </p:cSld>
+  <p:clrMapOvr>
+    <a:masterClrMapping/>
+  </p:clrMapOvr>
+</p:sld>
+</file>
+
+<file path=ppt/slides/slide38.xml><?xml version="1.0" encoding="utf-8"?>
+<p:sld xmlns:a="http://schemas.openxmlformats.org/drawingml/2006/main" xmlns:r="http://schemas.openxmlformats.org/officeDocument/2006/relationships" xmlns:p="http://schemas.openxmlformats.org/presentationml/2006/main">
+  <p:cSld>
+    <p:spTree>
+      <p:nvGrpSpPr>
+        <p:cNvPr id="1" name=""/>
+        <p:cNvGrpSpPr/>
+        <p:nvPr/>
+      </p:nvGrpSpPr>
+      <p:grpSpPr>
+        <a:xfrm>
+          <a:off x="0" y="0"/>
+          <a:ext cx="0" cy="0"/>
+          <a:chOff x="0" y="0"/>
+          <a:chExt cx="0" cy="0"/>
+        </a:xfrm>
+      </p:grpSpPr>
+      <p:sp>
+        <p:nvSpPr>
+          <p:cNvPr id="2" name="Title 1"/>
+          <p:cNvSpPr>
+            <a:spLocks noGrp="1"/>
+          </p:cNvSpPr>
+          <p:nvPr>
+            <p:ph type="ctrTitle"/>
+          </p:nvPr>
+        </p:nvSpPr>
+        <p:spPr/>
+        <p:txBody>
+          <a:bodyPr/>
+          <a:lstStyle/>
+          <a:p>
+            <a:r>
+              <a:rPr lang="en-GB" dirty="0" smtClean="0"/>
+              <a:t>How to find the fields in a function</a:t>
+            </a:r>
+            <a:endParaRPr lang="en-GB" dirty="0"/>
+          </a:p>
+        </p:txBody>
+      </p:sp>
+      <p:sp>
+        <p:nvSpPr>
+          <p:cNvPr id="3" name="Subtitle 2"/>
+          <p:cNvSpPr>
+            <a:spLocks noGrp="1"/>
+          </p:cNvSpPr>
+          <p:nvPr>
+            <p:ph type="subTitle" idx="1"/>
+          </p:nvPr>
+        </p:nvSpPr>
+        <p:spPr/>
+        <p:txBody>
+          <a:bodyPr/>
+          <a:lstStyle/>
+          <a:p>
+            <a:r>
+              <a:rPr lang="en-GB" dirty="0" err="1" smtClean="0"/>
+              <a:t>CTRl</a:t>
+            </a:r>
+            <a:r>
+              <a:rPr lang="en-GB" dirty="0" smtClean="0"/>
+              <a:t> + SHIFT + space bar</a:t>
+            </a:r>
+            <a:endParaRPr lang="en-GB" dirty="0"/>
+          </a:p>
+        </p:txBody>
+      </p:sp>
+    </p:spTree>
+  </p:cSld>
+  <p:clrMapOvr>
+    <a:masterClrMapping/>
+  </p:clrMapOvr>
+</p:sld>
+</file>
+
+<file path=ppt/slides/slide39.xml><?xml version="1.0" encoding="utf-8"?>
+<p:sld xmlns:a="http://schemas.openxmlformats.org/drawingml/2006/main" xmlns:r="http://schemas.openxmlformats.org/officeDocument/2006/relationships" xmlns:p="http://schemas.openxmlformats.org/presentationml/2006/main">
+  <p:cSld>
+    <p:spTree>
+      <p:nvGrpSpPr>
+        <p:cNvPr id="1" name=""/>
+        <p:cNvGrpSpPr/>
+        <p:nvPr/>
+      </p:nvGrpSpPr>
+      <p:grpSpPr>
+        <a:xfrm>
+          <a:off x="0" y="0"/>
+          <a:ext cx="0" cy="0"/>
+          <a:chOff x="0" y="0"/>
+          <a:chExt cx="0" cy="0"/>
+        </a:xfrm>
+      </p:grpSpPr>
+      <p:sp>
+        <p:nvSpPr>
+          <p:cNvPr id="2" name="Title 1"/>
+          <p:cNvSpPr>
+            <a:spLocks noGrp="1"/>
+          </p:cNvSpPr>
+          <p:nvPr>
+            <p:ph type="ctrTitle"/>
+          </p:nvPr>
+        </p:nvSpPr>
+        <p:spPr/>
+        <p:txBody>
+          <a:bodyPr/>
+          <a:lstStyle/>
+          <a:p>
+            <a:r>
+              <a:rPr lang="en-GB" dirty="0" smtClean="0"/>
+              <a:t>Can child class ignore the parent methods? How?</a:t>
+            </a:r>
+            <a:endParaRPr lang="en-GB" dirty="0"/>
+          </a:p>
+        </p:txBody>
+      </p:sp>
+      <p:sp>
+        <p:nvSpPr>
+          <p:cNvPr id="3" name="Subtitle 2"/>
+          <p:cNvSpPr>
+            <a:spLocks noGrp="1"/>
+          </p:cNvSpPr>
+          <p:nvPr>
+            <p:ph type="subTitle" idx="1"/>
+          </p:nvPr>
+        </p:nvSpPr>
+        <p:spPr/>
+        <p:txBody>
+          <a:bodyPr/>
+          <a:lstStyle/>
+          <a:p>
+            <a:r>
+              <a:rPr lang="en-GB" dirty="0" smtClean="0"/>
+              <a:t>Yes.  By method overrides</a:t>
             </a:r>
             <a:endParaRPr lang="en-GB" dirty="0"/>
           </a:p>
@@ -4208,6 +7370,1045 @@
 </p:sld>
 </file>
 
+<file path=ppt/slides/slide40.xml><?xml version="1.0" encoding="utf-8"?>
+<p:sld xmlns:a="http://schemas.openxmlformats.org/drawingml/2006/main" xmlns:r="http://schemas.openxmlformats.org/officeDocument/2006/relationships" xmlns:p="http://schemas.openxmlformats.org/presentationml/2006/main">
+  <p:cSld>
+    <p:spTree>
+      <p:nvGrpSpPr>
+        <p:cNvPr id="1" name=""/>
+        <p:cNvGrpSpPr/>
+        <p:nvPr/>
+      </p:nvGrpSpPr>
+      <p:grpSpPr>
+        <a:xfrm>
+          <a:off x="0" y="0"/>
+          <a:ext cx="0" cy="0"/>
+          <a:chOff x="0" y="0"/>
+          <a:chExt cx="0" cy="0"/>
+        </a:xfrm>
+      </p:grpSpPr>
+      <p:sp>
+        <p:nvSpPr>
+          <p:cNvPr id="2" name="Title 1"/>
+          <p:cNvSpPr>
+            <a:spLocks noGrp="1"/>
+          </p:cNvSpPr>
+          <p:nvPr>
+            <p:ph type="ctrTitle"/>
+          </p:nvPr>
+        </p:nvSpPr>
+        <p:spPr/>
+        <p:txBody>
+          <a:bodyPr/>
+          <a:lstStyle/>
+          <a:p>
+            <a:r>
+              <a:rPr lang="en-GB" dirty="0" smtClean="0"/>
+              <a:t>What are abstract methods?</a:t>
+            </a:r>
+            <a:endParaRPr lang="en-GB" dirty="0"/>
+          </a:p>
+        </p:txBody>
+      </p:sp>
+      <p:sp>
+        <p:nvSpPr>
+          <p:cNvPr id="3" name="Subtitle 2"/>
+          <p:cNvSpPr>
+            <a:spLocks noGrp="1"/>
+          </p:cNvSpPr>
+          <p:nvPr>
+            <p:ph type="subTitle" idx="1"/>
+          </p:nvPr>
+        </p:nvSpPr>
+        <p:spPr/>
+        <p:txBody>
+          <a:bodyPr/>
+          <a:lstStyle/>
+          <a:p>
+            <a:pPr algn="l"/>
+            <a:r>
+              <a:rPr lang="en-GB" dirty="0" smtClean="0"/>
+              <a:t>When parents decide that, children should override certain parents methods</a:t>
+            </a:r>
+            <a:endParaRPr lang="en-GB" dirty="0"/>
+          </a:p>
+        </p:txBody>
+      </p:sp>
+    </p:spTree>
+  </p:cSld>
+  <p:clrMapOvr>
+    <a:masterClrMapping/>
+  </p:clrMapOvr>
+</p:sld>
+</file>
+
+<file path=ppt/slides/slide41.xml><?xml version="1.0" encoding="utf-8"?>
+<p:sld xmlns:a="http://schemas.openxmlformats.org/drawingml/2006/main" xmlns:r="http://schemas.openxmlformats.org/officeDocument/2006/relationships" xmlns:p="http://schemas.openxmlformats.org/presentationml/2006/main">
+  <p:cSld>
+    <p:spTree>
+      <p:nvGrpSpPr>
+        <p:cNvPr id="1" name=""/>
+        <p:cNvGrpSpPr/>
+        <p:nvPr/>
+      </p:nvGrpSpPr>
+      <p:grpSpPr>
+        <a:xfrm>
+          <a:off x="0" y="0"/>
+          <a:ext cx="0" cy="0"/>
+          <a:chOff x="0" y="0"/>
+          <a:chExt cx="0" cy="0"/>
+        </a:xfrm>
+      </p:grpSpPr>
+      <p:sp>
+        <p:nvSpPr>
+          <p:cNvPr id="2" name="Title 1"/>
+          <p:cNvSpPr>
+            <a:spLocks noGrp="1"/>
+          </p:cNvSpPr>
+          <p:nvPr>
+            <p:ph type="ctrTitle"/>
+          </p:nvPr>
+        </p:nvSpPr>
+        <p:spPr/>
+        <p:txBody>
+          <a:bodyPr>
+            <a:normAutofit fontScale="90000"/>
+          </a:bodyPr>
+          <a:lstStyle/>
+          <a:p>
+            <a:r>
+              <a:rPr lang="en-GB" dirty="0" smtClean="0"/>
+              <a:t>To accidentally avoid declaration of a virtual class what do you do ?</a:t>
+            </a:r>
+            <a:endParaRPr lang="en-GB" dirty="0"/>
+          </a:p>
+        </p:txBody>
+      </p:sp>
+      <p:sp>
+        <p:nvSpPr>
+          <p:cNvPr id="3" name="Subtitle 2"/>
+          <p:cNvSpPr>
+            <a:spLocks noGrp="1"/>
+          </p:cNvSpPr>
+          <p:nvPr>
+            <p:ph type="subTitle" idx="1"/>
+          </p:nvPr>
+        </p:nvSpPr>
+        <p:spPr/>
+        <p:txBody>
+          <a:bodyPr>
+            <a:normAutofit fontScale="70000" lnSpcReduction="20000"/>
+          </a:bodyPr>
+          <a:lstStyle/>
+          <a:p>
+            <a:r>
+              <a:rPr lang="en-GB" dirty="0" smtClean="0"/>
+              <a:t>Make it abstract</a:t>
+            </a:r>
+          </a:p>
+          <a:p>
+            <a:r>
+              <a:rPr lang="en-GB" b="1" dirty="0" smtClean="0"/>
+              <a:t>public abstract class Material {</a:t>
+            </a:r>
+          </a:p>
+          <a:p>
+            <a:r>
+              <a:rPr lang="en-GB" b="1" dirty="0" smtClean="0"/>
+              <a:t>private </a:t>
+            </a:r>
+            <a:r>
+              <a:rPr lang="en-GB" b="1" dirty="0" err="1" smtClean="0"/>
+              <a:t>int</a:t>
+            </a:r>
+            <a:r>
+              <a:rPr lang="en-GB" b="1" dirty="0" smtClean="0"/>
+              <a:t> id;</a:t>
+            </a:r>
+          </a:p>
+          <a:p>
+            <a:r>
+              <a:rPr lang="en-GB" b="1" dirty="0" smtClean="0"/>
+              <a:t>private String title;</a:t>
+            </a:r>
+          </a:p>
+          <a:p>
+            <a:r>
+              <a:rPr lang="en-GB" b="1" dirty="0" smtClean="0"/>
+              <a:t>private String </a:t>
+            </a:r>
+            <a:r>
+              <a:rPr lang="en-GB" b="1" u="sng" dirty="0" smtClean="0"/>
+              <a:t>branch;</a:t>
+            </a:r>
+          </a:p>
+          <a:p>
+            <a:r>
+              <a:rPr lang="en-GB" b="1" smtClean="0"/>
+              <a:t>private Customer borrower;</a:t>
+            </a:r>
+            <a:r>
+              <a:rPr lang="en-GB" smtClean="0"/>
+              <a:t> </a:t>
+            </a:r>
+            <a:endParaRPr lang="en-GB"/>
+          </a:p>
+        </p:txBody>
+      </p:sp>
+    </p:spTree>
+  </p:cSld>
+  <p:clrMapOvr>
+    <a:masterClrMapping/>
+  </p:clrMapOvr>
+</p:sld>
+</file>
+
+<file path=ppt/slides/slide42.xml><?xml version="1.0" encoding="utf-8"?>
+<p:sld xmlns:a="http://schemas.openxmlformats.org/drawingml/2006/main" xmlns:r="http://schemas.openxmlformats.org/officeDocument/2006/relationships" xmlns:p="http://schemas.openxmlformats.org/presentationml/2006/main">
+  <p:cSld>
+    <p:spTree>
+      <p:nvGrpSpPr>
+        <p:cNvPr id="1" name=""/>
+        <p:cNvGrpSpPr/>
+        <p:nvPr/>
+      </p:nvGrpSpPr>
+      <p:grpSpPr>
+        <a:xfrm>
+          <a:off x="0" y="0"/>
+          <a:ext cx="0" cy="0"/>
+          <a:chOff x="0" y="0"/>
+          <a:chExt cx="0" cy="0"/>
+        </a:xfrm>
+      </p:grpSpPr>
+      <p:sp>
+        <p:nvSpPr>
+          <p:cNvPr id="2" name="Title 1"/>
+          <p:cNvSpPr>
+            <a:spLocks noGrp="1"/>
+          </p:cNvSpPr>
+          <p:nvPr>
+            <p:ph type="ctrTitle"/>
+          </p:nvPr>
+        </p:nvSpPr>
+        <p:spPr/>
+        <p:txBody>
+          <a:bodyPr/>
+          <a:lstStyle/>
+          <a:p>
+            <a:r>
+              <a:rPr lang="en-GB" dirty="0" smtClean="0"/>
+              <a:t>How do you override a method in child?</a:t>
+            </a:r>
+            <a:endParaRPr lang="en-GB" dirty="0"/>
+          </a:p>
+        </p:txBody>
+      </p:sp>
+      <p:sp>
+        <p:nvSpPr>
+          <p:cNvPr id="3" name="Subtitle 2"/>
+          <p:cNvSpPr>
+            <a:spLocks noGrp="1"/>
+          </p:cNvSpPr>
+          <p:nvPr>
+            <p:ph type="subTitle" idx="1"/>
+          </p:nvPr>
+        </p:nvSpPr>
+        <p:spPr>
+          <a:xfrm>
+            <a:off x="533400" y="3228536"/>
+            <a:ext cx="7927032" cy="3080784"/>
+          </a:xfrm>
+        </p:spPr>
+        <p:txBody>
+          <a:bodyPr>
+            <a:normAutofit fontScale="70000" lnSpcReduction="20000"/>
+          </a:bodyPr>
+          <a:lstStyle/>
+          <a:p>
+            <a:r>
+              <a:rPr lang="en-GB" dirty="0" smtClean="0"/>
+              <a:t>Use super</a:t>
+            </a:r>
+          </a:p>
+          <a:p>
+            <a:r>
+              <a:rPr lang="en-GB" b="1" dirty="0" smtClean="0"/>
+              <a:t>public </a:t>
+            </a:r>
+            <a:r>
+              <a:rPr lang="en-GB" b="1" dirty="0" err="1" smtClean="0"/>
+              <a:t>boolean</a:t>
+            </a:r>
+            <a:r>
+              <a:rPr lang="en-GB" b="1" dirty="0" smtClean="0"/>
+              <a:t> lend(Customer </a:t>
+            </a:r>
+            <a:r>
+              <a:rPr lang="en-GB" b="1" dirty="0" err="1" smtClean="0"/>
+              <a:t>customer</a:t>
+            </a:r>
+            <a:r>
+              <a:rPr lang="en-GB" b="1" dirty="0" smtClean="0"/>
+              <a:t>){</a:t>
+            </a:r>
+          </a:p>
+          <a:p>
+            <a:r>
+              <a:rPr lang="en-GB" b="1" dirty="0" smtClean="0"/>
+              <a:t>if(</a:t>
+            </a:r>
+            <a:r>
+              <a:rPr lang="en-GB" b="1" dirty="0" err="1" smtClean="0"/>
+              <a:t>licenced</a:t>
+            </a:r>
+            <a:r>
+              <a:rPr lang="en-GB" b="1" dirty="0" smtClean="0"/>
+              <a:t>)</a:t>
+            </a:r>
+          </a:p>
+          <a:p>
+            <a:r>
+              <a:rPr lang="en-GB" dirty="0" smtClean="0"/>
+              <a:t>{</a:t>
+            </a:r>
+          </a:p>
+          <a:p>
+            <a:r>
+              <a:rPr lang="en-GB" b="1" dirty="0" smtClean="0"/>
+              <a:t>return </a:t>
+            </a:r>
+            <a:r>
+              <a:rPr lang="en-GB" b="1" dirty="0" err="1" smtClean="0"/>
+              <a:t>super.lend</a:t>
+            </a:r>
+            <a:r>
+              <a:rPr lang="en-GB" b="1" dirty="0" smtClean="0"/>
+              <a:t>(customer);</a:t>
+            </a:r>
+          </a:p>
+          <a:p>
+            <a:r>
+              <a:rPr lang="en-GB" dirty="0" smtClean="0"/>
+              <a:t>}</a:t>
+            </a:r>
+          </a:p>
+          <a:p>
+            <a:r>
+              <a:rPr lang="en-GB" b="1" dirty="0" smtClean="0"/>
+              <a:t>else</a:t>
+            </a:r>
+          </a:p>
+          <a:p>
+            <a:r>
+              <a:rPr lang="en-GB" dirty="0" smtClean="0"/>
+              <a:t>{</a:t>
+            </a:r>
+          </a:p>
+          <a:p>
+            <a:r>
+              <a:rPr lang="en-GB" b="1" dirty="0" smtClean="0"/>
+              <a:t>return false;</a:t>
+            </a:r>
+          </a:p>
+          <a:p>
+            <a:r>
+              <a:rPr lang="en-GB" dirty="0" smtClean="0"/>
+              <a:t>}</a:t>
+            </a:r>
+          </a:p>
+          <a:p>
+            <a:r>
+              <a:rPr lang="en-GB" dirty="0" smtClean="0"/>
+              <a:t>}</a:t>
+            </a:r>
+            <a:endParaRPr lang="en-GB" dirty="0"/>
+          </a:p>
+        </p:txBody>
+      </p:sp>
+    </p:spTree>
+  </p:cSld>
+  <p:clrMapOvr>
+    <a:masterClrMapping/>
+  </p:clrMapOvr>
+</p:sld>
+</file>
+
+<file path=ppt/slides/slide43.xml><?xml version="1.0" encoding="utf-8"?>
+<p:sld xmlns:a="http://schemas.openxmlformats.org/drawingml/2006/main" xmlns:r="http://schemas.openxmlformats.org/officeDocument/2006/relationships" xmlns:p="http://schemas.openxmlformats.org/presentationml/2006/main">
+  <p:cSld>
+    <p:spTree>
+      <p:nvGrpSpPr>
+        <p:cNvPr id="1" name=""/>
+        <p:cNvGrpSpPr/>
+        <p:nvPr/>
+      </p:nvGrpSpPr>
+      <p:grpSpPr>
+        <a:xfrm>
+          <a:off x="0" y="0"/>
+          <a:ext cx="0" cy="0"/>
+          <a:chOff x="0" y="0"/>
+          <a:chExt cx="0" cy="0"/>
+        </a:xfrm>
+      </p:grpSpPr>
+      <p:sp>
+        <p:nvSpPr>
+          <p:cNvPr id="2" name="Title 1"/>
+          <p:cNvSpPr>
+            <a:spLocks noGrp="1"/>
+          </p:cNvSpPr>
+          <p:nvPr>
+            <p:ph type="ctrTitle"/>
+          </p:nvPr>
+        </p:nvSpPr>
+        <p:spPr/>
+        <p:txBody>
+          <a:bodyPr/>
+          <a:lstStyle/>
+          <a:p>
+            <a:r>
+              <a:rPr lang="en-GB" dirty="0" smtClean="0"/>
+              <a:t>Can you define a body for abstracts?</a:t>
+            </a:r>
+            <a:endParaRPr lang="en-GB" dirty="0"/>
+          </a:p>
+        </p:txBody>
+      </p:sp>
+      <p:sp>
+        <p:nvSpPr>
+          <p:cNvPr id="3" name="Subtitle 2"/>
+          <p:cNvSpPr>
+            <a:spLocks noGrp="1"/>
+          </p:cNvSpPr>
+          <p:nvPr>
+            <p:ph type="subTitle" idx="1"/>
+          </p:nvPr>
+        </p:nvSpPr>
+        <p:spPr/>
+        <p:txBody>
+          <a:bodyPr/>
+          <a:lstStyle/>
+          <a:p>
+            <a:r>
+              <a:rPr lang="en-GB" dirty="0" smtClean="0"/>
+              <a:t>No. Only add a semicolon at the end and no curly brackets</a:t>
+            </a:r>
+            <a:endParaRPr lang="en-GB" dirty="0"/>
+          </a:p>
+        </p:txBody>
+      </p:sp>
+    </p:spTree>
+  </p:cSld>
+  <p:clrMapOvr>
+    <a:masterClrMapping/>
+  </p:clrMapOvr>
+</p:sld>
+</file>
+
+<file path=ppt/slides/slide44.xml><?xml version="1.0" encoding="utf-8"?>
+<p:sld xmlns:a="http://schemas.openxmlformats.org/drawingml/2006/main" xmlns:r="http://schemas.openxmlformats.org/officeDocument/2006/relationships" xmlns:p="http://schemas.openxmlformats.org/presentationml/2006/main">
+  <p:cSld>
+    <p:spTree>
+      <p:nvGrpSpPr>
+        <p:cNvPr id="1" name=""/>
+        <p:cNvGrpSpPr/>
+        <p:nvPr/>
+      </p:nvGrpSpPr>
+      <p:grpSpPr>
+        <a:xfrm>
+          <a:off x="0" y="0"/>
+          <a:ext cx="0" cy="0"/>
+          <a:chOff x="0" y="0"/>
+          <a:chExt cx="0" cy="0"/>
+        </a:xfrm>
+      </p:grpSpPr>
+      <p:sp>
+        <p:nvSpPr>
+          <p:cNvPr id="2" name="Title 1"/>
+          <p:cNvSpPr>
+            <a:spLocks noGrp="1"/>
+          </p:cNvSpPr>
+          <p:nvPr>
+            <p:ph type="ctrTitle"/>
+          </p:nvPr>
+        </p:nvSpPr>
+        <p:spPr/>
+        <p:txBody>
+          <a:bodyPr>
+            <a:normAutofit fontScale="90000"/>
+          </a:bodyPr>
+          <a:lstStyle/>
+          <a:p>
+            <a:r>
+              <a:rPr lang="en-GB" dirty="0" smtClean="0"/>
+              <a:t>We can have abstract methods in abstract class only. True or false?</a:t>
+            </a:r>
+            <a:endParaRPr lang="en-GB" dirty="0"/>
+          </a:p>
+        </p:txBody>
+      </p:sp>
+      <p:sp>
+        <p:nvSpPr>
+          <p:cNvPr id="3" name="Subtitle 2"/>
+          <p:cNvSpPr>
+            <a:spLocks noGrp="1"/>
+          </p:cNvSpPr>
+          <p:nvPr>
+            <p:ph type="subTitle" idx="1"/>
+          </p:nvPr>
+        </p:nvSpPr>
+        <p:spPr/>
+        <p:txBody>
+          <a:bodyPr/>
+          <a:lstStyle/>
+          <a:p>
+            <a:r>
+              <a:rPr lang="en-GB" dirty="0" smtClean="0"/>
+              <a:t>An. True</a:t>
+            </a:r>
+            <a:endParaRPr lang="en-GB" dirty="0"/>
+          </a:p>
+        </p:txBody>
+      </p:sp>
+    </p:spTree>
+  </p:cSld>
+  <p:clrMapOvr>
+    <a:masterClrMapping/>
+  </p:clrMapOvr>
+</p:sld>
+</file>
+
+<file path=ppt/slides/slide45.xml><?xml version="1.0" encoding="utf-8"?>
+<p:sld xmlns:a="http://schemas.openxmlformats.org/drawingml/2006/main" xmlns:r="http://schemas.openxmlformats.org/officeDocument/2006/relationships" xmlns:p="http://schemas.openxmlformats.org/presentationml/2006/main">
+  <p:cSld>
+    <p:spTree>
+      <p:nvGrpSpPr>
+        <p:cNvPr id="1" name=""/>
+        <p:cNvGrpSpPr/>
+        <p:nvPr/>
+      </p:nvGrpSpPr>
+      <p:grpSpPr>
+        <a:xfrm>
+          <a:off x="0" y="0"/>
+          <a:ext cx="0" cy="0"/>
+          <a:chOff x="0" y="0"/>
+          <a:chExt cx="0" cy="0"/>
+        </a:xfrm>
+      </p:grpSpPr>
+      <p:sp>
+        <p:nvSpPr>
+          <p:cNvPr id="2" name="Title 1"/>
+          <p:cNvSpPr>
+            <a:spLocks noGrp="1"/>
+          </p:cNvSpPr>
+          <p:nvPr>
+            <p:ph type="ctrTitle"/>
+          </p:nvPr>
+        </p:nvSpPr>
+        <p:spPr/>
+        <p:txBody>
+          <a:bodyPr>
+            <a:normAutofit fontScale="90000"/>
+          </a:bodyPr>
+          <a:lstStyle/>
+          <a:p>
+            <a:r>
+              <a:rPr lang="en-GB" dirty="0" smtClean="0"/>
+              <a:t>Child can completely override a method from parent or use the method with the keyword...?</a:t>
+            </a:r>
+            <a:endParaRPr lang="en-GB" dirty="0"/>
+          </a:p>
+        </p:txBody>
+      </p:sp>
+      <p:sp>
+        <p:nvSpPr>
+          <p:cNvPr id="3" name="Subtitle 2"/>
+          <p:cNvSpPr>
+            <a:spLocks noGrp="1"/>
+          </p:cNvSpPr>
+          <p:nvPr>
+            <p:ph type="subTitle" idx="1"/>
+          </p:nvPr>
+        </p:nvSpPr>
+        <p:spPr/>
+        <p:txBody>
+          <a:bodyPr/>
+          <a:lstStyle/>
+          <a:p>
+            <a:r>
+              <a:rPr lang="en-GB" dirty="0" smtClean="0"/>
+              <a:t>Super()</a:t>
+            </a:r>
+            <a:endParaRPr lang="en-GB" dirty="0"/>
+          </a:p>
+        </p:txBody>
+      </p:sp>
+    </p:spTree>
+  </p:cSld>
+  <p:clrMapOvr>
+    <a:masterClrMapping/>
+  </p:clrMapOvr>
+</p:sld>
+</file>
+
+<file path=ppt/slides/slide46.xml><?xml version="1.0" encoding="utf-8"?>
+<p:sld xmlns:a="http://schemas.openxmlformats.org/drawingml/2006/main" xmlns:r="http://schemas.openxmlformats.org/officeDocument/2006/relationships" xmlns:p="http://schemas.openxmlformats.org/presentationml/2006/main">
+  <p:cSld>
+    <p:spTree>
+      <p:nvGrpSpPr>
+        <p:cNvPr id="1" name=""/>
+        <p:cNvGrpSpPr/>
+        <p:nvPr/>
+      </p:nvGrpSpPr>
+      <p:grpSpPr>
+        <a:xfrm>
+          <a:off x="0" y="0"/>
+          <a:ext cx="0" cy="0"/>
+          <a:chOff x="0" y="0"/>
+          <a:chExt cx="0" cy="0"/>
+        </a:xfrm>
+      </p:grpSpPr>
+      <p:sp>
+        <p:nvSpPr>
+          <p:cNvPr id="2" name="Title 1"/>
+          <p:cNvSpPr>
+            <a:spLocks noGrp="1"/>
+          </p:cNvSpPr>
+          <p:nvPr>
+            <p:ph type="ctrTitle"/>
+          </p:nvPr>
+        </p:nvSpPr>
+        <p:spPr/>
+        <p:txBody>
+          <a:bodyPr/>
+          <a:lstStyle/>
+          <a:p>
+            <a:r>
+              <a:rPr lang="en-GB" dirty="0" smtClean="0"/>
+              <a:t>Which is the super class in Java?</a:t>
+            </a:r>
+            <a:endParaRPr lang="en-GB" dirty="0"/>
+          </a:p>
+        </p:txBody>
+      </p:sp>
+      <p:sp>
+        <p:nvSpPr>
+          <p:cNvPr id="3" name="Subtitle 2"/>
+          <p:cNvSpPr>
+            <a:spLocks noGrp="1"/>
+          </p:cNvSpPr>
+          <p:nvPr>
+            <p:ph type="subTitle" idx="1"/>
+          </p:nvPr>
+        </p:nvSpPr>
+        <p:spPr/>
+        <p:txBody>
+          <a:bodyPr/>
+          <a:lstStyle/>
+          <a:p>
+            <a:r>
+              <a:rPr lang="en-GB" dirty="0" err="1" smtClean="0"/>
+              <a:t>Java.lang.object</a:t>
+            </a:r>
+            <a:endParaRPr lang="en-GB" dirty="0"/>
+          </a:p>
+        </p:txBody>
+      </p:sp>
+    </p:spTree>
+  </p:cSld>
+  <p:clrMapOvr>
+    <a:masterClrMapping/>
+  </p:clrMapOvr>
+</p:sld>
+</file>
+
+<file path=ppt/slides/slide47.xml><?xml version="1.0" encoding="utf-8"?>
+<p:sld xmlns:a="http://schemas.openxmlformats.org/drawingml/2006/main" xmlns:r="http://schemas.openxmlformats.org/officeDocument/2006/relationships" xmlns:p="http://schemas.openxmlformats.org/presentationml/2006/main">
+  <p:cSld>
+    <p:spTree>
+      <p:nvGrpSpPr>
+        <p:cNvPr id="1" name=""/>
+        <p:cNvGrpSpPr/>
+        <p:nvPr/>
+      </p:nvGrpSpPr>
+      <p:grpSpPr>
+        <a:xfrm>
+          <a:off x="0" y="0"/>
+          <a:ext cx="0" cy="0"/>
+          <a:chOff x="0" y="0"/>
+          <a:chExt cx="0" cy="0"/>
+        </a:xfrm>
+      </p:grpSpPr>
+      <p:sp>
+        <p:nvSpPr>
+          <p:cNvPr id="2" name="Title 1"/>
+          <p:cNvSpPr>
+            <a:spLocks noGrp="1"/>
+          </p:cNvSpPr>
+          <p:nvPr>
+            <p:ph type="ctrTitle"/>
+          </p:nvPr>
+        </p:nvSpPr>
+        <p:spPr/>
+        <p:txBody>
+          <a:bodyPr/>
+          <a:lstStyle/>
+          <a:p>
+            <a:r>
+              <a:rPr lang="en-GB" dirty="0" smtClean="0"/>
+              <a:t>What does </a:t>
+            </a:r>
+            <a:r>
+              <a:rPr lang="en-GB" dirty="0" err="1" smtClean="0"/>
+              <a:t>java.lang.object</a:t>
+            </a:r>
+            <a:r>
+              <a:rPr lang="en-GB" dirty="0" smtClean="0"/>
+              <a:t> do?</a:t>
+            </a:r>
+            <a:endParaRPr lang="en-GB" dirty="0"/>
+          </a:p>
+        </p:txBody>
+      </p:sp>
+      <p:sp>
+        <p:nvSpPr>
+          <p:cNvPr id="3" name="Subtitle 2"/>
+          <p:cNvSpPr>
+            <a:spLocks noGrp="1"/>
+          </p:cNvSpPr>
+          <p:nvPr>
+            <p:ph type="subTitle" idx="1"/>
+          </p:nvPr>
+        </p:nvSpPr>
+        <p:spPr/>
+        <p:txBody>
+          <a:bodyPr>
+            <a:normAutofit fontScale="85000" lnSpcReduction="20000"/>
+          </a:bodyPr>
+          <a:lstStyle/>
+          <a:p>
+            <a:r>
+              <a:rPr lang="en-GB" dirty="0" smtClean="0"/>
+              <a:t>It provides a number of methods that all objects should have.  </a:t>
+            </a:r>
+            <a:r>
+              <a:rPr lang="en-GB" dirty="0" err="1" smtClean="0"/>
+              <a:t>Eg</a:t>
+            </a:r>
+            <a:r>
+              <a:rPr lang="en-GB" dirty="0" smtClean="0"/>
+              <a:t>.</a:t>
+            </a:r>
+          </a:p>
+          <a:p>
+            <a:r>
+              <a:rPr lang="en-GB" dirty="0" err="1" smtClean="0"/>
+              <a:t>toString</a:t>
+            </a:r>
+            <a:r>
+              <a:rPr lang="en-GB" dirty="0" smtClean="0"/>
+              <a:t>()</a:t>
+            </a:r>
+          </a:p>
+          <a:p>
+            <a:r>
+              <a:rPr lang="en-GB" dirty="0" smtClean="0"/>
+              <a:t>equals()</a:t>
+            </a:r>
+          </a:p>
+          <a:p>
+            <a:r>
+              <a:rPr lang="en-GB" dirty="0" err="1" smtClean="0"/>
+              <a:t>getclass</a:t>
+            </a:r>
+            <a:r>
+              <a:rPr lang="en-GB" dirty="0" smtClean="0"/>
+              <a:t>()</a:t>
+            </a:r>
+            <a:endParaRPr lang="en-GB" dirty="0"/>
+          </a:p>
+        </p:txBody>
+      </p:sp>
+    </p:spTree>
+  </p:cSld>
+  <p:clrMapOvr>
+    <a:masterClrMapping/>
+  </p:clrMapOvr>
+</p:sld>
+</file>
+
+<file path=ppt/slides/slide48.xml><?xml version="1.0" encoding="utf-8"?>
+<p:sld xmlns:a="http://schemas.openxmlformats.org/drawingml/2006/main" xmlns:r="http://schemas.openxmlformats.org/officeDocument/2006/relationships" xmlns:p="http://schemas.openxmlformats.org/presentationml/2006/main">
+  <p:cSld>
+    <p:spTree>
+      <p:nvGrpSpPr>
+        <p:cNvPr id="1" name=""/>
+        <p:cNvGrpSpPr/>
+        <p:nvPr/>
+      </p:nvGrpSpPr>
+      <p:grpSpPr>
+        <a:xfrm>
+          <a:off x="0" y="0"/>
+          <a:ext cx="0" cy="0"/>
+          <a:chOff x="0" y="0"/>
+          <a:chExt cx="0" cy="0"/>
+        </a:xfrm>
+      </p:grpSpPr>
+      <p:sp>
+        <p:nvSpPr>
+          <p:cNvPr id="2" name="Title 1"/>
+          <p:cNvSpPr>
+            <a:spLocks noGrp="1"/>
+          </p:cNvSpPr>
+          <p:nvPr>
+            <p:ph type="ctrTitle"/>
+          </p:nvPr>
+        </p:nvSpPr>
+        <p:spPr/>
+        <p:txBody>
+          <a:bodyPr>
+            <a:normAutofit fontScale="90000"/>
+          </a:bodyPr>
+          <a:lstStyle/>
+          <a:p>
+            <a:r>
+              <a:rPr lang="en-GB" dirty="0" smtClean="0"/>
+              <a:t>How to choose the default </a:t>
+            </a:r>
+            <a:r>
+              <a:rPr lang="en-GB" dirty="0" err="1" smtClean="0"/>
+              <a:t>toString</a:t>
+            </a:r>
+            <a:r>
+              <a:rPr lang="en-GB" dirty="0" smtClean="0"/>
+              <a:t>() method from </a:t>
+            </a:r>
+            <a:r>
+              <a:rPr lang="en-GB" dirty="0" err="1" smtClean="0"/>
+              <a:t>superclass</a:t>
+            </a:r>
+            <a:r>
+              <a:rPr lang="en-GB" dirty="0" smtClean="0"/>
+              <a:t> </a:t>
+            </a:r>
+            <a:r>
+              <a:rPr lang="en-GB" dirty="0" err="1" smtClean="0"/>
+              <a:t>java.lang.object</a:t>
+            </a:r>
+            <a:endParaRPr lang="en-GB" dirty="0"/>
+          </a:p>
+        </p:txBody>
+      </p:sp>
+      <p:sp>
+        <p:nvSpPr>
+          <p:cNvPr id="3" name="Subtitle 2"/>
+          <p:cNvSpPr>
+            <a:spLocks noGrp="1"/>
+          </p:cNvSpPr>
+          <p:nvPr>
+            <p:ph type="subTitle" idx="1"/>
+          </p:nvPr>
+        </p:nvSpPr>
+        <p:spPr/>
+        <p:txBody>
+          <a:bodyPr>
+            <a:normAutofit fontScale="92500" lnSpcReduction="10000"/>
+          </a:bodyPr>
+          <a:lstStyle/>
+          <a:p>
+            <a:r>
+              <a:rPr lang="en-GB" dirty="0" err="1" smtClean="0"/>
+              <a:t>Goto</a:t>
+            </a:r>
+            <a:r>
+              <a:rPr lang="en-GB" dirty="0" smtClean="0"/>
+              <a:t> function</a:t>
+            </a:r>
+          </a:p>
+          <a:p>
+            <a:r>
+              <a:rPr lang="en-GB" dirty="0" smtClean="0"/>
+              <a:t>Right click</a:t>
+            </a:r>
+          </a:p>
+          <a:p>
+            <a:r>
+              <a:rPr lang="en-GB" dirty="0" smtClean="0"/>
+              <a:t>Choose sources</a:t>
+            </a:r>
+          </a:p>
+          <a:p>
+            <a:r>
+              <a:rPr lang="en-GB" dirty="0" smtClean="0"/>
+              <a:t>Choose generate </a:t>
+            </a:r>
+            <a:r>
+              <a:rPr lang="en-GB" dirty="0" err="1" smtClean="0"/>
+              <a:t>toString</a:t>
+            </a:r>
+            <a:r>
+              <a:rPr lang="en-GB" dirty="0" smtClean="0"/>
+              <a:t>() method</a:t>
+            </a:r>
+            <a:endParaRPr lang="en-GB" dirty="0"/>
+          </a:p>
+        </p:txBody>
+      </p:sp>
+    </p:spTree>
+  </p:cSld>
+  <p:clrMapOvr>
+    <a:masterClrMapping/>
+  </p:clrMapOvr>
+</p:sld>
+</file>
+
+<file path=ppt/slides/slide49.xml><?xml version="1.0" encoding="utf-8"?>
+<p:sld xmlns:a="http://schemas.openxmlformats.org/drawingml/2006/main" xmlns:r="http://schemas.openxmlformats.org/officeDocument/2006/relationships" xmlns:p="http://schemas.openxmlformats.org/presentationml/2006/main">
+  <p:cSld>
+    <p:spTree>
+      <p:nvGrpSpPr>
+        <p:cNvPr id="1" name=""/>
+        <p:cNvGrpSpPr/>
+        <p:nvPr/>
+      </p:nvGrpSpPr>
+      <p:grpSpPr>
+        <a:xfrm>
+          <a:off x="0" y="0"/>
+          <a:ext cx="0" cy="0"/>
+          <a:chOff x="0" y="0"/>
+          <a:chExt cx="0" cy="0"/>
+        </a:xfrm>
+      </p:grpSpPr>
+      <p:sp>
+        <p:nvSpPr>
+          <p:cNvPr id="2" name="Title 1"/>
+          <p:cNvSpPr>
+            <a:spLocks noGrp="1"/>
+          </p:cNvSpPr>
+          <p:nvPr>
+            <p:ph type="ctrTitle"/>
+          </p:nvPr>
+        </p:nvSpPr>
+        <p:spPr/>
+        <p:txBody>
+          <a:bodyPr>
+            <a:normAutofit fontScale="90000"/>
+          </a:bodyPr>
+          <a:lstStyle/>
+          <a:p>
+            <a:r>
+              <a:rPr lang="en-GB" dirty="0" smtClean="0"/>
+              <a:t>Give example of a </a:t>
+            </a:r>
+            <a:r>
+              <a:rPr lang="en-GB" dirty="0" err="1" smtClean="0"/>
+              <a:t>superclass</a:t>
+            </a:r>
+            <a:r>
+              <a:rPr lang="en-GB" dirty="0" smtClean="0"/>
+              <a:t> override method</a:t>
+            </a:r>
+            <a:endParaRPr lang="en-GB" dirty="0"/>
+          </a:p>
+        </p:txBody>
+      </p:sp>
+      <p:sp>
+        <p:nvSpPr>
+          <p:cNvPr id="3" name="Subtitle 2"/>
+          <p:cNvSpPr>
+            <a:spLocks noGrp="1"/>
+          </p:cNvSpPr>
+          <p:nvPr>
+            <p:ph type="subTitle" idx="1"/>
+          </p:nvPr>
+        </p:nvSpPr>
+        <p:spPr>
+          <a:xfrm>
+            <a:off x="533400" y="3228536"/>
+            <a:ext cx="7854696" cy="3440824"/>
+          </a:xfrm>
+        </p:spPr>
+        <p:txBody>
+          <a:bodyPr>
+            <a:normAutofit/>
+          </a:bodyPr>
+          <a:lstStyle/>
+          <a:p>
+            <a:r>
+              <a:rPr lang="en-GB" dirty="0" smtClean="0"/>
+              <a:t>In customer class as below...</a:t>
+            </a:r>
+          </a:p>
+          <a:p>
+            <a:r>
+              <a:rPr lang="en-GB" dirty="0" smtClean="0"/>
+              <a:t>@Override</a:t>
+            </a:r>
+          </a:p>
+          <a:p>
+            <a:r>
+              <a:rPr lang="en-GB" b="1" dirty="0" smtClean="0"/>
+              <a:t>public String </a:t>
+            </a:r>
+            <a:r>
+              <a:rPr lang="en-GB" b="1" dirty="0" err="1" smtClean="0"/>
+              <a:t>toString</a:t>
+            </a:r>
+            <a:r>
+              <a:rPr lang="en-GB" b="1" dirty="0" smtClean="0"/>
+              <a:t>() {</a:t>
+            </a:r>
+          </a:p>
+          <a:p>
+            <a:r>
+              <a:rPr lang="en-GB" b="1" dirty="0" smtClean="0"/>
+              <a:t>return </a:t>
+            </a:r>
+            <a:r>
+              <a:rPr lang="en-GB" b="1" dirty="0" err="1" smtClean="0"/>
+              <a:t>getMailingName</a:t>
+            </a:r>
+            <a:r>
+              <a:rPr lang="en-GB" b="1" dirty="0" smtClean="0"/>
+              <a:t>() ;</a:t>
+            </a:r>
+          </a:p>
+          <a:p>
+            <a:r>
+              <a:rPr lang="en-GB" dirty="0" smtClean="0"/>
+              <a:t>}</a:t>
+            </a:r>
+          </a:p>
+          <a:p>
+            <a:r>
+              <a:rPr lang="en-GB" dirty="0" smtClean="0"/>
+              <a:t>In main as below</a:t>
+            </a:r>
+          </a:p>
+          <a:p>
+            <a:r>
+              <a:rPr lang="en-GB" dirty="0" err="1" smtClean="0"/>
+              <a:t>System.</a:t>
+            </a:r>
+            <a:r>
+              <a:rPr lang="en-GB" b="1" i="1" dirty="0" err="1" smtClean="0"/>
+              <a:t>out.println</a:t>
+            </a:r>
+            <a:r>
+              <a:rPr lang="en-GB" b="1" i="1" dirty="0" smtClean="0"/>
+              <a:t>(customer1);</a:t>
+            </a:r>
+            <a:endParaRPr lang="en-GB" dirty="0"/>
+          </a:p>
+        </p:txBody>
+      </p:sp>
+    </p:spTree>
+  </p:cSld>
+  <p:clrMapOvr>
+    <a:masterClrMapping/>
+  </p:clrMapOvr>
+</p:sld>
+</file>
+
 <file path=ppt/slides/slide5.xml><?xml version="1.0" encoding="utf-8"?>
 <p:sld xmlns:a="http://schemas.openxmlformats.org/drawingml/2006/main" xmlns:r="http://schemas.openxmlformats.org/officeDocument/2006/relationships" xmlns:p="http://schemas.openxmlformats.org/presentationml/2006/main">
   <p:cSld>
@@ -4285,25 +8486,1126 @@
           <a:p>
             <a:r>
               <a:rPr lang="en-GB" dirty="0" smtClean="0"/>
-              <a:t>Internal Compiler </a:t>
-            </a:r>
-            <a:r>
-              <a:rPr lang="en-GB" dirty="0" smtClean="0"/>
-              <a:t>&amp; JVM</a:t>
+              <a:t>Internal Compiler &amp; JVM</a:t>
             </a:r>
           </a:p>
           <a:p>
             <a:r>
               <a:rPr lang="en-GB" smtClean="0"/>
-              <a:t>D</a:t>
-            </a:r>
-            <a:r>
-              <a:rPr lang="en-GB" smtClean="0"/>
-              <a:t>ebugging</a:t>
+              <a:t>Debugging</a:t>
             </a:r>
             <a:endParaRPr lang="en-GB" dirty="0" smtClean="0"/>
           </a:p>
           <a:p>
+            <a:endParaRPr lang="en-GB" dirty="0"/>
+          </a:p>
+        </p:txBody>
+      </p:sp>
+    </p:spTree>
+  </p:cSld>
+  <p:clrMapOvr>
+    <a:masterClrMapping/>
+  </p:clrMapOvr>
+</p:sld>
+</file>
+
+<file path=ppt/slides/slide50.xml><?xml version="1.0" encoding="utf-8"?>
+<p:sld xmlns:a="http://schemas.openxmlformats.org/drawingml/2006/main" xmlns:r="http://schemas.openxmlformats.org/officeDocument/2006/relationships" xmlns:p="http://schemas.openxmlformats.org/presentationml/2006/main">
+  <p:cSld>
+    <p:spTree>
+      <p:nvGrpSpPr>
+        <p:cNvPr id="1" name=""/>
+        <p:cNvGrpSpPr/>
+        <p:nvPr/>
+      </p:nvGrpSpPr>
+      <p:grpSpPr>
+        <a:xfrm>
+          <a:off x="0" y="0"/>
+          <a:ext cx="0" cy="0"/>
+          <a:chOff x="0" y="0"/>
+          <a:chExt cx="0" cy="0"/>
+        </a:xfrm>
+      </p:grpSpPr>
+      <p:sp>
+        <p:nvSpPr>
+          <p:cNvPr id="2" name="Title 1"/>
+          <p:cNvSpPr>
+            <a:spLocks noGrp="1"/>
+          </p:cNvSpPr>
+          <p:nvPr>
+            <p:ph type="ctrTitle"/>
+          </p:nvPr>
+        </p:nvSpPr>
+        <p:spPr/>
+        <p:txBody>
+          <a:bodyPr/>
+          <a:lstStyle/>
+          <a:p>
+            <a:r>
+              <a:rPr lang="en-GB" dirty="0" smtClean="0"/>
+              <a:t>How to generate equals() method in Java?</a:t>
+            </a:r>
+            <a:endParaRPr lang="en-GB" dirty="0"/>
+          </a:p>
+        </p:txBody>
+      </p:sp>
+      <p:sp>
+        <p:nvSpPr>
+          <p:cNvPr id="3" name="Subtitle 2"/>
+          <p:cNvSpPr>
+            <a:spLocks noGrp="1"/>
+          </p:cNvSpPr>
+          <p:nvPr>
+            <p:ph type="subTitle" idx="1"/>
+          </p:nvPr>
+        </p:nvSpPr>
+        <p:spPr/>
+        <p:txBody>
+          <a:bodyPr/>
+          <a:lstStyle/>
+          <a:p>
+            <a:r>
+              <a:rPr lang="en-GB" dirty="0" smtClean="0"/>
+              <a:t>Right click </a:t>
+            </a:r>
+          </a:p>
+          <a:p>
+            <a:r>
+              <a:rPr lang="en-GB" dirty="0" smtClean="0"/>
+              <a:t>Choose source</a:t>
+            </a:r>
+          </a:p>
+          <a:p>
+            <a:r>
+              <a:rPr lang="en-GB" dirty="0" smtClean="0"/>
+              <a:t>Choose </a:t>
+            </a:r>
+            <a:r>
+              <a:rPr lang="en-GB" dirty="0" err="1" smtClean="0"/>
+              <a:t>hashcode</a:t>
+            </a:r>
+            <a:r>
+              <a:rPr lang="en-GB" dirty="0" smtClean="0"/>
+              <a:t>()equals() method</a:t>
+            </a:r>
+            <a:endParaRPr lang="en-GB" dirty="0"/>
+          </a:p>
+        </p:txBody>
+      </p:sp>
+    </p:spTree>
+  </p:cSld>
+  <p:clrMapOvr>
+    <a:masterClrMapping/>
+  </p:clrMapOvr>
+</p:sld>
+</file>
+
+<file path=ppt/slides/slide51.xml><?xml version="1.0" encoding="utf-8"?>
+<p:sld xmlns:a="http://schemas.openxmlformats.org/drawingml/2006/main" xmlns:r="http://schemas.openxmlformats.org/officeDocument/2006/relationships" xmlns:p="http://schemas.openxmlformats.org/presentationml/2006/main">
+  <p:cSld>
+    <p:spTree>
+      <p:nvGrpSpPr>
+        <p:cNvPr id="1" name=""/>
+        <p:cNvGrpSpPr/>
+        <p:nvPr/>
+      </p:nvGrpSpPr>
+      <p:grpSpPr>
+        <a:xfrm>
+          <a:off x="0" y="0"/>
+          <a:ext cx="0" cy="0"/>
+          <a:chOff x="0" y="0"/>
+          <a:chExt cx="0" cy="0"/>
+        </a:xfrm>
+      </p:grpSpPr>
+      <p:sp>
+        <p:nvSpPr>
+          <p:cNvPr id="2" name="Title 1"/>
+          <p:cNvSpPr>
+            <a:spLocks noGrp="1"/>
+          </p:cNvSpPr>
+          <p:nvPr>
+            <p:ph type="ctrTitle"/>
+          </p:nvPr>
+        </p:nvSpPr>
+        <p:spPr/>
+        <p:txBody>
+          <a:bodyPr/>
+          <a:lstStyle/>
+          <a:p>
+            <a:r>
+              <a:rPr lang="en-GB" dirty="0" smtClean="0"/>
+              <a:t>The parent of all object is</a:t>
+            </a:r>
+            <a:endParaRPr lang="en-GB" dirty="0"/>
+          </a:p>
+        </p:txBody>
+      </p:sp>
+      <p:sp>
+        <p:nvSpPr>
+          <p:cNvPr id="3" name="Subtitle 2"/>
+          <p:cNvSpPr>
+            <a:spLocks noGrp="1"/>
+          </p:cNvSpPr>
+          <p:nvPr>
+            <p:ph type="subTitle" idx="1"/>
+          </p:nvPr>
+        </p:nvSpPr>
+        <p:spPr/>
+        <p:txBody>
+          <a:bodyPr/>
+          <a:lstStyle/>
+          <a:p>
+            <a:r>
+              <a:rPr lang="en-GB" dirty="0" err="1" smtClean="0"/>
+              <a:t>Java.lang.obj</a:t>
+            </a:r>
+            <a:endParaRPr lang="en-GB" dirty="0"/>
+          </a:p>
+        </p:txBody>
+      </p:sp>
+    </p:spTree>
+  </p:cSld>
+  <p:clrMapOvr>
+    <a:masterClrMapping/>
+  </p:clrMapOvr>
+</p:sld>
+</file>
+
+<file path=ppt/slides/slide52.xml><?xml version="1.0" encoding="utf-8"?>
+<p:sld xmlns:a="http://schemas.openxmlformats.org/drawingml/2006/main" xmlns:r="http://schemas.openxmlformats.org/officeDocument/2006/relationships" xmlns:p="http://schemas.openxmlformats.org/presentationml/2006/main">
+  <p:cSld>
+    <p:spTree>
+      <p:nvGrpSpPr>
+        <p:cNvPr id="1" name=""/>
+        <p:cNvGrpSpPr/>
+        <p:nvPr/>
+      </p:nvGrpSpPr>
+      <p:grpSpPr>
+        <a:xfrm>
+          <a:off x="0" y="0"/>
+          <a:ext cx="0" cy="0"/>
+          <a:chOff x="0" y="0"/>
+          <a:chExt cx="0" cy="0"/>
+        </a:xfrm>
+      </p:grpSpPr>
+      <p:sp>
+        <p:nvSpPr>
+          <p:cNvPr id="2" name="Title 1"/>
+          <p:cNvSpPr>
+            <a:spLocks noGrp="1"/>
+          </p:cNvSpPr>
+          <p:nvPr>
+            <p:ph type="ctrTitle"/>
+          </p:nvPr>
+        </p:nvSpPr>
+        <p:spPr/>
+        <p:txBody>
+          <a:bodyPr/>
+          <a:lstStyle/>
+          <a:p>
+            <a:r>
+              <a:rPr lang="en-GB" dirty="0" smtClean="0"/>
+              <a:t>What is an exception?</a:t>
+            </a:r>
+            <a:endParaRPr lang="en-GB" dirty="0"/>
+          </a:p>
+        </p:txBody>
+      </p:sp>
+      <p:sp>
+        <p:nvSpPr>
+          <p:cNvPr id="3" name="Subtitle 2"/>
+          <p:cNvSpPr>
+            <a:spLocks noGrp="1"/>
+          </p:cNvSpPr>
+          <p:nvPr>
+            <p:ph type="subTitle" idx="1"/>
+          </p:nvPr>
+        </p:nvSpPr>
+        <p:spPr/>
+        <p:txBody>
+          <a:bodyPr/>
+          <a:lstStyle/>
+          <a:p>
+            <a:r>
+              <a:rPr lang="en-GB" dirty="0" smtClean="0"/>
+              <a:t>When an error occurs in running code it is called an exception</a:t>
+            </a:r>
+            <a:endParaRPr lang="en-GB" dirty="0"/>
+          </a:p>
+        </p:txBody>
+      </p:sp>
+    </p:spTree>
+  </p:cSld>
+  <p:clrMapOvr>
+    <a:masterClrMapping/>
+  </p:clrMapOvr>
+</p:sld>
+</file>
+
+<file path=ppt/slides/slide53.xml><?xml version="1.0" encoding="utf-8"?>
+<p:sld xmlns:a="http://schemas.openxmlformats.org/drawingml/2006/main" xmlns:r="http://schemas.openxmlformats.org/officeDocument/2006/relationships" xmlns:p="http://schemas.openxmlformats.org/presentationml/2006/main">
+  <p:cSld>
+    <p:spTree>
+      <p:nvGrpSpPr>
+        <p:cNvPr id="1" name=""/>
+        <p:cNvGrpSpPr/>
+        <p:nvPr/>
+      </p:nvGrpSpPr>
+      <p:grpSpPr>
+        <a:xfrm>
+          <a:off x="0" y="0"/>
+          <a:ext cx="0" cy="0"/>
+          <a:chOff x="0" y="0"/>
+          <a:chExt cx="0" cy="0"/>
+        </a:xfrm>
+      </p:grpSpPr>
+      <p:sp>
+        <p:nvSpPr>
+          <p:cNvPr id="2" name="Title 1"/>
+          <p:cNvSpPr>
+            <a:spLocks noGrp="1"/>
+          </p:cNvSpPr>
+          <p:nvPr>
+            <p:ph type="ctrTitle"/>
+          </p:nvPr>
+        </p:nvSpPr>
+        <p:spPr/>
+        <p:txBody>
+          <a:bodyPr/>
+          <a:lstStyle/>
+          <a:p>
+            <a:r>
+              <a:rPr lang="en-GB" dirty="0" smtClean="0"/>
+              <a:t>Can we create our own exceptions?</a:t>
+            </a:r>
+            <a:endParaRPr lang="en-GB" dirty="0"/>
+          </a:p>
+        </p:txBody>
+      </p:sp>
+      <p:sp>
+        <p:nvSpPr>
+          <p:cNvPr id="3" name="Subtitle 2"/>
+          <p:cNvSpPr>
+            <a:spLocks noGrp="1"/>
+          </p:cNvSpPr>
+          <p:nvPr>
+            <p:ph type="subTitle" idx="1"/>
+          </p:nvPr>
+        </p:nvSpPr>
+        <p:spPr/>
+        <p:txBody>
+          <a:bodyPr/>
+          <a:lstStyle/>
+          <a:p>
+            <a:r>
+              <a:rPr lang="en-GB" dirty="0" smtClean="0"/>
+              <a:t>Yes they are called custom exceptions</a:t>
+            </a:r>
+            <a:endParaRPr lang="en-GB" dirty="0"/>
+          </a:p>
+        </p:txBody>
+      </p:sp>
+    </p:spTree>
+  </p:cSld>
+  <p:clrMapOvr>
+    <a:masterClrMapping/>
+  </p:clrMapOvr>
+</p:sld>
+</file>
+
+<file path=ppt/slides/slide54.xml><?xml version="1.0" encoding="utf-8"?>
+<p:sld xmlns:a="http://schemas.openxmlformats.org/drawingml/2006/main" xmlns:r="http://schemas.openxmlformats.org/officeDocument/2006/relationships" xmlns:p="http://schemas.openxmlformats.org/presentationml/2006/main">
+  <p:cSld>
+    <p:spTree>
+      <p:nvGrpSpPr>
+        <p:cNvPr id="1" name=""/>
+        <p:cNvGrpSpPr/>
+        <p:nvPr/>
+      </p:nvGrpSpPr>
+      <p:grpSpPr>
+        <a:xfrm>
+          <a:off x="0" y="0"/>
+          <a:ext cx="0" cy="0"/>
+          <a:chOff x="0" y="0"/>
+          <a:chExt cx="0" cy="0"/>
+        </a:xfrm>
+      </p:grpSpPr>
+      <p:sp>
+        <p:nvSpPr>
+          <p:cNvPr id="2" name="Title 1"/>
+          <p:cNvSpPr>
+            <a:spLocks noGrp="1"/>
+          </p:cNvSpPr>
+          <p:nvPr>
+            <p:ph type="ctrTitle"/>
+          </p:nvPr>
+        </p:nvSpPr>
+        <p:spPr/>
+        <p:txBody>
+          <a:bodyPr/>
+          <a:lstStyle/>
+          <a:p>
+            <a:r>
+              <a:rPr lang="en-GB" dirty="0" smtClean="0"/>
+              <a:t>Why do we need exceptions?</a:t>
+            </a:r>
+            <a:endParaRPr lang="en-GB" dirty="0"/>
+          </a:p>
+        </p:txBody>
+      </p:sp>
+      <p:sp>
+        <p:nvSpPr>
+          <p:cNvPr id="3" name="Subtitle 2"/>
+          <p:cNvSpPr>
+            <a:spLocks noGrp="1"/>
+          </p:cNvSpPr>
+          <p:nvPr>
+            <p:ph type="subTitle" idx="1"/>
+          </p:nvPr>
+        </p:nvSpPr>
+        <p:spPr/>
+        <p:txBody>
+          <a:bodyPr/>
+          <a:lstStyle/>
+          <a:p>
+            <a:r>
+              <a:rPr lang="en-GB" dirty="0" smtClean="0"/>
+              <a:t>Application to run and not to crash</a:t>
+            </a:r>
+            <a:endParaRPr lang="en-GB" dirty="0"/>
+          </a:p>
+        </p:txBody>
+      </p:sp>
+    </p:spTree>
+  </p:cSld>
+  <p:clrMapOvr>
+    <a:masterClrMapping/>
+  </p:clrMapOvr>
+</p:sld>
+</file>
+
+<file path=ppt/slides/slide55.xml><?xml version="1.0" encoding="utf-8"?>
+<p:sld xmlns:a="http://schemas.openxmlformats.org/drawingml/2006/main" xmlns:r="http://schemas.openxmlformats.org/officeDocument/2006/relationships" xmlns:p="http://schemas.openxmlformats.org/presentationml/2006/main">
+  <p:cSld>
+    <p:spTree>
+      <p:nvGrpSpPr>
+        <p:cNvPr id="1" name=""/>
+        <p:cNvGrpSpPr/>
+        <p:nvPr/>
+      </p:nvGrpSpPr>
+      <p:grpSpPr>
+        <a:xfrm>
+          <a:off x="0" y="0"/>
+          <a:ext cx="0" cy="0"/>
+          <a:chOff x="0" y="0"/>
+          <a:chExt cx="0" cy="0"/>
+        </a:xfrm>
+      </p:grpSpPr>
+      <p:sp>
+        <p:nvSpPr>
+          <p:cNvPr id="2" name="Title 1"/>
+          <p:cNvSpPr>
+            <a:spLocks noGrp="1"/>
+          </p:cNvSpPr>
+          <p:nvPr>
+            <p:ph type="ctrTitle"/>
+          </p:nvPr>
+        </p:nvSpPr>
+        <p:spPr/>
+        <p:txBody>
+          <a:bodyPr/>
+          <a:lstStyle/>
+          <a:p>
+            <a:r>
+              <a:rPr lang="en-GB" dirty="0" smtClean="0"/>
+              <a:t>Two types of exceptions in Java are?</a:t>
+            </a:r>
+            <a:endParaRPr lang="en-GB" dirty="0"/>
+          </a:p>
+        </p:txBody>
+      </p:sp>
+      <p:sp>
+        <p:nvSpPr>
+          <p:cNvPr id="3" name="Subtitle 2"/>
+          <p:cNvSpPr>
+            <a:spLocks noGrp="1"/>
+          </p:cNvSpPr>
+          <p:nvPr>
+            <p:ph type="subTitle" idx="1"/>
+          </p:nvPr>
+        </p:nvSpPr>
+        <p:spPr/>
+        <p:txBody>
+          <a:bodyPr/>
+          <a:lstStyle/>
+          <a:p>
+            <a:r>
+              <a:rPr lang="en-GB" dirty="0" smtClean="0"/>
+              <a:t>Checked and unchecked exceptions</a:t>
+            </a:r>
+            <a:endParaRPr lang="en-GB" dirty="0"/>
+          </a:p>
+        </p:txBody>
+      </p:sp>
+    </p:spTree>
+  </p:cSld>
+  <p:clrMapOvr>
+    <a:masterClrMapping/>
+  </p:clrMapOvr>
+</p:sld>
+</file>
+
+<file path=ppt/slides/slide56.xml><?xml version="1.0" encoding="utf-8"?>
+<p:sld xmlns:a="http://schemas.openxmlformats.org/drawingml/2006/main" xmlns:r="http://schemas.openxmlformats.org/officeDocument/2006/relationships" xmlns:p="http://schemas.openxmlformats.org/presentationml/2006/main">
+  <p:cSld>
+    <p:spTree>
+      <p:nvGrpSpPr>
+        <p:cNvPr id="1" name=""/>
+        <p:cNvGrpSpPr/>
+        <p:nvPr/>
+      </p:nvGrpSpPr>
+      <p:grpSpPr>
+        <a:xfrm>
+          <a:off x="0" y="0"/>
+          <a:ext cx="0" cy="0"/>
+          <a:chOff x="0" y="0"/>
+          <a:chExt cx="0" cy="0"/>
+        </a:xfrm>
+      </p:grpSpPr>
+      <p:sp>
+        <p:nvSpPr>
+          <p:cNvPr id="2" name="Title 1"/>
+          <p:cNvSpPr>
+            <a:spLocks noGrp="1"/>
+          </p:cNvSpPr>
+          <p:nvPr>
+            <p:ph type="ctrTitle"/>
+          </p:nvPr>
+        </p:nvSpPr>
+        <p:spPr/>
+        <p:txBody>
+          <a:bodyPr/>
+          <a:lstStyle/>
+          <a:p>
+            <a:r>
+              <a:rPr lang="en-GB" dirty="0" smtClean="0"/>
+              <a:t>What is a “stack trace”?</a:t>
+            </a:r>
+            <a:endParaRPr lang="en-GB" dirty="0"/>
+          </a:p>
+        </p:txBody>
+      </p:sp>
+      <p:sp>
+        <p:nvSpPr>
+          <p:cNvPr id="3" name="Subtitle 2"/>
+          <p:cNvSpPr>
+            <a:spLocks noGrp="1"/>
+          </p:cNvSpPr>
+          <p:nvPr>
+            <p:ph type="subTitle" idx="1"/>
+          </p:nvPr>
+        </p:nvSpPr>
+        <p:spPr/>
+        <p:txBody>
+          <a:bodyPr/>
+          <a:lstStyle/>
+          <a:p>
+            <a:r>
+              <a:rPr lang="en-GB" dirty="0" smtClean="0"/>
+              <a:t>It is the one or more common methods where the error </a:t>
+            </a:r>
+            <a:r>
+              <a:rPr lang="en-GB" dirty="0" err="1" smtClean="0"/>
+              <a:t>occured</a:t>
+            </a:r>
+            <a:endParaRPr lang="en-GB" dirty="0"/>
+          </a:p>
+        </p:txBody>
+      </p:sp>
+    </p:spTree>
+  </p:cSld>
+  <p:clrMapOvr>
+    <a:masterClrMapping/>
+  </p:clrMapOvr>
+</p:sld>
+</file>
+
+<file path=ppt/slides/slide57.xml><?xml version="1.0" encoding="utf-8"?>
+<p:sld xmlns:a="http://schemas.openxmlformats.org/drawingml/2006/main" xmlns:r="http://schemas.openxmlformats.org/officeDocument/2006/relationships" xmlns:p="http://schemas.openxmlformats.org/presentationml/2006/main">
+  <p:cSld>
+    <p:spTree>
+      <p:nvGrpSpPr>
+        <p:cNvPr id="1" name=""/>
+        <p:cNvGrpSpPr/>
+        <p:nvPr/>
+      </p:nvGrpSpPr>
+      <p:grpSpPr>
+        <a:xfrm>
+          <a:off x="0" y="0"/>
+          <a:ext cx="0" cy="0"/>
+          <a:chOff x="0" y="0"/>
+          <a:chExt cx="0" cy="0"/>
+        </a:xfrm>
+      </p:grpSpPr>
+      <p:sp>
+        <p:nvSpPr>
+          <p:cNvPr id="2" name="Title 1"/>
+          <p:cNvSpPr>
+            <a:spLocks noGrp="1"/>
+          </p:cNvSpPr>
+          <p:nvPr>
+            <p:ph type="ctrTitle"/>
+          </p:nvPr>
+        </p:nvSpPr>
+        <p:spPr/>
+        <p:txBody>
+          <a:bodyPr/>
+          <a:lstStyle/>
+          <a:p>
+            <a:r>
+              <a:rPr lang="en-GB" dirty="0" smtClean="0"/>
+              <a:t>How to create a custom exception</a:t>
+            </a:r>
+            <a:endParaRPr lang="en-GB" dirty="0"/>
+          </a:p>
+        </p:txBody>
+      </p:sp>
+      <p:sp>
+        <p:nvSpPr>
+          <p:cNvPr id="3" name="Subtitle 2"/>
+          <p:cNvSpPr>
+            <a:spLocks noGrp="1"/>
+          </p:cNvSpPr>
+          <p:nvPr>
+            <p:ph type="subTitle" idx="1"/>
+          </p:nvPr>
+        </p:nvSpPr>
+        <p:spPr>
+          <a:xfrm>
+            <a:off x="533400" y="3228536"/>
+            <a:ext cx="7854696" cy="3152792"/>
+          </a:xfrm>
+        </p:spPr>
+        <p:txBody>
+          <a:bodyPr>
+            <a:normAutofit fontScale="55000" lnSpcReduction="20000"/>
+          </a:bodyPr>
+          <a:lstStyle/>
+          <a:p>
+            <a:r>
+              <a:rPr lang="en-GB" dirty="0" smtClean="0"/>
+              <a:t>Go to class and right click</a:t>
+            </a:r>
+          </a:p>
+          <a:p>
+            <a:r>
+              <a:rPr lang="en-GB" dirty="0" smtClean="0"/>
+              <a:t>Create a class and choose Exception super class</a:t>
+            </a:r>
+          </a:p>
+          <a:p>
+            <a:r>
+              <a:rPr lang="en-GB" dirty="0" smtClean="0"/>
+              <a:t>Say finish</a:t>
+            </a:r>
+          </a:p>
+          <a:p>
+            <a:r>
+              <a:rPr lang="en-GB" b="1" dirty="0" smtClean="0"/>
+              <a:t>public class </a:t>
+            </a:r>
+            <a:r>
+              <a:rPr lang="en-GB" b="1" dirty="0" err="1" smtClean="0"/>
+              <a:t>BookNotFoundException</a:t>
+            </a:r>
+            <a:r>
+              <a:rPr lang="en-GB" b="1" dirty="0" smtClean="0"/>
+              <a:t> extends Exception {</a:t>
+            </a:r>
+          </a:p>
+          <a:p>
+            <a:endParaRPr lang="en-GB" dirty="0" smtClean="0"/>
+          </a:p>
+          <a:p>
+            <a:r>
+              <a:rPr lang="en-GB" dirty="0" smtClean="0"/>
+              <a:t>/**</a:t>
+            </a:r>
+          </a:p>
+          <a:p>
+            <a:r>
+              <a:rPr lang="en-GB" dirty="0" smtClean="0"/>
+              <a:t> * </a:t>
+            </a:r>
+          </a:p>
+          <a:p>
+            <a:r>
+              <a:rPr lang="en-GB" dirty="0" smtClean="0"/>
+              <a:t> */</a:t>
+            </a:r>
+          </a:p>
+          <a:p>
+            <a:r>
+              <a:rPr lang="en-GB" b="1" dirty="0" smtClean="0"/>
+              <a:t>private static final long </a:t>
+            </a:r>
+            <a:r>
+              <a:rPr lang="en-GB" b="1" i="1" dirty="0" err="1" smtClean="0"/>
+              <a:t>serialVersionUID</a:t>
+            </a:r>
+            <a:r>
+              <a:rPr lang="en-GB" b="1" i="1" dirty="0" smtClean="0"/>
+              <a:t> = 1L;</a:t>
+            </a:r>
+          </a:p>
+          <a:p>
+            <a:endParaRPr lang="en-GB" dirty="0" smtClean="0"/>
+          </a:p>
+          <a:p>
+            <a:r>
+              <a:rPr lang="en-GB" dirty="0" smtClean="0"/>
+              <a:t>}</a:t>
+            </a:r>
+          </a:p>
+          <a:p>
+            <a:r>
+              <a:rPr lang="en-GB" dirty="0" smtClean="0"/>
+              <a:t>You can give private static final </a:t>
+            </a:r>
+            <a:r>
+              <a:rPr lang="en-GB" dirty="0" err="1" smtClean="0"/>
+              <a:t>logn</a:t>
+            </a:r>
+            <a:r>
+              <a:rPr lang="en-GB" dirty="0" smtClean="0"/>
+              <a:t> serial </a:t>
+            </a:r>
+            <a:r>
+              <a:rPr lang="en-GB" dirty="0" err="1" smtClean="0"/>
+              <a:t>VersionUID</a:t>
+            </a:r>
+            <a:r>
+              <a:rPr lang="en-GB" dirty="0" smtClean="0"/>
+              <a:t> by a </a:t>
+            </a:r>
+            <a:r>
+              <a:rPr lang="en-GB" dirty="0" err="1" smtClean="0"/>
+              <a:t>quickfix</a:t>
+            </a:r>
+            <a:r>
+              <a:rPr lang="en-GB" dirty="0" smtClean="0"/>
+              <a:t>.. But not necessary.</a:t>
+            </a:r>
+          </a:p>
+          <a:p>
+            <a:r>
+              <a:rPr lang="en-GB" dirty="0" smtClean="0"/>
+              <a:t>Now go to class and give throws</a:t>
+            </a:r>
+          </a:p>
+          <a:p>
+            <a:endParaRPr lang="en-GB" dirty="0"/>
+          </a:p>
+        </p:txBody>
+      </p:sp>
+    </p:spTree>
+  </p:cSld>
+  <p:clrMapOvr>
+    <a:masterClrMapping/>
+  </p:clrMapOvr>
+</p:sld>
+</file>
+
+<file path=ppt/slides/slide58.xml><?xml version="1.0" encoding="utf-8"?>
+<p:sld xmlns:a="http://schemas.openxmlformats.org/drawingml/2006/main" xmlns:r="http://schemas.openxmlformats.org/officeDocument/2006/relationships" xmlns:p="http://schemas.openxmlformats.org/presentationml/2006/main">
+  <p:cSld>
+    <p:spTree>
+      <p:nvGrpSpPr>
+        <p:cNvPr id="1" name=""/>
+        <p:cNvGrpSpPr/>
+        <p:nvPr/>
+      </p:nvGrpSpPr>
+      <p:grpSpPr>
+        <a:xfrm>
+          <a:off x="0" y="0"/>
+          <a:ext cx="0" cy="0"/>
+          <a:chOff x="0" y="0"/>
+          <a:chExt cx="0" cy="0"/>
+        </a:xfrm>
+      </p:grpSpPr>
+      <p:sp>
+        <p:nvSpPr>
+          <p:cNvPr id="2" name="Title 1"/>
+          <p:cNvSpPr>
+            <a:spLocks noGrp="1"/>
+          </p:cNvSpPr>
+          <p:nvPr>
+            <p:ph type="ctrTitle"/>
+          </p:nvPr>
+        </p:nvSpPr>
+        <p:spPr/>
+        <p:txBody>
+          <a:bodyPr/>
+          <a:lstStyle/>
+          <a:p>
+            <a:r>
+              <a:rPr lang="en-GB" dirty="0" smtClean="0"/>
+              <a:t>How to add an exception to a class</a:t>
+            </a:r>
+            <a:endParaRPr lang="en-GB" dirty="0"/>
+          </a:p>
+        </p:txBody>
+      </p:sp>
+      <p:sp>
+        <p:nvSpPr>
+          <p:cNvPr id="3" name="Subtitle 2"/>
+          <p:cNvSpPr>
+            <a:spLocks noGrp="1"/>
+          </p:cNvSpPr>
+          <p:nvPr>
+            <p:ph type="subTitle" idx="1"/>
+          </p:nvPr>
+        </p:nvSpPr>
+        <p:spPr>
+          <a:xfrm>
+            <a:off x="533400" y="3228536"/>
+            <a:ext cx="7854696" cy="3224800"/>
+          </a:xfrm>
+        </p:spPr>
+        <p:txBody>
+          <a:bodyPr>
+            <a:normAutofit fontScale="70000" lnSpcReduction="20000"/>
+          </a:bodyPr>
+          <a:lstStyle/>
+          <a:p>
+            <a:pPr algn="l"/>
+            <a:r>
+              <a:rPr lang="en-GB" b="1" dirty="0" smtClean="0"/>
+              <a:t>public Book </a:t>
+            </a:r>
+            <a:r>
+              <a:rPr lang="en-GB" b="1" dirty="0" err="1" smtClean="0"/>
+              <a:t>findBook</a:t>
+            </a:r>
+            <a:r>
+              <a:rPr lang="en-GB" b="1" dirty="0" smtClean="0"/>
+              <a:t> (String title)throws </a:t>
+            </a:r>
+            <a:r>
+              <a:rPr lang="en-GB" b="1" dirty="0" err="1" smtClean="0"/>
+              <a:t>BookNotFoundException</a:t>
+            </a:r>
+            <a:r>
+              <a:rPr lang="en-GB" b="1" dirty="0" smtClean="0"/>
+              <a:t>{</a:t>
+            </a:r>
+          </a:p>
+          <a:p>
+            <a:pPr algn="l"/>
+            <a:r>
+              <a:rPr lang="en-GB" b="1" dirty="0" smtClean="0"/>
+              <a:t>for(</a:t>
+            </a:r>
+            <a:r>
+              <a:rPr lang="en-GB" b="1" dirty="0" err="1" smtClean="0"/>
+              <a:t>int</a:t>
+            </a:r>
+            <a:r>
+              <a:rPr lang="en-GB" b="1" dirty="0" smtClean="0"/>
+              <a:t> </a:t>
+            </a:r>
+            <a:r>
+              <a:rPr lang="en-GB" b="1" dirty="0" err="1" smtClean="0"/>
+              <a:t>i</a:t>
+            </a:r>
+            <a:r>
+              <a:rPr lang="en-GB" b="1" dirty="0" smtClean="0"/>
+              <a:t>=0;i&lt;</a:t>
+            </a:r>
+            <a:r>
+              <a:rPr lang="en-GB" b="1" dirty="0" err="1" smtClean="0"/>
+              <a:t>nextPosition;i</a:t>
+            </a:r>
+            <a:r>
+              <a:rPr lang="en-GB" b="1" dirty="0" smtClean="0"/>
+              <a:t>++)</a:t>
+            </a:r>
+          </a:p>
+          <a:p>
+            <a:pPr algn="l"/>
+            <a:r>
+              <a:rPr lang="en-GB" dirty="0" smtClean="0"/>
+              <a:t>{</a:t>
+            </a:r>
+          </a:p>
+          <a:p>
+            <a:pPr algn="l"/>
+            <a:r>
+              <a:rPr lang="en-GB" b="1" dirty="0" smtClean="0"/>
+              <a:t>if(</a:t>
+            </a:r>
+            <a:r>
+              <a:rPr lang="en-GB" b="1" dirty="0" err="1" smtClean="0"/>
+              <a:t>bookArray</a:t>
+            </a:r>
+            <a:r>
+              <a:rPr lang="en-GB" b="1" dirty="0" smtClean="0"/>
+              <a:t>[</a:t>
+            </a:r>
+            <a:r>
+              <a:rPr lang="en-GB" b="1" dirty="0" err="1" smtClean="0"/>
+              <a:t>i</a:t>
+            </a:r>
+            <a:r>
+              <a:rPr lang="en-GB" b="1" dirty="0" smtClean="0"/>
+              <a:t>].</a:t>
+            </a:r>
+            <a:r>
+              <a:rPr lang="en-GB" b="1" dirty="0" err="1" smtClean="0"/>
+              <a:t>getTitle</a:t>
+            </a:r>
+            <a:r>
+              <a:rPr lang="en-GB" b="1" dirty="0" smtClean="0"/>
+              <a:t>().</a:t>
+            </a:r>
+            <a:r>
+              <a:rPr lang="en-GB" b="1" dirty="0" err="1" smtClean="0"/>
+              <a:t>equalsIgnoreCase</a:t>
+            </a:r>
+            <a:r>
+              <a:rPr lang="en-GB" b="1" dirty="0" smtClean="0"/>
+              <a:t>(title))</a:t>
+            </a:r>
+          </a:p>
+          <a:p>
+            <a:pPr algn="l"/>
+            <a:r>
+              <a:rPr lang="en-GB" dirty="0" smtClean="0"/>
+              <a:t>{</a:t>
+            </a:r>
+          </a:p>
+          <a:p>
+            <a:pPr algn="l"/>
+            <a:r>
+              <a:rPr lang="en-GB" b="1" dirty="0" smtClean="0"/>
+              <a:t>return </a:t>
+            </a:r>
+            <a:r>
+              <a:rPr lang="en-GB" b="1" dirty="0" err="1" smtClean="0"/>
+              <a:t>bookArray</a:t>
+            </a:r>
+            <a:r>
+              <a:rPr lang="en-GB" b="1" dirty="0" smtClean="0"/>
+              <a:t>[</a:t>
+            </a:r>
+            <a:r>
+              <a:rPr lang="en-GB" b="1" dirty="0" err="1" smtClean="0"/>
+              <a:t>i</a:t>
+            </a:r>
+            <a:r>
+              <a:rPr lang="en-GB" b="1" dirty="0" smtClean="0"/>
+              <a:t>];</a:t>
+            </a:r>
+          </a:p>
+          <a:p>
+            <a:pPr algn="l"/>
+            <a:r>
+              <a:rPr lang="en-GB" dirty="0" smtClean="0"/>
+              <a:t>}</a:t>
+            </a:r>
+          </a:p>
+          <a:p>
+            <a:pPr algn="l"/>
+            <a:r>
+              <a:rPr lang="en-GB" dirty="0" smtClean="0"/>
+              <a:t>}</a:t>
+            </a:r>
+          </a:p>
+          <a:p>
+            <a:pPr algn="l"/>
+            <a:endParaRPr lang="en-GB" dirty="0" smtClean="0"/>
+          </a:p>
+          <a:p>
+            <a:pPr algn="l"/>
+            <a:r>
+              <a:rPr lang="en-GB" b="1" dirty="0" smtClean="0"/>
+              <a:t>throw new </a:t>
+            </a:r>
+            <a:r>
+              <a:rPr lang="en-GB" b="1" dirty="0" err="1" smtClean="0"/>
+              <a:t>BookNotFoundException</a:t>
+            </a:r>
+            <a:r>
+              <a:rPr lang="en-GB" b="1" dirty="0" smtClean="0"/>
+              <a:t>();</a:t>
+            </a:r>
+          </a:p>
+          <a:p>
+            <a:pPr algn="l"/>
+            <a:r>
+              <a:rPr lang="en-GB" dirty="0" smtClean="0"/>
+              <a:t>}</a:t>
+            </a:r>
+            <a:endParaRPr lang="en-GB" dirty="0"/>
+          </a:p>
+        </p:txBody>
+      </p:sp>
+    </p:spTree>
+  </p:cSld>
+  <p:clrMapOvr>
+    <a:masterClrMapping/>
+  </p:clrMapOvr>
+</p:sld>
+</file>
+
+<file path=ppt/slides/slide59.xml><?xml version="1.0" encoding="utf-8"?>
+<p:sld xmlns:a="http://schemas.openxmlformats.org/drawingml/2006/main" xmlns:r="http://schemas.openxmlformats.org/officeDocument/2006/relationships" xmlns:p="http://schemas.openxmlformats.org/presentationml/2006/main">
+  <p:cSld>
+    <p:spTree>
+      <p:nvGrpSpPr>
+        <p:cNvPr id="1" name=""/>
+        <p:cNvGrpSpPr/>
+        <p:nvPr/>
+      </p:nvGrpSpPr>
+      <p:grpSpPr>
+        <a:xfrm>
+          <a:off x="0" y="0"/>
+          <a:ext cx="0" cy="0"/>
+          <a:chOff x="0" y="0"/>
+          <a:chExt cx="0" cy="0"/>
+        </a:xfrm>
+      </p:grpSpPr>
+      <p:sp>
+        <p:nvSpPr>
+          <p:cNvPr id="2" name="Title 1"/>
+          <p:cNvSpPr>
+            <a:spLocks noGrp="1"/>
+          </p:cNvSpPr>
+          <p:nvPr>
+            <p:ph type="ctrTitle"/>
+          </p:nvPr>
+        </p:nvSpPr>
+        <p:spPr/>
+        <p:txBody>
+          <a:bodyPr/>
+          <a:lstStyle/>
+          <a:p>
+            <a:r>
+              <a:rPr lang="en-GB" dirty="0" smtClean="0"/>
+              <a:t>Where do you give try exception?</a:t>
+            </a:r>
+            <a:endParaRPr lang="en-GB" dirty="0"/>
+          </a:p>
+        </p:txBody>
+      </p:sp>
+      <p:sp>
+        <p:nvSpPr>
+          <p:cNvPr id="3" name="Subtitle 2"/>
+          <p:cNvSpPr>
+            <a:spLocks noGrp="1"/>
+          </p:cNvSpPr>
+          <p:nvPr>
+            <p:ph type="subTitle" idx="1"/>
+          </p:nvPr>
+        </p:nvSpPr>
+        <p:spPr>
+          <a:xfrm>
+            <a:off x="533400" y="3228536"/>
+            <a:ext cx="7854696" cy="3152792"/>
+          </a:xfrm>
+        </p:spPr>
+        <p:txBody>
+          <a:bodyPr>
+            <a:normAutofit fontScale="85000" lnSpcReduction="20000"/>
+          </a:bodyPr>
+          <a:lstStyle/>
+          <a:p>
+            <a:pPr algn="l"/>
+            <a:r>
+              <a:rPr lang="en-GB" dirty="0" smtClean="0"/>
+              <a:t>Surround a code that could throw an exception with a try catch block</a:t>
+            </a:r>
+          </a:p>
+          <a:p>
+            <a:pPr algn="l"/>
+            <a:r>
+              <a:rPr lang="en-GB" b="1" dirty="0" smtClean="0"/>
+              <a:t>try{</a:t>
+            </a:r>
+          </a:p>
+          <a:p>
+            <a:pPr algn="l"/>
+            <a:r>
+              <a:rPr lang="en-GB" dirty="0" smtClean="0"/>
+              <a:t>Book </a:t>
+            </a:r>
+            <a:r>
+              <a:rPr lang="en-GB" dirty="0" err="1" smtClean="0"/>
+              <a:t>book</a:t>
+            </a:r>
+            <a:r>
+              <a:rPr lang="en-GB" dirty="0" smtClean="0"/>
+              <a:t>= </a:t>
+            </a:r>
+            <a:r>
+              <a:rPr lang="en-GB" dirty="0" err="1" smtClean="0"/>
+              <a:t>bookCatalog.findBook</a:t>
+            </a:r>
+            <a:r>
+              <a:rPr lang="en-GB" dirty="0" smtClean="0"/>
+              <a:t>("</a:t>
+            </a:r>
+            <a:r>
+              <a:rPr lang="en-GB" dirty="0" err="1" smtClean="0"/>
+              <a:t>cllean</a:t>
+            </a:r>
+            <a:r>
+              <a:rPr lang="en-GB" dirty="0" smtClean="0"/>
+              <a:t> Code");</a:t>
+            </a:r>
+          </a:p>
+          <a:p>
+            <a:pPr algn="l"/>
+            <a:r>
+              <a:rPr lang="en-GB" dirty="0" smtClean="0"/>
+              <a:t>}</a:t>
+            </a:r>
+          </a:p>
+          <a:p>
+            <a:pPr algn="l"/>
+            <a:r>
+              <a:rPr lang="en-GB" b="1" dirty="0" smtClean="0"/>
+              <a:t>catch(</a:t>
+            </a:r>
+            <a:r>
+              <a:rPr lang="en-GB" b="1" u="sng" dirty="0" err="1" smtClean="0"/>
+              <a:t>bookNotFoundException</a:t>
+            </a:r>
+            <a:r>
+              <a:rPr lang="en-GB" b="1" u="sng" dirty="0" smtClean="0"/>
+              <a:t> e)</a:t>
+            </a:r>
+          </a:p>
+          <a:p>
+            <a:pPr algn="l"/>
+            <a:r>
+              <a:rPr lang="en-GB" dirty="0" smtClean="0"/>
+              <a:t>{</a:t>
+            </a:r>
+          </a:p>
+          <a:p>
+            <a:pPr algn="l"/>
+            <a:r>
+              <a:rPr lang="en-GB" dirty="0" smtClean="0"/>
+              <a:t>//deal with exception</a:t>
+            </a:r>
+          </a:p>
+          <a:p>
+            <a:pPr algn="l"/>
+            <a:r>
+              <a:rPr lang="en-GB" dirty="0" smtClean="0"/>
+              <a:t>}</a:t>
+            </a:r>
             <a:endParaRPr lang="en-GB" dirty="0"/>
           </a:p>
         </p:txBody>
@@ -4389,6 +9691,2370 @@
               <a:t>NetBeans</a:t>
             </a:r>
             <a:endParaRPr lang="en-GB"/>
+          </a:p>
+        </p:txBody>
+      </p:sp>
+    </p:spTree>
+  </p:cSld>
+  <p:clrMapOvr>
+    <a:masterClrMapping/>
+  </p:clrMapOvr>
+</p:sld>
+</file>
+
+<file path=ppt/slides/slide60.xml><?xml version="1.0" encoding="utf-8"?>
+<p:sld xmlns:a="http://schemas.openxmlformats.org/drawingml/2006/main" xmlns:r="http://schemas.openxmlformats.org/officeDocument/2006/relationships" xmlns:p="http://schemas.openxmlformats.org/presentationml/2006/main">
+  <p:cSld>
+    <p:spTree>
+      <p:nvGrpSpPr>
+        <p:cNvPr id="1" name=""/>
+        <p:cNvGrpSpPr/>
+        <p:nvPr/>
+      </p:nvGrpSpPr>
+      <p:grpSpPr>
+        <a:xfrm>
+          <a:off x="0" y="0"/>
+          <a:ext cx="0" cy="0"/>
+          <a:chOff x="0" y="0"/>
+          <a:chExt cx="0" cy="0"/>
+        </a:xfrm>
+      </p:grpSpPr>
+      <p:sp>
+        <p:nvSpPr>
+          <p:cNvPr id="2" name="Title 1"/>
+          <p:cNvSpPr>
+            <a:spLocks noGrp="1"/>
+          </p:cNvSpPr>
+          <p:nvPr>
+            <p:ph type="ctrTitle"/>
+          </p:nvPr>
+        </p:nvSpPr>
+        <p:spPr/>
+        <p:txBody>
+          <a:bodyPr>
+            <a:normAutofit fontScale="90000"/>
+          </a:bodyPr>
+          <a:lstStyle/>
+          <a:p>
+            <a:r>
+              <a:rPr lang="en-GB" dirty="0" smtClean="0"/>
+              <a:t>If you call a method, that would throw an </a:t>
+            </a:r>
+            <a:r>
+              <a:rPr lang="en-GB" dirty="0" err="1" smtClean="0"/>
+              <a:t>exceptio</a:t>
+            </a:r>
+            <a:r>
+              <a:rPr lang="en-GB" dirty="0" smtClean="0"/>
+              <a:t> then?</a:t>
+            </a:r>
+            <a:endParaRPr lang="en-GB" dirty="0"/>
+          </a:p>
+        </p:txBody>
+      </p:sp>
+      <p:sp>
+        <p:nvSpPr>
+          <p:cNvPr id="3" name="Subtitle 2"/>
+          <p:cNvSpPr>
+            <a:spLocks noGrp="1"/>
+          </p:cNvSpPr>
+          <p:nvPr>
+            <p:ph type="subTitle" idx="1"/>
+          </p:nvPr>
+        </p:nvSpPr>
+        <p:spPr/>
+        <p:txBody>
+          <a:bodyPr/>
+          <a:lstStyle/>
+          <a:p>
+            <a:r>
+              <a:rPr lang="en-GB" dirty="0" smtClean="0"/>
+              <a:t>You must provide  a try catch block</a:t>
+            </a:r>
+          </a:p>
+          <a:p>
+            <a:r>
+              <a:rPr lang="en-GB" dirty="0" smtClean="0"/>
+              <a:t>And provide code that deals with the exception</a:t>
+            </a:r>
+            <a:endParaRPr lang="en-GB" dirty="0"/>
+          </a:p>
+        </p:txBody>
+      </p:sp>
+    </p:spTree>
+  </p:cSld>
+  <p:clrMapOvr>
+    <a:masterClrMapping/>
+  </p:clrMapOvr>
+</p:sld>
+</file>
+
+<file path=ppt/slides/slide61.xml><?xml version="1.0" encoding="utf-8"?>
+<p:sld xmlns:a="http://schemas.openxmlformats.org/drawingml/2006/main" xmlns:r="http://schemas.openxmlformats.org/officeDocument/2006/relationships" xmlns:p="http://schemas.openxmlformats.org/presentationml/2006/main">
+  <p:cSld>
+    <p:spTree>
+      <p:nvGrpSpPr>
+        <p:cNvPr id="1" name=""/>
+        <p:cNvGrpSpPr/>
+        <p:nvPr/>
+      </p:nvGrpSpPr>
+      <p:grpSpPr>
+        <a:xfrm>
+          <a:off x="0" y="0"/>
+          <a:ext cx="0" cy="0"/>
+          <a:chOff x="0" y="0"/>
+          <a:chExt cx="0" cy="0"/>
+        </a:xfrm>
+      </p:grpSpPr>
+      <p:sp>
+        <p:nvSpPr>
+          <p:cNvPr id="2" name="Title 1"/>
+          <p:cNvSpPr>
+            <a:spLocks noGrp="1"/>
+          </p:cNvSpPr>
+          <p:nvPr>
+            <p:ph type="ctrTitle"/>
+          </p:nvPr>
+        </p:nvSpPr>
+        <p:spPr/>
+        <p:txBody>
+          <a:bodyPr/>
+          <a:lstStyle/>
+          <a:p>
+            <a:r>
+              <a:rPr lang="en-GB" dirty="0" smtClean="0"/>
+              <a:t>What are checked exception?</a:t>
+            </a:r>
+            <a:endParaRPr lang="en-GB" dirty="0"/>
+          </a:p>
+        </p:txBody>
+      </p:sp>
+      <p:sp>
+        <p:nvSpPr>
+          <p:cNvPr id="3" name="Subtitle 2"/>
+          <p:cNvSpPr>
+            <a:spLocks noGrp="1"/>
+          </p:cNvSpPr>
+          <p:nvPr>
+            <p:ph type="subTitle" idx="1"/>
+          </p:nvPr>
+        </p:nvSpPr>
+        <p:spPr/>
+        <p:txBody>
+          <a:bodyPr/>
+          <a:lstStyle/>
+          <a:p>
+            <a:r>
+              <a:rPr lang="en-GB" dirty="0" smtClean="0"/>
+              <a:t>Extend exception</a:t>
+            </a:r>
+          </a:p>
+          <a:p>
+            <a:r>
+              <a:rPr lang="en-GB" dirty="0" smtClean="0"/>
+              <a:t>Must be caught and handled by the programmer</a:t>
+            </a:r>
+            <a:endParaRPr lang="en-GB" dirty="0"/>
+          </a:p>
+        </p:txBody>
+      </p:sp>
+    </p:spTree>
+  </p:cSld>
+  <p:clrMapOvr>
+    <a:masterClrMapping/>
+  </p:clrMapOvr>
+</p:sld>
+</file>
+
+<file path=ppt/slides/slide62.xml><?xml version="1.0" encoding="utf-8"?>
+<p:sld xmlns:a="http://schemas.openxmlformats.org/drawingml/2006/main" xmlns:r="http://schemas.openxmlformats.org/officeDocument/2006/relationships" xmlns:p="http://schemas.openxmlformats.org/presentationml/2006/main">
+  <p:cSld>
+    <p:spTree>
+      <p:nvGrpSpPr>
+        <p:cNvPr id="1" name=""/>
+        <p:cNvGrpSpPr/>
+        <p:nvPr/>
+      </p:nvGrpSpPr>
+      <p:grpSpPr>
+        <a:xfrm>
+          <a:off x="0" y="0"/>
+          <a:ext cx="0" cy="0"/>
+          <a:chOff x="0" y="0"/>
+          <a:chExt cx="0" cy="0"/>
+        </a:xfrm>
+      </p:grpSpPr>
+      <p:sp>
+        <p:nvSpPr>
+          <p:cNvPr id="2" name="Title 1"/>
+          <p:cNvSpPr>
+            <a:spLocks noGrp="1"/>
+          </p:cNvSpPr>
+          <p:nvPr>
+            <p:ph type="ctrTitle"/>
+          </p:nvPr>
+        </p:nvSpPr>
+        <p:spPr/>
+        <p:txBody>
+          <a:bodyPr/>
+          <a:lstStyle/>
+          <a:p>
+            <a:r>
+              <a:rPr lang="en-GB" dirty="0" smtClean="0"/>
+              <a:t>How about unchecked exception?</a:t>
+            </a:r>
+            <a:endParaRPr lang="en-GB" dirty="0"/>
+          </a:p>
+        </p:txBody>
+      </p:sp>
+      <p:sp>
+        <p:nvSpPr>
+          <p:cNvPr id="3" name="Subtitle 2"/>
+          <p:cNvSpPr>
+            <a:spLocks noGrp="1"/>
+          </p:cNvSpPr>
+          <p:nvPr>
+            <p:ph type="subTitle" idx="1"/>
+          </p:nvPr>
+        </p:nvSpPr>
+        <p:spPr/>
+        <p:txBody>
+          <a:bodyPr/>
+          <a:lstStyle/>
+          <a:p>
+            <a:r>
+              <a:rPr lang="en-GB" dirty="0" smtClean="0"/>
+              <a:t>Extend runtime exception</a:t>
+            </a:r>
+          </a:p>
+          <a:p>
+            <a:r>
+              <a:rPr lang="en-GB" dirty="0" smtClean="0"/>
+              <a:t>It need not be caught and it can be let to fail.</a:t>
+            </a:r>
+            <a:endParaRPr lang="en-GB" dirty="0"/>
+          </a:p>
+        </p:txBody>
+      </p:sp>
+    </p:spTree>
+  </p:cSld>
+  <p:clrMapOvr>
+    <a:masterClrMapping/>
+  </p:clrMapOvr>
+</p:sld>
+</file>
+
+<file path=ppt/slides/slide63.xml><?xml version="1.0" encoding="utf-8"?>
+<p:sld xmlns:a="http://schemas.openxmlformats.org/drawingml/2006/main" xmlns:r="http://schemas.openxmlformats.org/officeDocument/2006/relationships" xmlns:p="http://schemas.openxmlformats.org/presentationml/2006/main">
+  <p:cSld>
+    <p:spTree>
+      <p:nvGrpSpPr>
+        <p:cNvPr id="1" name=""/>
+        <p:cNvGrpSpPr/>
+        <p:nvPr/>
+      </p:nvGrpSpPr>
+      <p:grpSpPr>
+        <a:xfrm>
+          <a:off x="0" y="0"/>
+          <a:ext cx="0" cy="0"/>
+          <a:chOff x="0" y="0"/>
+          <a:chExt cx="0" cy="0"/>
+        </a:xfrm>
+      </p:grpSpPr>
+      <p:sp>
+        <p:nvSpPr>
+          <p:cNvPr id="2" name="Title 1"/>
+          <p:cNvSpPr>
+            <a:spLocks noGrp="1"/>
+          </p:cNvSpPr>
+          <p:nvPr>
+            <p:ph type="ctrTitle"/>
+          </p:nvPr>
+        </p:nvSpPr>
+        <p:spPr/>
+        <p:txBody>
+          <a:bodyPr/>
+          <a:lstStyle/>
+          <a:p>
+            <a:r>
+              <a:rPr lang="en-GB" dirty="0" smtClean="0"/>
+              <a:t>Give example of a runtime Exception</a:t>
+            </a:r>
+            <a:endParaRPr lang="en-GB" dirty="0"/>
+          </a:p>
+        </p:txBody>
+      </p:sp>
+      <p:sp>
+        <p:nvSpPr>
+          <p:cNvPr id="3" name="Subtitle 2"/>
+          <p:cNvSpPr>
+            <a:spLocks noGrp="1"/>
+          </p:cNvSpPr>
+          <p:nvPr>
+            <p:ph type="subTitle" idx="1"/>
+          </p:nvPr>
+        </p:nvSpPr>
+        <p:spPr/>
+        <p:txBody>
+          <a:bodyPr>
+            <a:normAutofit fontScale="92500" lnSpcReduction="10000"/>
+          </a:bodyPr>
+          <a:lstStyle/>
+          <a:p>
+            <a:pPr algn="l"/>
+            <a:r>
+              <a:rPr lang="en-GB" b="1" dirty="0" err="1" smtClean="0"/>
+              <a:t>int</a:t>
+            </a:r>
+            <a:r>
+              <a:rPr lang="en-GB" b="1" dirty="0" smtClean="0"/>
+              <a:t> test=1;</a:t>
+            </a:r>
+          </a:p>
+          <a:p>
+            <a:pPr algn="l"/>
+            <a:r>
+              <a:rPr lang="en-GB" b="1" dirty="0" smtClean="0"/>
+              <a:t>if(test!=2){</a:t>
+            </a:r>
+          </a:p>
+          <a:p>
+            <a:pPr algn="l"/>
+            <a:r>
+              <a:rPr lang="en-GB" b="1" dirty="0" smtClean="0"/>
+              <a:t>throw new </a:t>
+            </a:r>
+            <a:r>
+              <a:rPr lang="en-GB" b="1" dirty="0" err="1" smtClean="0"/>
+              <a:t>RuntimeException</a:t>
+            </a:r>
+            <a:r>
+              <a:rPr lang="en-GB" b="1" dirty="0" smtClean="0"/>
+              <a:t>("not found");</a:t>
+            </a:r>
+          </a:p>
+          <a:p>
+            <a:pPr algn="l"/>
+            <a:r>
+              <a:rPr lang="en-GB" dirty="0" smtClean="0"/>
+              <a:t>}</a:t>
+            </a:r>
+            <a:endParaRPr lang="en-GB" dirty="0"/>
+          </a:p>
+        </p:txBody>
+      </p:sp>
+    </p:spTree>
+  </p:cSld>
+  <p:clrMapOvr>
+    <a:masterClrMapping/>
+  </p:clrMapOvr>
+</p:sld>
+</file>
+
+<file path=ppt/slides/slide64.xml><?xml version="1.0" encoding="utf-8"?>
+<p:sld xmlns:a="http://schemas.openxmlformats.org/drawingml/2006/main" xmlns:r="http://schemas.openxmlformats.org/officeDocument/2006/relationships" xmlns:p="http://schemas.openxmlformats.org/presentationml/2006/main">
+  <p:cSld>
+    <p:spTree>
+      <p:nvGrpSpPr>
+        <p:cNvPr id="1" name=""/>
+        <p:cNvGrpSpPr/>
+        <p:nvPr/>
+      </p:nvGrpSpPr>
+      <p:grpSpPr>
+        <a:xfrm>
+          <a:off x="0" y="0"/>
+          <a:ext cx="0" cy="0"/>
+          <a:chOff x="0" y="0"/>
+          <a:chExt cx="0" cy="0"/>
+        </a:xfrm>
+      </p:grpSpPr>
+      <p:sp>
+        <p:nvSpPr>
+          <p:cNvPr id="2" name="Title 1"/>
+          <p:cNvSpPr>
+            <a:spLocks noGrp="1"/>
+          </p:cNvSpPr>
+          <p:nvPr>
+            <p:ph type="ctrTitle"/>
+          </p:nvPr>
+        </p:nvSpPr>
+        <p:spPr/>
+        <p:txBody>
+          <a:bodyPr/>
+          <a:lstStyle/>
+          <a:p>
+            <a:r>
+              <a:rPr lang="en-GB" dirty="0" smtClean="0"/>
+              <a:t>Give full example of a run time exception</a:t>
+            </a:r>
+            <a:endParaRPr lang="en-GB" dirty="0"/>
+          </a:p>
+        </p:txBody>
+      </p:sp>
+      <p:sp>
+        <p:nvSpPr>
+          <p:cNvPr id="3" name="Subtitle 2"/>
+          <p:cNvSpPr>
+            <a:spLocks noGrp="1"/>
+          </p:cNvSpPr>
+          <p:nvPr>
+            <p:ph type="subTitle" idx="1"/>
+          </p:nvPr>
+        </p:nvSpPr>
+        <p:spPr>
+          <a:xfrm>
+            <a:off x="533400" y="3228536"/>
+            <a:ext cx="7854696" cy="2720744"/>
+          </a:xfrm>
+        </p:spPr>
+        <p:txBody>
+          <a:bodyPr>
+            <a:normAutofit fontScale="70000" lnSpcReduction="20000"/>
+          </a:bodyPr>
+          <a:lstStyle/>
+          <a:p>
+            <a:pPr algn="l"/>
+            <a:r>
+              <a:rPr lang="en-GB" b="1" dirty="0" smtClean="0"/>
+              <a:t>try{</a:t>
+            </a:r>
+          </a:p>
+          <a:p>
+            <a:pPr algn="l"/>
+            <a:r>
+              <a:rPr lang="en-GB" b="1" dirty="0" smtClean="0"/>
+              <a:t>if(test!=2){</a:t>
+            </a:r>
+          </a:p>
+          <a:p>
+            <a:pPr algn="l"/>
+            <a:r>
+              <a:rPr lang="en-GB" b="1" dirty="0" smtClean="0"/>
+              <a:t>throw new </a:t>
+            </a:r>
+            <a:r>
+              <a:rPr lang="en-GB" b="1" dirty="0" err="1" smtClean="0"/>
+              <a:t>RuntimeException</a:t>
+            </a:r>
+            <a:r>
+              <a:rPr lang="en-GB" b="1" dirty="0" smtClean="0"/>
+              <a:t>("not found");</a:t>
+            </a:r>
+          </a:p>
+          <a:p>
+            <a:pPr algn="l"/>
+            <a:r>
+              <a:rPr lang="en-GB" dirty="0" smtClean="0"/>
+              <a:t>}</a:t>
+            </a:r>
+          </a:p>
+          <a:p>
+            <a:pPr algn="l"/>
+            <a:r>
+              <a:rPr lang="en-GB" dirty="0" smtClean="0"/>
+              <a:t>}</a:t>
+            </a:r>
+          </a:p>
+          <a:p>
+            <a:pPr algn="l"/>
+            <a:r>
+              <a:rPr lang="en-GB" b="1" dirty="0" smtClean="0"/>
+              <a:t>catch (</a:t>
+            </a:r>
+            <a:r>
+              <a:rPr lang="en-GB" b="1" dirty="0" err="1" smtClean="0"/>
+              <a:t>RuntimeException</a:t>
+            </a:r>
+            <a:r>
+              <a:rPr lang="en-GB" b="1" dirty="0" smtClean="0"/>
+              <a:t> e) {</a:t>
+            </a:r>
+          </a:p>
+          <a:p>
+            <a:pPr algn="l"/>
+            <a:r>
+              <a:rPr lang="en-GB" dirty="0" smtClean="0"/>
+              <a:t>//not writing anything... so that the code continue to run</a:t>
+            </a:r>
+          </a:p>
+          <a:p>
+            <a:pPr algn="l"/>
+            <a:endParaRPr lang="en-GB" dirty="0" smtClean="0"/>
+          </a:p>
+          <a:p>
+            <a:pPr algn="l"/>
+            <a:r>
+              <a:rPr lang="en-GB" dirty="0" smtClean="0"/>
+              <a:t>}</a:t>
+            </a:r>
+            <a:endParaRPr lang="en-GB" dirty="0"/>
+          </a:p>
+        </p:txBody>
+      </p:sp>
+    </p:spTree>
+  </p:cSld>
+  <p:clrMapOvr>
+    <a:masterClrMapping/>
+  </p:clrMapOvr>
+</p:sld>
+</file>
+
+<file path=ppt/slides/slide65.xml><?xml version="1.0" encoding="utf-8"?>
+<p:sld xmlns:a="http://schemas.openxmlformats.org/drawingml/2006/main" xmlns:r="http://schemas.openxmlformats.org/officeDocument/2006/relationships" xmlns:p="http://schemas.openxmlformats.org/presentationml/2006/main">
+  <p:cSld>
+    <p:spTree>
+      <p:nvGrpSpPr>
+        <p:cNvPr id="1" name=""/>
+        <p:cNvGrpSpPr/>
+        <p:nvPr/>
+      </p:nvGrpSpPr>
+      <p:grpSpPr>
+        <a:xfrm>
+          <a:off x="0" y="0"/>
+          <a:ext cx="0" cy="0"/>
+          <a:chOff x="0" y="0"/>
+          <a:chExt cx="0" cy="0"/>
+        </a:xfrm>
+      </p:grpSpPr>
+      <p:sp>
+        <p:nvSpPr>
+          <p:cNvPr id="2" name="Title 1"/>
+          <p:cNvSpPr>
+            <a:spLocks noGrp="1"/>
+          </p:cNvSpPr>
+          <p:nvPr>
+            <p:ph type="ctrTitle"/>
+          </p:nvPr>
+        </p:nvSpPr>
+        <p:spPr/>
+        <p:txBody>
+          <a:bodyPr/>
+          <a:lstStyle/>
+          <a:p>
+            <a:r>
+              <a:rPr lang="en-GB" dirty="0" smtClean="0"/>
+              <a:t>What is @Override</a:t>
+            </a:r>
+            <a:endParaRPr lang="en-GB" dirty="0"/>
+          </a:p>
+        </p:txBody>
+      </p:sp>
+      <p:sp>
+        <p:nvSpPr>
+          <p:cNvPr id="3" name="Subtitle 2"/>
+          <p:cNvSpPr>
+            <a:spLocks noGrp="1"/>
+          </p:cNvSpPr>
+          <p:nvPr>
+            <p:ph type="subTitle" idx="1"/>
+          </p:nvPr>
+        </p:nvSpPr>
+        <p:spPr/>
+        <p:txBody>
+          <a:bodyPr/>
+          <a:lstStyle/>
+          <a:p>
+            <a:r>
+              <a:rPr lang="en-GB" dirty="0" smtClean="0"/>
+              <a:t>It is an annotation. It tells that, the method is overriding the parent. </a:t>
+            </a:r>
+            <a:endParaRPr lang="en-GB" dirty="0"/>
+          </a:p>
+        </p:txBody>
+      </p:sp>
+    </p:spTree>
+  </p:cSld>
+  <p:clrMapOvr>
+    <a:masterClrMapping/>
+  </p:clrMapOvr>
+</p:sld>
+</file>
+
+<file path=ppt/slides/slide66.xml><?xml version="1.0" encoding="utf-8"?>
+<p:sld xmlns:a="http://schemas.openxmlformats.org/drawingml/2006/main" xmlns:r="http://schemas.openxmlformats.org/officeDocument/2006/relationships" xmlns:p="http://schemas.openxmlformats.org/presentationml/2006/main">
+  <p:cSld>
+    <p:spTree>
+      <p:nvGrpSpPr>
+        <p:cNvPr id="1" name=""/>
+        <p:cNvGrpSpPr/>
+        <p:nvPr/>
+      </p:nvGrpSpPr>
+      <p:grpSpPr>
+        <a:xfrm>
+          <a:off x="0" y="0"/>
+          <a:ext cx="0" cy="0"/>
+          <a:chOff x="0" y="0"/>
+          <a:chExt cx="0" cy="0"/>
+        </a:xfrm>
+      </p:grpSpPr>
+      <p:sp>
+        <p:nvSpPr>
+          <p:cNvPr id="2" name="Title 1"/>
+          <p:cNvSpPr>
+            <a:spLocks noGrp="1"/>
+          </p:cNvSpPr>
+          <p:nvPr>
+            <p:ph type="ctrTitle"/>
+          </p:nvPr>
+        </p:nvSpPr>
+        <p:spPr/>
+        <p:txBody>
+          <a:bodyPr/>
+          <a:lstStyle/>
+          <a:p>
+            <a:r>
+              <a:rPr lang="en-GB" dirty="0" smtClean="0"/>
+              <a:t>Write some program exceptions in java</a:t>
+            </a:r>
+            <a:endParaRPr lang="en-GB" dirty="0"/>
+          </a:p>
+        </p:txBody>
+      </p:sp>
+      <p:sp>
+        <p:nvSpPr>
+          <p:cNvPr id="3" name="Subtitle 2"/>
+          <p:cNvSpPr>
+            <a:spLocks noGrp="1"/>
+          </p:cNvSpPr>
+          <p:nvPr>
+            <p:ph type="subTitle" idx="1"/>
+          </p:nvPr>
+        </p:nvSpPr>
+        <p:spPr/>
+        <p:txBody>
+          <a:bodyPr>
+            <a:normAutofit/>
+          </a:bodyPr>
+          <a:lstStyle/>
+          <a:p>
+            <a:r>
+              <a:rPr lang="en-GB" dirty="0" err="1" smtClean="0"/>
+              <a:t>Java.lang.NullPointerException</a:t>
+            </a:r>
+            <a:endParaRPr lang="en-GB" dirty="0" smtClean="0"/>
+          </a:p>
+          <a:p>
+            <a:r>
+              <a:rPr lang="en-GB" dirty="0" err="1" smtClean="0"/>
+              <a:t>Java.lang.ArrayIndexOutOfBoundException</a:t>
+            </a:r>
+            <a:endParaRPr lang="en-GB" dirty="0" smtClean="0"/>
+          </a:p>
+          <a:p>
+            <a:r>
+              <a:rPr lang="en-GB" dirty="0" err="1" smtClean="0"/>
+              <a:t>Java.lang.RunTimeException</a:t>
+            </a:r>
+            <a:endParaRPr lang="en-GB" dirty="0" smtClean="0"/>
+          </a:p>
+        </p:txBody>
+      </p:sp>
+    </p:spTree>
+  </p:cSld>
+  <p:clrMapOvr>
+    <a:masterClrMapping/>
+  </p:clrMapOvr>
+</p:sld>
+</file>
+
+<file path=ppt/slides/slide67.xml><?xml version="1.0" encoding="utf-8"?>
+<p:sld xmlns:a="http://schemas.openxmlformats.org/drawingml/2006/main" xmlns:r="http://schemas.openxmlformats.org/officeDocument/2006/relationships" xmlns:p="http://schemas.openxmlformats.org/presentationml/2006/main">
+  <p:cSld>
+    <p:spTree>
+      <p:nvGrpSpPr>
+        <p:cNvPr id="1" name=""/>
+        <p:cNvGrpSpPr/>
+        <p:nvPr/>
+      </p:nvGrpSpPr>
+      <p:grpSpPr>
+        <a:xfrm>
+          <a:off x="0" y="0"/>
+          <a:ext cx="0" cy="0"/>
+          <a:chOff x="0" y="0"/>
+          <a:chExt cx="0" cy="0"/>
+        </a:xfrm>
+      </p:grpSpPr>
+      <p:sp>
+        <p:nvSpPr>
+          <p:cNvPr id="2" name="Title 1"/>
+          <p:cNvSpPr>
+            <a:spLocks noGrp="1"/>
+          </p:cNvSpPr>
+          <p:nvPr>
+            <p:ph type="ctrTitle"/>
+          </p:nvPr>
+        </p:nvSpPr>
+        <p:spPr/>
+        <p:txBody>
+          <a:bodyPr/>
+          <a:lstStyle/>
+          <a:p>
+            <a:r>
+              <a:rPr lang="en-GB" dirty="0" smtClean="0"/>
+              <a:t>Three steps in creating a user exception are?</a:t>
+            </a:r>
+            <a:endParaRPr lang="en-GB" dirty="0"/>
+          </a:p>
+        </p:txBody>
+      </p:sp>
+      <p:sp>
+        <p:nvSpPr>
+          <p:cNvPr id="3" name="Subtitle 2"/>
+          <p:cNvSpPr>
+            <a:spLocks noGrp="1"/>
+          </p:cNvSpPr>
+          <p:nvPr>
+            <p:ph type="subTitle" idx="1"/>
+          </p:nvPr>
+        </p:nvSpPr>
+        <p:spPr/>
+        <p:txBody>
+          <a:bodyPr>
+            <a:normAutofit lnSpcReduction="10000"/>
+          </a:bodyPr>
+          <a:lstStyle/>
+          <a:p>
+            <a:pPr algn="l"/>
+            <a:r>
+              <a:rPr lang="en-GB" dirty="0" smtClean="0"/>
+              <a:t>1.Create an exception class using </a:t>
+            </a:r>
+            <a:r>
+              <a:rPr lang="en-GB" dirty="0" err="1" smtClean="0"/>
+              <a:t>java.exception</a:t>
+            </a:r>
+            <a:endParaRPr lang="en-GB" dirty="0" smtClean="0"/>
+          </a:p>
+          <a:p>
+            <a:pPr algn="l"/>
+            <a:r>
+              <a:rPr lang="en-GB" dirty="0" smtClean="0"/>
+              <a:t>2.In the class object add exception</a:t>
+            </a:r>
+          </a:p>
+          <a:p>
+            <a:pPr algn="l"/>
+            <a:r>
+              <a:rPr lang="en-GB" dirty="0" smtClean="0"/>
+              <a:t>3.Use try catch in the code to use the exception effectively</a:t>
+            </a:r>
+            <a:endParaRPr lang="en-GB" dirty="0"/>
+          </a:p>
+        </p:txBody>
+      </p:sp>
+    </p:spTree>
+  </p:cSld>
+  <p:clrMapOvr>
+    <a:masterClrMapping/>
+  </p:clrMapOvr>
+</p:sld>
+</file>
+
+<file path=ppt/slides/slide68.xml><?xml version="1.0" encoding="utf-8"?>
+<p:sld xmlns:a="http://schemas.openxmlformats.org/drawingml/2006/main" xmlns:r="http://schemas.openxmlformats.org/officeDocument/2006/relationships" xmlns:p="http://schemas.openxmlformats.org/presentationml/2006/main">
+  <p:cSld>
+    <p:spTree>
+      <p:nvGrpSpPr>
+        <p:cNvPr id="1" name=""/>
+        <p:cNvGrpSpPr/>
+        <p:nvPr/>
+      </p:nvGrpSpPr>
+      <p:grpSpPr>
+        <a:xfrm>
+          <a:off x="0" y="0"/>
+          <a:ext cx="0" cy="0"/>
+          <a:chOff x="0" y="0"/>
+          <a:chExt cx="0" cy="0"/>
+        </a:xfrm>
+      </p:grpSpPr>
+      <p:sp>
+        <p:nvSpPr>
+          <p:cNvPr id="2" name="Title 1"/>
+          <p:cNvSpPr>
+            <a:spLocks noGrp="1"/>
+          </p:cNvSpPr>
+          <p:nvPr>
+            <p:ph type="ctrTitle"/>
+          </p:nvPr>
+        </p:nvSpPr>
+        <p:spPr/>
+        <p:txBody>
+          <a:bodyPr/>
+          <a:lstStyle/>
+          <a:p>
+            <a:r>
+              <a:rPr lang="en-GB" dirty="0" smtClean="0"/>
+              <a:t>Explain step 1 in the previous slide</a:t>
+            </a:r>
+            <a:endParaRPr lang="en-GB" dirty="0"/>
+          </a:p>
+        </p:txBody>
+      </p:sp>
+      <p:sp>
+        <p:nvSpPr>
+          <p:cNvPr id="3" name="Subtitle 2"/>
+          <p:cNvSpPr>
+            <a:spLocks noGrp="1"/>
+          </p:cNvSpPr>
+          <p:nvPr>
+            <p:ph type="subTitle" idx="1"/>
+          </p:nvPr>
+        </p:nvSpPr>
+        <p:spPr>
+          <a:xfrm>
+            <a:off x="533400" y="3228536"/>
+            <a:ext cx="7854696" cy="3629464"/>
+          </a:xfrm>
+        </p:spPr>
+        <p:txBody>
+          <a:bodyPr>
+            <a:normAutofit fontScale="62500" lnSpcReduction="20000"/>
+          </a:bodyPr>
+          <a:lstStyle/>
+          <a:p>
+            <a:pPr algn="l"/>
+            <a:r>
+              <a:rPr lang="en-GB" dirty="0" smtClean="0"/>
+              <a:t>Create a class</a:t>
+            </a:r>
+          </a:p>
+          <a:p>
+            <a:pPr algn="l"/>
+            <a:r>
+              <a:rPr lang="en-GB" dirty="0" smtClean="0"/>
+              <a:t>In the type choose </a:t>
+            </a:r>
+            <a:r>
+              <a:rPr lang="en-GB" dirty="0" err="1" smtClean="0"/>
+              <a:t>java.exception</a:t>
+            </a:r>
+            <a:endParaRPr lang="en-GB" dirty="0" smtClean="0"/>
+          </a:p>
+          <a:p>
+            <a:pPr algn="l"/>
+            <a:r>
+              <a:rPr lang="en-GB" dirty="0" smtClean="0"/>
+              <a:t>Say finish</a:t>
+            </a:r>
+          </a:p>
+          <a:p>
+            <a:pPr algn="l"/>
+            <a:r>
+              <a:rPr lang="en-GB" dirty="0" smtClean="0"/>
+              <a:t>Give a default serial number to  carryon</a:t>
+            </a:r>
+          </a:p>
+          <a:p>
+            <a:pPr algn="l"/>
+            <a:r>
+              <a:rPr lang="en-GB" b="1" dirty="0" smtClean="0"/>
+              <a:t>package models;</a:t>
+            </a:r>
+          </a:p>
+          <a:p>
+            <a:pPr algn="l"/>
+            <a:endParaRPr lang="en-GB" dirty="0" smtClean="0"/>
+          </a:p>
+          <a:p>
+            <a:pPr algn="l"/>
+            <a:r>
+              <a:rPr lang="en-GB" b="1" dirty="0" smtClean="0"/>
+              <a:t>public class </a:t>
+            </a:r>
+            <a:r>
+              <a:rPr lang="en-GB" b="1" dirty="0" err="1" smtClean="0"/>
+              <a:t>BookNotFoundException</a:t>
+            </a:r>
+            <a:r>
+              <a:rPr lang="en-GB" b="1" dirty="0" smtClean="0"/>
+              <a:t> extends Exception {</a:t>
+            </a:r>
+          </a:p>
+          <a:p>
+            <a:pPr algn="l"/>
+            <a:endParaRPr lang="en-GB" dirty="0" smtClean="0"/>
+          </a:p>
+          <a:p>
+            <a:pPr algn="l"/>
+            <a:r>
+              <a:rPr lang="en-GB" dirty="0" smtClean="0"/>
+              <a:t>/**</a:t>
+            </a:r>
+          </a:p>
+          <a:p>
+            <a:pPr algn="l"/>
+            <a:r>
+              <a:rPr lang="en-GB" dirty="0" smtClean="0"/>
+              <a:t> * </a:t>
+            </a:r>
+          </a:p>
+          <a:p>
+            <a:pPr algn="l"/>
+            <a:r>
+              <a:rPr lang="en-GB" dirty="0" smtClean="0"/>
+              <a:t> */</a:t>
+            </a:r>
+          </a:p>
+          <a:p>
+            <a:pPr algn="l"/>
+            <a:r>
+              <a:rPr lang="en-GB" b="1" dirty="0" smtClean="0"/>
+              <a:t>private static final long </a:t>
+            </a:r>
+            <a:r>
+              <a:rPr lang="en-GB" b="1" i="1" dirty="0" err="1" smtClean="0"/>
+              <a:t>serialVersionUID</a:t>
+            </a:r>
+            <a:r>
+              <a:rPr lang="en-GB" b="1" i="1" dirty="0" smtClean="0"/>
+              <a:t> = 1L;</a:t>
+            </a:r>
+          </a:p>
+          <a:p>
+            <a:pPr algn="l"/>
+            <a:endParaRPr lang="en-GB" dirty="0" smtClean="0"/>
+          </a:p>
+          <a:p>
+            <a:pPr algn="l"/>
+            <a:r>
+              <a:rPr lang="en-GB" dirty="0" smtClean="0"/>
+              <a:t>}</a:t>
+            </a:r>
+          </a:p>
+          <a:p>
+            <a:pPr algn="l"/>
+            <a:endParaRPr lang="en-GB" dirty="0" smtClean="0"/>
+          </a:p>
+          <a:p>
+            <a:pPr algn="l"/>
+            <a:endParaRPr lang="en-GB" dirty="0"/>
+          </a:p>
+        </p:txBody>
+      </p:sp>
+    </p:spTree>
+  </p:cSld>
+  <p:clrMapOvr>
+    <a:masterClrMapping/>
+  </p:clrMapOvr>
+</p:sld>
+</file>
+
+<file path=ppt/slides/slide69.xml><?xml version="1.0" encoding="utf-8"?>
+<p:sld xmlns:a="http://schemas.openxmlformats.org/drawingml/2006/main" xmlns:r="http://schemas.openxmlformats.org/officeDocument/2006/relationships" xmlns:p="http://schemas.openxmlformats.org/presentationml/2006/main">
+  <p:cSld>
+    <p:spTree>
+      <p:nvGrpSpPr>
+        <p:cNvPr id="1" name=""/>
+        <p:cNvGrpSpPr/>
+        <p:nvPr/>
+      </p:nvGrpSpPr>
+      <p:grpSpPr>
+        <a:xfrm>
+          <a:off x="0" y="0"/>
+          <a:ext cx="0" cy="0"/>
+          <a:chOff x="0" y="0"/>
+          <a:chExt cx="0" cy="0"/>
+        </a:xfrm>
+      </p:grpSpPr>
+      <p:sp>
+        <p:nvSpPr>
+          <p:cNvPr id="2" name="Title 1"/>
+          <p:cNvSpPr>
+            <a:spLocks noGrp="1"/>
+          </p:cNvSpPr>
+          <p:nvPr>
+            <p:ph type="ctrTitle"/>
+          </p:nvPr>
+        </p:nvSpPr>
+        <p:spPr/>
+        <p:txBody>
+          <a:bodyPr/>
+          <a:lstStyle/>
+          <a:p>
+            <a:r>
+              <a:rPr lang="en-GB" dirty="0" smtClean="0"/>
+              <a:t>Explain step 2 in the exception adding</a:t>
+            </a:r>
+            <a:endParaRPr lang="en-GB" dirty="0"/>
+          </a:p>
+        </p:txBody>
+      </p:sp>
+      <p:sp>
+        <p:nvSpPr>
+          <p:cNvPr id="3" name="Subtitle 2"/>
+          <p:cNvSpPr>
+            <a:spLocks noGrp="1"/>
+          </p:cNvSpPr>
+          <p:nvPr>
+            <p:ph type="subTitle" idx="1"/>
+          </p:nvPr>
+        </p:nvSpPr>
+        <p:spPr>
+          <a:xfrm>
+            <a:off x="533400" y="3228536"/>
+            <a:ext cx="7854696" cy="3440824"/>
+          </a:xfrm>
+        </p:spPr>
+        <p:txBody>
+          <a:bodyPr>
+            <a:normAutofit fontScale="62500" lnSpcReduction="20000"/>
+          </a:bodyPr>
+          <a:lstStyle/>
+          <a:p>
+            <a:pPr algn="l"/>
+            <a:r>
+              <a:rPr lang="en-GB" dirty="0" smtClean="0"/>
+              <a:t>Add the exception portion in the existing object</a:t>
+            </a:r>
+          </a:p>
+          <a:p>
+            <a:pPr algn="l"/>
+            <a:r>
+              <a:rPr lang="en-GB" b="1" dirty="0" smtClean="0"/>
+              <a:t>public Book </a:t>
+            </a:r>
+            <a:r>
+              <a:rPr lang="en-GB" b="1" dirty="0" err="1" smtClean="0"/>
+              <a:t>findBook</a:t>
+            </a:r>
+            <a:r>
+              <a:rPr lang="en-GB" b="1" dirty="0" smtClean="0"/>
+              <a:t> (String title)throws </a:t>
+            </a:r>
+            <a:r>
+              <a:rPr lang="en-GB" b="1" dirty="0" err="1" smtClean="0"/>
+              <a:t>BookNotFoundException</a:t>
+            </a:r>
+            <a:r>
+              <a:rPr lang="en-GB" b="1" dirty="0" smtClean="0"/>
+              <a:t>{</a:t>
+            </a:r>
+          </a:p>
+          <a:p>
+            <a:pPr algn="l"/>
+            <a:r>
+              <a:rPr lang="en-GB" b="1" dirty="0" smtClean="0"/>
+              <a:t>for(</a:t>
+            </a:r>
+            <a:r>
+              <a:rPr lang="en-GB" b="1" dirty="0" err="1" smtClean="0"/>
+              <a:t>int</a:t>
+            </a:r>
+            <a:r>
+              <a:rPr lang="en-GB" b="1" dirty="0" smtClean="0"/>
+              <a:t> </a:t>
+            </a:r>
+            <a:r>
+              <a:rPr lang="en-GB" b="1" dirty="0" err="1" smtClean="0"/>
+              <a:t>i</a:t>
+            </a:r>
+            <a:r>
+              <a:rPr lang="en-GB" b="1" dirty="0" smtClean="0"/>
+              <a:t>=0;i&lt;</a:t>
+            </a:r>
+            <a:r>
+              <a:rPr lang="en-GB" b="1" dirty="0" err="1" smtClean="0"/>
+              <a:t>nextPosition;i</a:t>
+            </a:r>
+            <a:r>
+              <a:rPr lang="en-GB" b="1" dirty="0" smtClean="0"/>
+              <a:t>++)</a:t>
+            </a:r>
+          </a:p>
+          <a:p>
+            <a:pPr algn="l"/>
+            <a:r>
+              <a:rPr lang="en-GB" dirty="0" smtClean="0"/>
+              <a:t>{</a:t>
+            </a:r>
+          </a:p>
+          <a:p>
+            <a:pPr algn="l"/>
+            <a:r>
+              <a:rPr lang="en-GB" b="1" dirty="0" smtClean="0"/>
+              <a:t>if(</a:t>
+            </a:r>
+            <a:r>
+              <a:rPr lang="en-GB" b="1" dirty="0" err="1" smtClean="0"/>
+              <a:t>bookArray</a:t>
+            </a:r>
+            <a:r>
+              <a:rPr lang="en-GB" b="1" dirty="0" smtClean="0"/>
+              <a:t>[</a:t>
+            </a:r>
+            <a:r>
+              <a:rPr lang="en-GB" b="1" dirty="0" err="1" smtClean="0"/>
+              <a:t>i</a:t>
+            </a:r>
+            <a:r>
+              <a:rPr lang="en-GB" b="1" dirty="0" smtClean="0"/>
+              <a:t>].</a:t>
+            </a:r>
+            <a:r>
+              <a:rPr lang="en-GB" b="1" dirty="0" err="1" smtClean="0"/>
+              <a:t>getTitle</a:t>
+            </a:r>
+            <a:r>
+              <a:rPr lang="en-GB" b="1" dirty="0" smtClean="0"/>
+              <a:t>().</a:t>
+            </a:r>
+            <a:r>
+              <a:rPr lang="en-GB" b="1" dirty="0" err="1" smtClean="0"/>
+              <a:t>equalsIgnoreCase</a:t>
+            </a:r>
+            <a:r>
+              <a:rPr lang="en-GB" b="1" dirty="0" smtClean="0"/>
+              <a:t>(title))</a:t>
+            </a:r>
+          </a:p>
+          <a:p>
+            <a:pPr algn="l"/>
+            <a:r>
+              <a:rPr lang="en-GB" dirty="0" smtClean="0"/>
+              <a:t>{</a:t>
+            </a:r>
+          </a:p>
+          <a:p>
+            <a:pPr algn="l"/>
+            <a:r>
+              <a:rPr lang="en-GB" b="1" dirty="0" smtClean="0"/>
+              <a:t>return </a:t>
+            </a:r>
+            <a:r>
+              <a:rPr lang="en-GB" b="1" dirty="0" err="1" smtClean="0"/>
+              <a:t>bookArray</a:t>
+            </a:r>
+            <a:r>
+              <a:rPr lang="en-GB" b="1" dirty="0" smtClean="0"/>
+              <a:t>[</a:t>
+            </a:r>
+            <a:r>
+              <a:rPr lang="en-GB" b="1" dirty="0" err="1" smtClean="0"/>
+              <a:t>i</a:t>
+            </a:r>
+            <a:r>
+              <a:rPr lang="en-GB" b="1" dirty="0" smtClean="0"/>
+              <a:t>];</a:t>
+            </a:r>
+          </a:p>
+          <a:p>
+            <a:pPr algn="l"/>
+            <a:r>
+              <a:rPr lang="en-GB" dirty="0" smtClean="0"/>
+              <a:t>}</a:t>
+            </a:r>
+          </a:p>
+          <a:p>
+            <a:pPr algn="l"/>
+            <a:r>
+              <a:rPr lang="en-GB" dirty="0" smtClean="0"/>
+              <a:t>}</a:t>
+            </a:r>
+          </a:p>
+          <a:p>
+            <a:pPr algn="l"/>
+            <a:endParaRPr lang="en-GB" dirty="0" smtClean="0"/>
+          </a:p>
+          <a:p>
+            <a:pPr algn="l"/>
+            <a:r>
+              <a:rPr lang="en-GB" b="1" dirty="0" smtClean="0"/>
+              <a:t>throw new </a:t>
+            </a:r>
+            <a:r>
+              <a:rPr lang="en-GB" b="1" dirty="0" err="1" smtClean="0"/>
+              <a:t>BookNotFoundException</a:t>
+            </a:r>
+            <a:r>
+              <a:rPr lang="en-GB" b="1" dirty="0" smtClean="0"/>
+              <a:t>();</a:t>
+            </a:r>
+          </a:p>
+          <a:p>
+            <a:pPr algn="l"/>
+            <a:r>
+              <a:rPr lang="en-GB" dirty="0" smtClean="0"/>
+              <a:t>}</a:t>
+            </a:r>
+          </a:p>
+          <a:p>
+            <a:pPr algn="l"/>
+            <a:r>
+              <a:rPr lang="en-GB" dirty="0" smtClean="0"/>
+              <a:t>}</a:t>
+            </a:r>
+            <a:endParaRPr lang="en-GB" dirty="0"/>
+          </a:p>
+        </p:txBody>
+      </p:sp>
+    </p:spTree>
+  </p:cSld>
+  <p:clrMapOvr>
+    <a:masterClrMapping/>
+  </p:clrMapOvr>
+</p:sld>
+</file>
+
+<file path=ppt/slides/slide7.xml><?xml version="1.0" encoding="utf-8"?>
+<p:sld xmlns:a="http://schemas.openxmlformats.org/drawingml/2006/main" xmlns:r="http://schemas.openxmlformats.org/officeDocument/2006/relationships" xmlns:p="http://schemas.openxmlformats.org/presentationml/2006/main">
+  <p:cSld>
+    <p:spTree>
+      <p:nvGrpSpPr>
+        <p:cNvPr id="1" name=""/>
+        <p:cNvGrpSpPr/>
+        <p:nvPr/>
+      </p:nvGrpSpPr>
+      <p:grpSpPr>
+        <a:xfrm>
+          <a:off x="0" y="0"/>
+          <a:ext cx="0" cy="0"/>
+          <a:chOff x="0" y="0"/>
+          <a:chExt cx="0" cy="0"/>
+        </a:xfrm>
+      </p:grpSpPr>
+      <p:sp>
+        <p:nvSpPr>
+          <p:cNvPr id="2" name="Title 1"/>
+          <p:cNvSpPr>
+            <a:spLocks noGrp="1"/>
+          </p:cNvSpPr>
+          <p:nvPr>
+            <p:ph type="ctrTitle"/>
+          </p:nvPr>
+        </p:nvSpPr>
+        <p:spPr/>
+        <p:txBody>
+          <a:bodyPr/>
+          <a:lstStyle/>
+          <a:p>
+            <a:r>
+              <a:rPr lang="en-US" dirty="0" smtClean="0"/>
+              <a:t>How to show tasks in Eclipse</a:t>
+            </a:r>
+            <a:endParaRPr lang="en-GB" dirty="0"/>
+          </a:p>
+        </p:txBody>
+      </p:sp>
+      <p:sp>
+        <p:nvSpPr>
+          <p:cNvPr id="3" name="Subtitle 2"/>
+          <p:cNvSpPr>
+            <a:spLocks noGrp="1"/>
+          </p:cNvSpPr>
+          <p:nvPr>
+            <p:ph type="subTitle" idx="1"/>
+          </p:nvPr>
+        </p:nvSpPr>
+        <p:spPr/>
+        <p:txBody>
+          <a:bodyPr/>
+          <a:lstStyle/>
+          <a:p>
+            <a:r>
+              <a:rPr lang="en-US" dirty="0" smtClean="0"/>
+              <a:t>Go to window&gt;show tasks</a:t>
+            </a:r>
+          </a:p>
+          <a:p>
+            <a:r>
+              <a:rPr lang="en-US" dirty="0" smtClean="0"/>
+              <a:t>This will show the functions with //TODO: description</a:t>
+            </a:r>
+            <a:endParaRPr lang="en-GB" dirty="0"/>
+          </a:p>
+        </p:txBody>
+      </p:sp>
+    </p:spTree>
+  </p:cSld>
+  <p:clrMapOvr>
+    <a:masterClrMapping/>
+  </p:clrMapOvr>
+</p:sld>
+</file>
+
+<file path=ppt/slides/slide70.xml><?xml version="1.0" encoding="utf-8"?>
+<p:sld xmlns:a="http://schemas.openxmlformats.org/drawingml/2006/main" xmlns:r="http://schemas.openxmlformats.org/officeDocument/2006/relationships" xmlns:p="http://schemas.openxmlformats.org/presentationml/2006/main">
+  <p:cSld>
+    <p:spTree>
+      <p:nvGrpSpPr>
+        <p:cNvPr id="1" name=""/>
+        <p:cNvGrpSpPr/>
+        <p:nvPr/>
+      </p:nvGrpSpPr>
+      <p:grpSpPr>
+        <a:xfrm>
+          <a:off x="0" y="0"/>
+          <a:ext cx="0" cy="0"/>
+          <a:chOff x="0" y="0"/>
+          <a:chExt cx="0" cy="0"/>
+        </a:xfrm>
+      </p:grpSpPr>
+      <p:sp>
+        <p:nvSpPr>
+          <p:cNvPr id="2" name="Title 1"/>
+          <p:cNvSpPr>
+            <a:spLocks noGrp="1"/>
+          </p:cNvSpPr>
+          <p:nvPr>
+            <p:ph type="ctrTitle"/>
+          </p:nvPr>
+        </p:nvSpPr>
+        <p:spPr/>
+        <p:txBody>
+          <a:bodyPr/>
+          <a:lstStyle/>
+          <a:p>
+            <a:r>
+              <a:rPr lang="en-GB" dirty="0" smtClean="0"/>
+              <a:t>Now step 3 of exception ?</a:t>
+            </a:r>
+            <a:endParaRPr lang="en-GB" dirty="0"/>
+          </a:p>
+        </p:txBody>
+      </p:sp>
+      <p:sp>
+        <p:nvSpPr>
+          <p:cNvPr id="3" name="Subtitle 2"/>
+          <p:cNvSpPr>
+            <a:spLocks noGrp="1"/>
+          </p:cNvSpPr>
+          <p:nvPr>
+            <p:ph type="subTitle" idx="1"/>
+          </p:nvPr>
+        </p:nvSpPr>
+        <p:spPr>
+          <a:xfrm>
+            <a:off x="533400" y="3228536"/>
+            <a:ext cx="7854696" cy="3440824"/>
+          </a:xfrm>
+        </p:spPr>
+        <p:txBody>
+          <a:bodyPr>
+            <a:normAutofit fontScale="85000" lnSpcReduction="10000"/>
+          </a:bodyPr>
+          <a:lstStyle/>
+          <a:p>
+            <a:pPr algn="l"/>
+            <a:r>
+              <a:rPr lang="en-GB" dirty="0" smtClean="0"/>
+              <a:t>Give try catch in the main function</a:t>
+            </a:r>
+          </a:p>
+          <a:p>
+            <a:pPr algn="l"/>
+            <a:r>
+              <a:rPr lang="en-GB" b="1" dirty="0" smtClean="0"/>
+              <a:t>try{</a:t>
+            </a:r>
+          </a:p>
+          <a:p>
+            <a:pPr algn="l"/>
+            <a:r>
+              <a:rPr lang="en-GB" dirty="0" smtClean="0"/>
+              <a:t>Book </a:t>
+            </a:r>
+            <a:r>
+              <a:rPr lang="en-GB" dirty="0" err="1" smtClean="0"/>
+              <a:t>foundBook</a:t>
+            </a:r>
+            <a:r>
+              <a:rPr lang="en-GB" dirty="0" smtClean="0"/>
+              <a:t>= </a:t>
+            </a:r>
+            <a:r>
+              <a:rPr lang="en-GB" dirty="0" err="1" smtClean="0"/>
+              <a:t>bookCatalog.findBook</a:t>
+            </a:r>
+            <a:r>
+              <a:rPr lang="en-GB" dirty="0" smtClean="0"/>
+              <a:t>("</a:t>
+            </a:r>
+            <a:r>
+              <a:rPr lang="en-GB" dirty="0" err="1" smtClean="0"/>
+              <a:t>cllean</a:t>
+            </a:r>
+            <a:r>
+              <a:rPr lang="en-GB" dirty="0" smtClean="0"/>
+              <a:t> Code");</a:t>
+            </a:r>
+          </a:p>
+          <a:p>
+            <a:pPr algn="l"/>
+            <a:r>
+              <a:rPr lang="en-GB" dirty="0" err="1" smtClean="0"/>
+              <a:t>System.out.println</a:t>
+            </a:r>
+            <a:r>
+              <a:rPr lang="en-GB" dirty="0" smtClean="0"/>
+              <a:t>("We found book"+ </a:t>
+            </a:r>
+            <a:r>
+              <a:rPr lang="en-GB" dirty="0" err="1" smtClean="0"/>
+              <a:t>foundBook.getTitle</a:t>
+            </a:r>
+            <a:r>
+              <a:rPr lang="en-GB" dirty="0" smtClean="0"/>
+              <a:t>());</a:t>
+            </a:r>
+          </a:p>
+          <a:p>
+            <a:pPr algn="l"/>
+            <a:r>
+              <a:rPr lang="en-GB" dirty="0" smtClean="0"/>
+              <a:t>}</a:t>
+            </a:r>
+          </a:p>
+          <a:p>
+            <a:pPr algn="l"/>
+            <a:r>
+              <a:rPr lang="en-GB" b="1" dirty="0" smtClean="0"/>
+              <a:t>catch(</a:t>
+            </a:r>
+            <a:r>
+              <a:rPr lang="en-GB" b="1" dirty="0" err="1" smtClean="0"/>
+              <a:t>BookNotFoundException</a:t>
+            </a:r>
+            <a:r>
+              <a:rPr lang="en-GB" b="1" dirty="0" smtClean="0"/>
+              <a:t> e)</a:t>
+            </a:r>
+          </a:p>
+          <a:p>
+            <a:pPr algn="l"/>
+            <a:r>
+              <a:rPr lang="en-GB" dirty="0" smtClean="0"/>
+              <a:t>{</a:t>
+            </a:r>
+          </a:p>
+          <a:p>
+            <a:pPr algn="l"/>
+            <a:r>
+              <a:rPr lang="en-GB" dirty="0" err="1" smtClean="0"/>
+              <a:t>System.out.println</a:t>
+            </a:r>
+            <a:r>
+              <a:rPr lang="en-GB" dirty="0" smtClean="0"/>
+              <a:t>("Sorry Sunny, Book not found");</a:t>
+            </a:r>
+          </a:p>
+          <a:p>
+            <a:pPr algn="l"/>
+            <a:r>
+              <a:rPr lang="en-GB" dirty="0" smtClean="0"/>
+              <a:t>}</a:t>
+            </a:r>
+            <a:endParaRPr lang="en-GB" dirty="0"/>
+          </a:p>
+        </p:txBody>
+      </p:sp>
+    </p:spTree>
+  </p:cSld>
+  <p:clrMapOvr>
+    <a:masterClrMapping/>
+  </p:clrMapOvr>
+</p:sld>
+</file>
+
+<file path=ppt/slides/slide71.xml><?xml version="1.0" encoding="utf-8"?>
+<p:sld xmlns:a="http://schemas.openxmlformats.org/drawingml/2006/main" xmlns:r="http://schemas.openxmlformats.org/officeDocument/2006/relationships" xmlns:p="http://schemas.openxmlformats.org/presentationml/2006/main">
+  <p:cSld>
+    <p:spTree>
+      <p:nvGrpSpPr>
+        <p:cNvPr id="1" name=""/>
+        <p:cNvGrpSpPr/>
+        <p:nvPr/>
+      </p:nvGrpSpPr>
+      <p:grpSpPr>
+        <a:xfrm>
+          <a:off x="0" y="0"/>
+          <a:ext cx="0" cy="0"/>
+          <a:chOff x="0" y="0"/>
+          <a:chExt cx="0" cy="0"/>
+        </a:xfrm>
+      </p:grpSpPr>
+      <p:sp>
+        <p:nvSpPr>
+          <p:cNvPr id="2" name="Title 1"/>
+          <p:cNvSpPr>
+            <a:spLocks noGrp="1"/>
+          </p:cNvSpPr>
+          <p:nvPr>
+            <p:ph type="ctrTitle"/>
+          </p:nvPr>
+        </p:nvSpPr>
+        <p:spPr/>
+        <p:txBody>
+          <a:bodyPr>
+            <a:normAutofit fontScale="90000"/>
+          </a:bodyPr>
+          <a:lstStyle/>
+          <a:p>
+            <a:r>
+              <a:rPr lang="en-GB" dirty="0" smtClean="0"/>
+              <a:t>Will runtime exceptions cause a crash if we do not try catch them?</a:t>
+            </a:r>
+            <a:endParaRPr lang="en-GB" dirty="0"/>
+          </a:p>
+        </p:txBody>
+      </p:sp>
+      <p:sp>
+        <p:nvSpPr>
+          <p:cNvPr id="3" name="Subtitle 2"/>
+          <p:cNvSpPr>
+            <a:spLocks noGrp="1"/>
+          </p:cNvSpPr>
+          <p:nvPr>
+            <p:ph type="subTitle" idx="1"/>
+          </p:nvPr>
+        </p:nvSpPr>
+        <p:spPr/>
+        <p:txBody>
+          <a:bodyPr/>
+          <a:lstStyle/>
+          <a:p>
+            <a:r>
+              <a:rPr lang="en-GB" dirty="0" smtClean="0"/>
+              <a:t>Yes</a:t>
+            </a:r>
+            <a:endParaRPr lang="en-GB" dirty="0"/>
+          </a:p>
+        </p:txBody>
+      </p:sp>
+    </p:spTree>
+  </p:cSld>
+  <p:clrMapOvr>
+    <a:masterClrMapping/>
+  </p:clrMapOvr>
+</p:sld>
+</file>
+
+<file path=ppt/slides/slide72.xml><?xml version="1.0" encoding="utf-8"?>
+<p:sld xmlns:a="http://schemas.openxmlformats.org/drawingml/2006/main" xmlns:r="http://schemas.openxmlformats.org/officeDocument/2006/relationships" xmlns:p="http://schemas.openxmlformats.org/presentationml/2006/main">
+  <p:cSld>
+    <p:spTree>
+      <p:nvGrpSpPr>
+        <p:cNvPr id="1" name=""/>
+        <p:cNvGrpSpPr/>
+        <p:nvPr/>
+      </p:nvGrpSpPr>
+      <p:grpSpPr>
+        <a:xfrm>
+          <a:off x="0" y="0"/>
+          <a:ext cx="0" cy="0"/>
+          <a:chOff x="0" y="0"/>
+          <a:chExt cx="0" cy="0"/>
+        </a:xfrm>
+      </p:grpSpPr>
+      <p:sp>
+        <p:nvSpPr>
+          <p:cNvPr id="2" name="Title 1"/>
+          <p:cNvSpPr>
+            <a:spLocks noGrp="1"/>
+          </p:cNvSpPr>
+          <p:nvPr>
+            <p:ph type="ctrTitle"/>
+          </p:nvPr>
+        </p:nvSpPr>
+        <p:spPr/>
+        <p:txBody>
+          <a:bodyPr/>
+          <a:lstStyle/>
+          <a:p>
+            <a:r>
+              <a:rPr lang="en-GB" dirty="0" smtClean="0"/>
+              <a:t>What is </a:t>
+            </a:r>
+            <a:r>
+              <a:rPr lang="en-GB" dirty="0" err="1" smtClean="0"/>
+              <a:t>Junit</a:t>
+            </a:r>
+            <a:r>
+              <a:rPr lang="en-GB" dirty="0" smtClean="0"/>
+              <a:t> is for?</a:t>
+            </a:r>
+            <a:endParaRPr lang="en-GB" dirty="0"/>
+          </a:p>
+        </p:txBody>
+      </p:sp>
+      <p:sp>
+        <p:nvSpPr>
+          <p:cNvPr id="3" name="Subtitle 2"/>
+          <p:cNvSpPr>
+            <a:spLocks noGrp="1"/>
+          </p:cNvSpPr>
+          <p:nvPr>
+            <p:ph type="subTitle" idx="1"/>
+          </p:nvPr>
+        </p:nvSpPr>
+        <p:spPr/>
+        <p:txBody>
+          <a:bodyPr/>
+          <a:lstStyle/>
+          <a:p>
+            <a:r>
+              <a:rPr lang="en-GB" dirty="0" smtClean="0"/>
+              <a:t>Specially designed for </a:t>
+            </a:r>
+            <a:r>
+              <a:rPr lang="en-GB" smtClean="0"/>
+              <a:t>Unit testing </a:t>
+            </a:r>
+            <a:endParaRPr lang="en-GB" dirty="0"/>
+          </a:p>
+        </p:txBody>
+      </p:sp>
+    </p:spTree>
+  </p:cSld>
+  <p:clrMapOvr>
+    <a:masterClrMapping/>
+  </p:clrMapOvr>
+</p:sld>
+</file>
+
+<file path=ppt/slides/slide73.xml><?xml version="1.0" encoding="utf-8"?>
+<p:sld xmlns:a="http://schemas.openxmlformats.org/drawingml/2006/main" xmlns:r="http://schemas.openxmlformats.org/officeDocument/2006/relationships" xmlns:p="http://schemas.openxmlformats.org/presentationml/2006/main">
+  <p:cSld>
+    <p:spTree>
+      <p:nvGrpSpPr>
+        <p:cNvPr id="1" name=""/>
+        <p:cNvGrpSpPr/>
+        <p:nvPr/>
+      </p:nvGrpSpPr>
+      <p:grpSpPr>
+        <a:xfrm>
+          <a:off x="0" y="0"/>
+          <a:ext cx="0" cy="0"/>
+          <a:chOff x="0" y="0"/>
+          <a:chExt cx="0" cy="0"/>
+        </a:xfrm>
+      </p:grpSpPr>
+      <p:sp>
+        <p:nvSpPr>
+          <p:cNvPr id="2" name="Title 1"/>
+          <p:cNvSpPr>
+            <a:spLocks noGrp="1"/>
+          </p:cNvSpPr>
+          <p:nvPr>
+            <p:ph type="ctrTitle"/>
+          </p:nvPr>
+        </p:nvSpPr>
+        <p:spPr/>
+        <p:txBody>
+          <a:bodyPr/>
+          <a:lstStyle/>
+          <a:p>
+            <a:r>
+              <a:rPr lang="en-GB" dirty="0" smtClean="0"/>
+              <a:t>Limitations of Arrays</a:t>
+            </a:r>
+            <a:endParaRPr lang="en-GB" dirty="0"/>
+          </a:p>
+        </p:txBody>
+      </p:sp>
+      <p:sp>
+        <p:nvSpPr>
+          <p:cNvPr id="3" name="Subtitle 2"/>
+          <p:cNvSpPr>
+            <a:spLocks noGrp="1"/>
+          </p:cNvSpPr>
+          <p:nvPr>
+            <p:ph type="subTitle" idx="1"/>
+          </p:nvPr>
+        </p:nvSpPr>
+        <p:spPr/>
+        <p:txBody>
+          <a:bodyPr/>
+          <a:lstStyle/>
+          <a:p>
+            <a:r>
+              <a:rPr lang="en-GB" dirty="0" smtClean="0"/>
+              <a:t>Fixed size</a:t>
+            </a:r>
+          </a:p>
+          <a:p>
+            <a:r>
+              <a:rPr lang="en-GB" dirty="0" smtClean="0"/>
+              <a:t>Removing items leaves gaps</a:t>
+            </a:r>
+          </a:p>
+          <a:p>
+            <a:r>
+              <a:rPr lang="en-GB" dirty="0" smtClean="0"/>
+              <a:t>Finding  an item takes time</a:t>
+            </a:r>
+            <a:endParaRPr lang="en-GB" dirty="0"/>
+          </a:p>
+        </p:txBody>
+      </p:sp>
+    </p:spTree>
+  </p:cSld>
+  <p:clrMapOvr>
+    <a:masterClrMapping/>
+  </p:clrMapOvr>
+</p:sld>
+</file>
+
+<file path=ppt/slides/slide74.xml><?xml version="1.0" encoding="utf-8"?>
+<p:sld xmlns:a="http://schemas.openxmlformats.org/drawingml/2006/main" xmlns:r="http://schemas.openxmlformats.org/officeDocument/2006/relationships" xmlns:p="http://schemas.openxmlformats.org/presentationml/2006/main">
+  <p:cSld>
+    <p:spTree>
+      <p:nvGrpSpPr>
+        <p:cNvPr id="1" name=""/>
+        <p:cNvGrpSpPr/>
+        <p:nvPr/>
+      </p:nvGrpSpPr>
+      <p:grpSpPr>
+        <a:xfrm>
+          <a:off x="0" y="0"/>
+          <a:ext cx="0" cy="0"/>
+          <a:chOff x="0" y="0"/>
+          <a:chExt cx="0" cy="0"/>
+        </a:xfrm>
+      </p:grpSpPr>
+      <p:sp>
+        <p:nvSpPr>
+          <p:cNvPr id="2" name="Title 1"/>
+          <p:cNvSpPr>
+            <a:spLocks noGrp="1"/>
+          </p:cNvSpPr>
+          <p:nvPr>
+            <p:ph type="ctrTitle"/>
+          </p:nvPr>
+        </p:nvSpPr>
+        <p:spPr/>
+        <p:txBody>
+          <a:bodyPr/>
+          <a:lstStyle/>
+          <a:p>
+            <a:r>
+              <a:rPr lang="en-GB" dirty="0" smtClean="0"/>
+              <a:t>Solutions by java for Array limitation</a:t>
+            </a:r>
+            <a:endParaRPr lang="en-GB" dirty="0"/>
+          </a:p>
+        </p:txBody>
+      </p:sp>
+      <p:sp>
+        <p:nvSpPr>
+          <p:cNvPr id="3" name="Subtitle 2"/>
+          <p:cNvSpPr>
+            <a:spLocks noGrp="1"/>
+          </p:cNvSpPr>
+          <p:nvPr>
+            <p:ph type="subTitle" idx="1"/>
+          </p:nvPr>
+        </p:nvSpPr>
+        <p:spPr/>
+        <p:txBody>
+          <a:bodyPr/>
+          <a:lstStyle/>
+          <a:p>
+            <a:r>
+              <a:rPr lang="en-GB" dirty="0" smtClean="0"/>
+              <a:t>1. Array list-&gt; java will automatically take care of shrinking or growing of  lists</a:t>
+            </a:r>
+            <a:endParaRPr lang="en-GB" dirty="0"/>
+          </a:p>
+        </p:txBody>
+      </p:sp>
+    </p:spTree>
+  </p:cSld>
+  <p:clrMapOvr>
+    <a:masterClrMapping/>
+  </p:clrMapOvr>
+</p:sld>
+</file>
+
+<file path=ppt/slides/slide75.xml><?xml version="1.0" encoding="utf-8"?>
+<p:sld xmlns:a="http://schemas.openxmlformats.org/drawingml/2006/main" xmlns:r="http://schemas.openxmlformats.org/officeDocument/2006/relationships" xmlns:p="http://schemas.openxmlformats.org/presentationml/2006/main">
+  <p:cSld>
+    <p:spTree>
+      <p:nvGrpSpPr>
+        <p:cNvPr id="1" name=""/>
+        <p:cNvGrpSpPr/>
+        <p:nvPr/>
+      </p:nvGrpSpPr>
+      <p:grpSpPr>
+        <a:xfrm>
+          <a:off x="0" y="0"/>
+          <a:ext cx="0" cy="0"/>
+          <a:chOff x="0" y="0"/>
+          <a:chExt cx="0" cy="0"/>
+        </a:xfrm>
+      </p:grpSpPr>
+      <p:sp>
+        <p:nvSpPr>
+          <p:cNvPr id="2" name="Title 1"/>
+          <p:cNvSpPr>
+            <a:spLocks noGrp="1"/>
+          </p:cNvSpPr>
+          <p:nvPr>
+            <p:ph type="ctrTitle"/>
+          </p:nvPr>
+        </p:nvSpPr>
+        <p:spPr/>
+        <p:txBody>
+          <a:bodyPr/>
+          <a:lstStyle/>
+          <a:p>
+            <a:r>
+              <a:rPr lang="en-GB" dirty="0" smtClean="0"/>
+              <a:t>How to define new </a:t>
+            </a:r>
+            <a:r>
+              <a:rPr lang="en-GB" dirty="0" err="1" smtClean="0"/>
+              <a:t>arraylist</a:t>
+            </a:r>
+            <a:endParaRPr lang="en-GB" dirty="0"/>
+          </a:p>
+        </p:txBody>
+      </p:sp>
+      <p:sp>
+        <p:nvSpPr>
+          <p:cNvPr id="3" name="Subtitle 2"/>
+          <p:cNvSpPr>
+            <a:spLocks noGrp="1"/>
+          </p:cNvSpPr>
+          <p:nvPr>
+            <p:ph type="subTitle" idx="1"/>
+          </p:nvPr>
+        </p:nvSpPr>
+        <p:spPr/>
+        <p:txBody>
+          <a:bodyPr/>
+          <a:lstStyle/>
+          <a:p>
+            <a:r>
+              <a:rPr lang="en-GB" dirty="0" err="1" smtClean="0"/>
+              <a:t>ArrayList</a:t>
+            </a:r>
+            <a:r>
+              <a:rPr lang="en-GB" dirty="0" smtClean="0"/>
+              <a:t>&lt;String&gt; </a:t>
+            </a:r>
+            <a:r>
+              <a:rPr lang="en-GB" dirty="0" err="1" smtClean="0"/>
+              <a:t>myArrayList</a:t>
+            </a:r>
+            <a:r>
+              <a:rPr lang="en-GB" dirty="0" smtClean="0"/>
+              <a:t>=</a:t>
+            </a:r>
+            <a:r>
+              <a:rPr lang="en-GB" b="1" dirty="0" smtClean="0"/>
+              <a:t>new </a:t>
+            </a:r>
+            <a:r>
+              <a:rPr lang="en-GB" b="1" dirty="0" err="1" smtClean="0"/>
+              <a:t>ArrayList</a:t>
+            </a:r>
+            <a:r>
+              <a:rPr lang="en-GB" b="1" dirty="0" smtClean="0"/>
+              <a:t>&lt;&gt;();</a:t>
+            </a:r>
+            <a:endParaRPr lang="en-GB" dirty="0"/>
+          </a:p>
+        </p:txBody>
+      </p:sp>
+    </p:spTree>
+  </p:cSld>
+  <p:clrMapOvr>
+    <a:masterClrMapping/>
+  </p:clrMapOvr>
+</p:sld>
+</file>
+
+<file path=ppt/slides/slide76.xml><?xml version="1.0" encoding="utf-8"?>
+<p:sld xmlns:a="http://schemas.openxmlformats.org/drawingml/2006/main" xmlns:r="http://schemas.openxmlformats.org/officeDocument/2006/relationships" xmlns:p="http://schemas.openxmlformats.org/presentationml/2006/main">
+  <p:cSld>
+    <p:spTree>
+      <p:nvGrpSpPr>
+        <p:cNvPr id="1" name=""/>
+        <p:cNvGrpSpPr/>
+        <p:nvPr/>
+      </p:nvGrpSpPr>
+      <p:grpSpPr>
+        <a:xfrm>
+          <a:off x="0" y="0"/>
+          <a:ext cx="0" cy="0"/>
+          <a:chOff x="0" y="0"/>
+          <a:chExt cx="0" cy="0"/>
+        </a:xfrm>
+      </p:grpSpPr>
+      <p:sp>
+        <p:nvSpPr>
+          <p:cNvPr id="4" name="Title 3"/>
+          <p:cNvSpPr>
+            <a:spLocks noGrp="1"/>
+          </p:cNvSpPr>
+          <p:nvPr>
+            <p:ph type="title"/>
+          </p:nvPr>
+        </p:nvSpPr>
+        <p:spPr/>
+        <p:txBody>
+          <a:bodyPr/>
+          <a:lstStyle/>
+          <a:p>
+            <a:r>
+              <a:rPr lang="en-GB" dirty="0" err="1" smtClean="0"/>
+              <a:t>Arraylist</a:t>
+            </a:r>
+            <a:r>
+              <a:rPr lang="en-GB" dirty="0" smtClean="0"/>
+              <a:t> methods</a:t>
+            </a:r>
+            <a:endParaRPr lang="en-GB" dirty="0"/>
+          </a:p>
+        </p:txBody>
+      </p:sp>
+      <p:sp>
+        <p:nvSpPr>
+          <p:cNvPr id="5" name="Content Placeholder 4"/>
+          <p:cNvSpPr>
+            <a:spLocks noGrp="1"/>
+          </p:cNvSpPr>
+          <p:nvPr>
+            <p:ph idx="1"/>
+          </p:nvPr>
+        </p:nvSpPr>
+        <p:spPr/>
+        <p:txBody>
+          <a:bodyPr/>
+          <a:lstStyle/>
+          <a:p>
+            <a:r>
+              <a:rPr lang="en-GB" dirty="0" err="1" smtClean="0"/>
+              <a:t>myArrayList.add</a:t>
+            </a:r>
+            <a:r>
+              <a:rPr lang="en-GB" dirty="0" smtClean="0"/>
+              <a:t>(object);</a:t>
+            </a:r>
+          </a:p>
+          <a:p>
+            <a:r>
+              <a:rPr lang="en-GB" dirty="0" err="1" smtClean="0"/>
+              <a:t>myArrayList.add</a:t>
+            </a:r>
+            <a:r>
+              <a:rPr lang="en-GB" dirty="0" smtClean="0"/>
+              <a:t>(</a:t>
+            </a:r>
+            <a:r>
+              <a:rPr lang="en-GB" dirty="0" err="1" smtClean="0"/>
+              <a:t>index,object</a:t>
+            </a:r>
+            <a:r>
+              <a:rPr lang="en-GB" dirty="0" smtClean="0"/>
+              <a:t>);</a:t>
+            </a:r>
+          </a:p>
+          <a:p>
+            <a:endParaRPr lang="en-GB" dirty="0" smtClean="0"/>
+          </a:p>
+          <a:p>
+            <a:r>
+              <a:rPr lang="en-GB" dirty="0" smtClean="0"/>
+              <a:t>Object = </a:t>
+            </a:r>
+            <a:r>
+              <a:rPr lang="en-GB" dirty="0" err="1" smtClean="0"/>
+              <a:t>myArrayList.get</a:t>
+            </a:r>
+            <a:r>
+              <a:rPr lang="en-GB" dirty="0" smtClean="0"/>
+              <a:t>(index);</a:t>
+            </a:r>
+          </a:p>
+          <a:p>
+            <a:r>
+              <a:rPr lang="en-GB" dirty="0" err="1" smtClean="0"/>
+              <a:t>myArrayList.remove</a:t>
+            </a:r>
+            <a:r>
+              <a:rPr lang="en-GB" dirty="0" smtClean="0"/>
+              <a:t>(index);</a:t>
+            </a:r>
+          </a:p>
+          <a:p>
+            <a:r>
+              <a:rPr lang="en-GB" dirty="0" err="1" smtClean="0"/>
+              <a:t>i</a:t>
+            </a:r>
+            <a:r>
+              <a:rPr lang="en-GB" smtClean="0"/>
+              <a:t>nt</a:t>
+            </a:r>
+            <a:r>
+              <a:rPr lang="en-GB" dirty="0" smtClean="0"/>
+              <a:t> size=</a:t>
+            </a:r>
+            <a:r>
+              <a:rPr lang="en-GB" dirty="0" err="1" smtClean="0"/>
+              <a:t>myArrayList.size</a:t>
+            </a:r>
+            <a:r>
+              <a:rPr lang="en-GB" dirty="0" smtClean="0"/>
+              <a:t>()</a:t>
+            </a:r>
+            <a:endParaRPr lang="en-GB" dirty="0"/>
+          </a:p>
+        </p:txBody>
+      </p:sp>
+    </p:spTree>
+  </p:cSld>
+  <p:clrMapOvr>
+    <a:masterClrMapping/>
+  </p:clrMapOvr>
+</p:sld>
+</file>
+
+<file path=ppt/slides/slide8.xml><?xml version="1.0" encoding="utf-8"?>
+<p:sld xmlns:a="http://schemas.openxmlformats.org/drawingml/2006/main" xmlns:r="http://schemas.openxmlformats.org/officeDocument/2006/relationships" xmlns:p="http://schemas.openxmlformats.org/presentationml/2006/main">
+  <p:cSld>
+    <p:spTree>
+      <p:nvGrpSpPr>
+        <p:cNvPr id="1" name=""/>
+        <p:cNvGrpSpPr/>
+        <p:nvPr/>
+      </p:nvGrpSpPr>
+      <p:grpSpPr>
+        <a:xfrm>
+          <a:off x="0" y="0"/>
+          <a:ext cx="0" cy="0"/>
+          <a:chOff x="0" y="0"/>
+          <a:chExt cx="0" cy="0"/>
+        </a:xfrm>
+      </p:grpSpPr>
+      <p:sp>
+        <p:nvSpPr>
+          <p:cNvPr id="2" name="Title 1"/>
+          <p:cNvSpPr>
+            <a:spLocks noGrp="1"/>
+          </p:cNvSpPr>
+          <p:nvPr>
+            <p:ph type="ctrTitle"/>
+          </p:nvPr>
+        </p:nvSpPr>
+        <p:spPr/>
+        <p:txBody>
+          <a:bodyPr/>
+          <a:lstStyle/>
+          <a:p>
+            <a:r>
+              <a:rPr lang="en-US" dirty="0" smtClean="0"/>
+              <a:t>Write a function to return fixed length string</a:t>
+            </a:r>
+            <a:endParaRPr lang="en-GB" dirty="0"/>
+          </a:p>
+        </p:txBody>
+      </p:sp>
+      <p:sp>
+        <p:nvSpPr>
+          <p:cNvPr id="3" name="Subtitle 2"/>
+          <p:cNvSpPr>
+            <a:spLocks noGrp="1"/>
+          </p:cNvSpPr>
+          <p:nvPr>
+            <p:ph type="subTitle" idx="1"/>
+          </p:nvPr>
+        </p:nvSpPr>
+        <p:spPr>
+          <a:xfrm>
+            <a:off x="533400" y="3228536"/>
+            <a:ext cx="7854696" cy="3629464"/>
+          </a:xfrm>
+        </p:spPr>
+        <p:txBody>
+          <a:bodyPr>
+            <a:normAutofit fontScale="92500" lnSpcReduction="10000"/>
+          </a:bodyPr>
+          <a:lstStyle/>
+          <a:p>
+            <a:pPr algn="l"/>
+            <a:r>
+              <a:rPr lang="en-GB" b="1" dirty="0" smtClean="0"/>
+              <a:t>private </a:t>
+            </a:r>
+            <a:r>
+              <a:rPr lang="en-GB" dirty="0" smtClean="0"/>
+              <a:t>String </a:t>
+            </a:r>
+            <a:r>
+              <a:rPr lang="en-GB" dirty="0" err="1" smtClean="0"/>
+              <a:t>fixLengthString</a:t>
+            </a:r>
+            <a:r>
+              <a:rPr lang="en-GB" dirty="0" smtClean="0"/>
+              <a:t>(String </a:t>
+            </a:r>
+            <a:r>
+              <a:rPr lang="en-GB" dirty="0" err="1" smtClean="0"/>
+              <a:t>str</a:t>
+            </a:r>
+            <a:r>
+              <a:rPr lang="en-GB" dirty="0" smtClean="0"/>
+              <a:t>, </a:t>
+            </a:r>
+            <a:r>
+              <a:rPr lang="en-GB" b="1" dirty="0" err="1" smtClean="0"/>
+              <a:t>int</a:t>
+            </a:r>
+            <a:r>
+              <a:rPr lang="en-GB" b="1" dirty="0" smtClean="0"/>
+              <a:t> </a:t>
+            </a:r>
+            <a:r>
+              <a:rPr lang="en-GB" dirty="0" smtClean="0"/>
+              <a:t>length) {</a:t>
+            </a:r>
+            <a:br>
+              <a:rPr lang="en-GB" dirty="0" smtClean="0"/>
+            </a:br>
+            <a:r>
+              <a:rPr lang="en-GB" dirty="0" smtClean="0"/>
+              <a:t>    </a:t>
+            </a:r>
+            <a:r>
+              <a:rPr lang="en-GB" b="1" dirty="0" smtClean="0"/>
+              <a:t>if </a:t>
+            </a:r>
+            <a:r>
+              <a:rPr lang="en-GB" dirty="0" smtClean="0"/>
+              <a:t>(</a:t>
+            </a:r>
+            <a:r>
+              <a:rPr lang="en-GB" dirty="0" err="1" smtClean="0"/>
+              <a:t>str.length</a:t>
+            </a:r>
+            <a:r>
+              <a:rPr lang="en-GB" dirty="0" smtClean="0"/>
+              <a:t>() &gt;= length) {</a:t>
+            </a:r>
+            <a:br>
+              <a:rPr lang="en-GB" dirty="0" smtClean="0"/>
+            </a:br>
+            <a:r>
+              <a:rPr lang="en-GB" dirty="0" smtClean="0"/>
+              <a:t>        </a:t>
+            </a:r>
+            <a:r>
+              <a:rPr lang="en-GB" b="1" dirty="0" smtClean="0"/>
+              <a:t>return </a:t>
+            </a:r>
+            <a:r>
+              <a:rPr lang="en-GB" dirty="0" smtClean="0"/>
+              <a:t>(</a:t>
+            </a:r>
+            <a:r>
+              <a:rPr lang="en-GB" dirty="0" err="1" smtClean="0"/>
+              <a:t>str.substring</a:t>
+            </a:r>
+            <a:r>
+              <a:rPr lang="en-GB" dirty="0" smtClean="0"/>
+              <a:t>(0, length));</a:t>
+            </a:r>
+            <a:br>
+              <a:rPr lang="en-GB" dirty="0" smtClean="0"/>
+            </a:br>
+            <a:r>
+              <a:rPr lang="en-GB" dirty="0" smtClean="0"/>
+              <a:t>    } </a:t>
+            </a:r>
+            <a:r>
+              <a:rPr lang="en-GB" b="1" dirty="0" smtClean="0"/>
+              <a:t>else </a:t>
+            </a:r>
+            <a:r>
+              <a:rPr lang="en-GB" dirty="0" smtClean="0"/>
+              <a:t>{</a:t>
+            </a:r>
+            <a:br>
+              <a:rPr lang="en-GB" dirty="0" smtClean="0"/>
+            </a:br>
+            <a:r>
+              <a:rPr lang="en-GB" dirty="0" smtClean="0"/>
+              <a:t>        </a:t>
+            </a:r>
+            <a:r>
+              <a:rPr lang="en-GB" b="1" dirty="0" smtClean="0"/>
+              <a:t>while </a:t>
+            </a:r>
+            <a:r>
+              <a:rPr lang="en-GB" dirty="0" smtClean="0"/>
+              <a:t>(</a:t>
+            </a:r>
+            <a:r>
+              <a:rPr lang="en-GB" dirty="0" err="1" smtClean="0"/>
+              <a:t>str.length</a:t>
+            </a:r>
+            <a:r>
+              <a:rPr lang="en-GB" dirty="0" smtClean="0"/>
+              <a:t>() &lt; length) {</a:t>
+            </a:r>
+            <a:br>
+              <a:rPr lang="en-GB" dirty="0" smtClean="0"/>
+            </a:br>
+            <a:r>
+              <a:rPr lang="en-GB" dirty="0" smtClean="0"/>
+              <a:t>            </a:t>
+            </a:r>
+            <a:r>
+              <a:rPr lang="en-GB" dirty="0" err="1" smtClean="0"/>
+              <a:t>str</a:t>
+            </a:r>
+            <a:r>
+              <a:rPr lang="en-GB" dirty="0" smtClean="0"/>
+              <a:t> += </a:t>
+            </a:r>
+            <a:r>
+              <a:rPr lang="en-GB" b="1" dirty="0" smtClean="0"/>
+              <a:t>' '</a:t>
+            </a:r>
+            <a:r>
+              <a:rPr lang="en-GB" dirty="0" smtClean="0"/>
+              <a:t>;</a:t>
+            </a:r>
+            <a:br>
+              <a:rPr lang="en-GB" dirty="0" smtClean="0"/>
+            </a:br>
+            <a:r>
+              <a:rPr lang="en-GB" dirty="0" smtClean="0"/>
+              <a:t>        }</a:t>
+            </a:r>
+            <a:br>
+              <a:rPr lang="en-GB" dirty="0" smtClean="0"/>
+            </a:br>
+            <a:r>
+              <a:rPr lang="en-GB" dirty="0" smtClean="0"/>
+              <a:t>        </a:t>
+            </a:r>
+            <a:r>
+              <a:rPr lang="en-GB" b="1" dirty="0" smtClean="0"/>
+              <a:t>return </a:t>
+            </a:r>
+            <a:r>
+              <a:rPr lang="en-GB" dirty="0" err="1" smtClean="0"/>
+              <a:t>str</a:t>
+            </a:r>
+            <a:r>
+              <a:rPr lang="en-GB" dirty="0" smtClean="0"/>
+              <a:t>;</a:t>
+            </a:r>
+            <a:br>
+              <a:rPr lang="en-GB" dirty="0" smtClean="0"/>
+            </a:br>
+            <a:r>
+              <a:rPr lang="en-GB" dirty="0" smtClean="0"/>
+              <a:t>    }</a:t>
+            </a:r>
+            <a:br>
+              <a:rPr lang="en-GB" dirty="0" smtClean="0"/>
+            </a:br>
+            <a:r>
+              <a:rPr lang="en-GB" dirty="0" smtClean="0"/>
+              <a:t>}</a:t>
+            </a:r>
+            <a:endParaRPr lang="en-GB" dirty="0"/>
+          </a:p>
+        </p:txBody>
+      </p:sp>
+    </p:spTree>
+  </p:cSld>
+  <p:clrMapOvr>
+    <a:masterClrMapping/>
+  </p:clrMapOvr>
+</p:sld>
+</file>
+
+<file path=ppt/slides/slide9.xml><?xml version="1.0" encoding="utf-8"?>
+<p:sld xmlns:a="http://schemas.openxmlformats.org/drawingml/2006/main" xmlns:r="http://schemas.openxmlformats.org/officeDocument/2006/relationships" xmlns:p="http://schemas.openxmlformats.org/presentationml/2006/main">
+  <p:cSld>
+    <p:spTree>
+      <p:nvGrpSpPr>
+        <p:cNvPr id="1" name=""/>
+        <p:cNvGrpSpPr/>
+        <p:nvPr/>
+      </p:nvGrpSpPr>
+      <p:grpSpPr>
+        <a:xfrm>
+          <a:off x="0" y="0"/>
+          <a:ext cx="0" cy="0"/>
+          <a:chOff x="0" y="0"/>
+          <a:chExt cx="0" cy="0"/>
+        </a:xfrm>
+      </p:grpSpPr>
+      <p:sp>
+        <p:nvSpPr>
+          <p:cNvPr id="2" name="Title 1"/>
+          <p:cNvSpPr>
+            <a:spLocks noGrp="1"/>
+          </p:cNvSpPr>
+          <p:nvPr>
+            <p:ph type="ctrTitle"/>
+          </p:nvPr>
+        </p:nvSpPr>
+        <p:spPr/>
+        <p:txBody>
+          <a:bodyPr/>
+          <a:lstStyle/>
+          <a:p>
+            <a:r>
+              <a:rPr lang="en-US" dirty="0" smtClean="0"/>
+              <a:t>A function to return string value of integer</a:t>
+            </a:r>
+            <a:endParaRPr lang="en-GB" dirty="0"/>
+          </a:p>
+        </p:txBody>
+      </p:sp>
+      <p:sp>
+        <p:nvSpPr>
+          <p:cNvPr id="3" name="Subtitle 2"/>
+          <p:cNvSpPr>
+            <a:spLocks noGrp="1"/>
+          </p:cNvSpPr>
+          <p:nvPr>
+            <p:ph type="subTitle" idx="1"/>
+          </p:nvPr>
+        </p:nvSpPr>
+        <p:spPr/>
+        <p:txBody>
+          <a:bodyPr/>
+          <a:lstStyle/>
+          <a:p>
+            <a:r>
+              <a:rPr lang="en-GB" dirty="0" smtClean="0"/>
+              <a:t>String </a:t>
+            </a:r>
+            <a:r>
+              <a:rPr lang="en-GB" dirty="0" err="1" smtClean="0"/>
+              <a:t>bookId</a:t>
+            </a:r>
+            <a:r>
+              <a:rPr lang="en-GB" dirty="0" smtClean="0"/>
+              <a:t> = </a:t>
+            </a:r>
+            <a:r>
+              <a:rPr lang="en-GB" dirty="0" err="1" smtClean="0"/>
+              <a:t>String.</a:t>
+            </a:r>
+            <a:r>
+              <a:rPr lang="en-GB" i="1" dirty="0" err="1" smtClean="0"/>
+              <a:t>valueOf</a:t>
+            </a:r>
+            <a:r>
+              <a:rPr lang="en-GB" dirty="0" smtClean="0"/>
+              <a:t>(</a:t>
+            </a:r>
+            <a:r>
+              <a:rPr lang="en-GB" dirty="0" err="1" smtClean="0"/>
+              <a:t>book.getBookId</a:t>
+            </a:r>
+            <a:r>
+              <a:rPr lang="en-GB" dirty="0" smtClean="0"/>
+              <a:t>());</a:t>
+            </a:r>
+            <a:endParaRPr lang="en-GB" dirty="0"/>
           </a:p>
         </p:txBody>
       </p:sp>
@@ -4693,4 +12359,287 @@
   <a:objectDefaults/>
   <a:extraClrSchemeLst/>
 </a:theme>
+</file>
+
+<file path=ppt/theme/theme2.xml><?xml version="1.0" encoding="utf-8"?>
+<a:theme xmlns:a="http://schemas.openxmlformats.org/drawingml/2006/main" name="Office Theme">
+  <a:themeElements>
+    <a:clrScheme name="Office">
+      <a:dk1>
+        <a:sysClr val="windowText" lastClr="000000"/>
+      </a:dk1>
+      <a:lt1>
+        <a:sysClr val="window" lastClr="FFFFFF"/>
+      </a:lt1>
+      <a:dk2>
+        <a:srgbClr val="1F497D"/>
+      </a:dk2>
+      <a:lt2>
+        <a:srgbClr val="EEECE1"/>
+      </a:lt2>
+      <a:accent1>
+        <a:srgbClr val="4F81BD"/>
+      </a:accent1>
+      <a:accent2>
+        <a:srgbClr val="C0504D"/>
+      </a:accent2>
+      <a:accent3>
+        <a:srgbClr val="9BBB59"/>
+      </a:accent3>
+      <a:accent4>
+        <a:srgbClr val="8064A2"/>
+      </a:accent4>
+      <a:accent5>
+        <a:srgbClr val="4BACC6"/>
+      </a:accent5>
+      <a:accent6>
+        <a:srgbClr val="F79646"/>
+      </a:accent6>
+      <a:hlink>
+        <a:srgbClr val="0000FF"/>
+      </a:hlink>
+      <a:folHlink>
+        <a:srgbClr val="800080"/>
+      </a:folHlink>
+    </a:clrScheme>
+    <a:fontScheme name="Office">
+      <a:majorFont>
+        <a:latin typeface="Calibri"/>
+        <a:ea typeface=""/>
+        <a:cs typeface=""/>
+        <a:font script="Jpan" typeface="ＭＳ Ｐゴシック"/>
+        <a:font script="Hang" typeface="맑은 고딕"/>
+        <a:font script="Hans" typeface="宋体"/>
+        <a:font script="Hant" typeface="新細明體"/>
+        <a:font script="Arab" typeface="Times New Roman"/>
+        <a:font script="Hebr" typeface="Times New Roman"/>
+        <a:font script="Thai" typeface="Angsana New"/>
+        <a:font script="Ethi" typeface="Nyala"/>
+        <a:font script="Beng" typeface="Vrinda"/>
+        <a:font script="Gujr" typeface="Shruti"/>
+        <a:font script="Khmr" typeface="MoolBoran"/>
+        <a:font script="Knda" typeface="Tunga"/>
+        <a:font script="Guru" typeface="Raavi"/>
+        <a:font script="Cans" typeface="Euphemia"/>
+        <a:font script="Cher" typeface="Plantagenet Cherokee"/>
+        <a:font script="Yiii" typeface="Microsoft Yi Baiti"/>
+        <a:font script="Tibt" typeface="Microsoft Himalaya"/>
+        <a:font script="Thaa" typeface="MV Boli"/>
+        <a:font script="Deva" typeface="Mangal"/>
+        <a:font script="Telu" typeface="Gautami"/>
+        <a:font script="Taml" typeface="Latha"/>
+        <a:font script="Syrc" typeface="Estrangelo Edessa"/>
+        <a:font script="Orya" typeface="Kalinga"/>
+        <a:font script="Mlym" typeface="Kartika"/>
+        <a:font script="Laoo" typeface="DokChampa"/>
+        <a:font script="Sinh" typeface="Iskoola Pota"/>
+        <a:font script="Mong" typeface="Mongolian Baiti"/>
+        <a:font script="Viet" typeface="Times New Roman"/>
+        <a:font script="Uigh" typeface="Microsoft Uighur"/>
+      </a:majorFont>
+      <a:minorFont>
+        <a:latin typeface="Calibri"/>
+        <a:ea typeface=""/>
+        <a:cs typeface=""/>
+        <a:font script="Jpan" typeface="ＭＳ Ｐゴシック"/>
+        <a:font script="Hang" typeface="맑은 고딕"/>
+        <a:font script="Hans" typeface="宋体"/>
+        <a:font script="Hant" typeface="新細明體"/>
+        <a:font script="Arab" typeface="Arial"/>
+        <a:font script="Hebr" typeface="Arial"/>
+        <a:font script="Thai" typeface="Cordia New"/>
+        <a:font script="Ethi" typeface="Nyala"/>
+        <a:font script="Beng" typeface="Vrinda"/>
+        <a:font script="Gujr" typeface="Shruti"/>
+        <a:font script="Khmr" typeface="DaunPenh"/>
+        <a:font script="Knda" typeface="Tunga"/>
+        <a:font script="Guru" typeface="Raavi"/>
+        <a:font script="Cans" typeface="Euphemia"/>
+        <a:font script="Cher" typeface="Plantagenet Cherokee"/>
+        <a:font script="Yiii" typeface="Microsoft Yi Baiti"/>
+        <a:font script="Tibt" typeface="Microsoft Himalaya"/>
+        <a:font script="Thaa" typeface="MV Boli"/>
+        <a:font script="Deva" typeface="Mangal"/>
+        <a:font script="Telu" typeface="Gautami"/>
+        <a:font script="Taml" typeface="Latha"/>
+        <a:font script="Syrc" typeface="Estrangelo Edessa"/>
+        <a:font script="Orya" typeface="Kalinga"/>
+        <a:font script="Mlym" typeface="Kartika"/>
+        <a:font script="Laoo" typeface="DokChampa"/>
+        <a:font script="Sinh" typeface="Iskoola Pota"/>
+        <a:font script="Mong" typeface="Mongolian Baiti"/>
+        <a:font script="Viet" typeface="Arial"/>
+        <a:font script="Uigh" typeface="Microsoft Uighur"/>
+      </a:minorFont>
+    </a:fontScheme>
+    <a:fmtScheme name="Office">
+      <a:fillStyleLst>
+        <a:solidFill>
+          <a:schemeClr val="phClr"/>
+        </a:solidFill>
+        <a:gradFill rotWithShape="1">
+          <a:gsLst>
+            <a:gs pos="0">
+              <a:schemeClr val="phClr">
+                <a:tint val="50000"/>
+                <a:satMod val="300000"/>
+              </a:schemeClr>
+            </a:gs>
+            <a:gs pos="35000">
+              <a:schemeClr val="phClr">
+                <a:tint val="37000"/>
+                <a:satMod val="300000"/>
+              </a:schemeClr>
+            </a:gs>
+            <a:gs pos="100000">
+              <a:schemeClr val="phClr">
+                <a:tint val="15000"/>
+                <a:satMod val="350000"/>
+              </a:schemeClr>
+            </a:gs>
+          </a:gsLst>
+          <a:lin ang="16200000" scaled="1"/>
+        </a:gradFill>
+        <a:gradFill rotWithShape="1">
+          <a:gsLst>
+            <a:gs pos="0">
+              <a:schemeClr val="phClr">
+                <a:shade val="51000"/>
+                <a:satMod val="130000"/>
+              </a:schemeClr>
+            </a:gs>
+            <a:gs pos="80000">
+              <a:schemeClr val="phClr">
+                <a:shade val="93000"/>
+                <a:satMod val="130000"/>
+              </a:schemeClr>
+            </a:gs>
+            <a:gs pos="100000">
+              <a:schemeClr val="phClr">
+                <a:shade val="94000"/>
+                <a:satMod val="135000"/>
+              </a:schemeClr>
+            </a:gs>
+          </a:gsLst>
+          <a:lin ang="16200000" scaled="0"/>
+        </a:gradFill>
+      </a:fillStyleLst>
+      <a:lnStyleLst>
+        <a:ln w="9525" cap="flat" cmpd="sng" algn="ctr">
+          <a:solidFill>
+            <a:schemeClr val="phClr">
+              <a:shade val="95000"/>
+              <a:satMod val="105000"/>
+            </a:schemeClr>
+          </a:solidFill>
+          <a:prstDash val="solid"/>
+        </a:ln>
+        <a:ln w="25400" cap="flat" cmpd="sng" algn="ctr">
+          <a:solidFill>
+            <a:schemeClr val="phClr"/>
+          </a:solidFill>
+          <a:prstDash val="solid"/>
+        </a:ln>
+        <a:ln w="38100" cap="flat" cmpd="sng" algn="ctr">
+          <a:solidFill>
+            <a:schemeClr val="phClr"/>
+          </a:solidFill>
+          <a:prstDash val="solid"/>
+        </a:ln>
+      </a:lnStyleLst>
+      <a:effectStyleLst>
+        <a:effectStyle>
+          <a:effectLst>
+            <a:outerShdw blurRad="40000" dist="20000" dir="5400000" rotWithShape="0">
+              <a:srgbClr val="000000">
+                <a:alpha val="38000"/>
+              </a:srgbClr>
+            </a:outerShdw>
+          </a:effectLst>
+        </a:effectStyle>
+        <a:effectStyle>
+          <a:effectLst>
+            <a:outerShdw blurRad="40000" dist="23000" dir="5400000" rotWithShape="0">
+              <a:srgbClr val="000000">
+                <a:alpha val="35000"/>
+              </a:srgbClr>
+            </a:outerShdw>
+          </a:effectLst>
+        </a:effectStyle>
+        <a:effectStyle>
+          <a:effectLst>
+            <a:outerShdw blurRad="40000" dist="23000" dir="5400000" rotWithShape="0">
+              <a:srgbClr val="000000">
+                <a:alpha val="35000"/>
+              </a:srgbClr>
+            </a:outerShdw>
+          </a:effectLst>
+          <a:scene3d>
+            <a:camera prst="orthographicFront">
+              <a:rot lat="0" lon="0" rev="0"/>
+            </a:camera>
+            <a:lightRig rig="threePt" dir="t">
+              <a:rot lat="0" lon="0" rev="1200000"/>
+            </a:lightRig>
+          </a:scene3d>
+          <a:sp3d>
+            <a:bevelT w="63500" h="25400"/>
+          </a:sp3d>
+        </a:effectStyle>
+      </a:effectStyleLst>
+      <a:bgFillStyleLst>
+        <a:solidFill>
+          <a:schemeClr val="phClr"/>
+        </a:solidFill>
+        <a:gradFill rotWithShape="1">
+          <a:gsLst>
+            <a:gs pos="0">
+              <a:schemeClr val="phClr">
+                <a:tint val="40000"/>
+                <a:satMod val="350000"/>
+              </a:schemeClr>
+            </a:gs>
+            <a:gs pos="40000">
+              <a:schemeClr val="phClr">
+                <a:tint val="45000"/>
+                <a:shade val="99000"/>
+                <a:satMod val="350000"/>
+              </a:schemeClr>
+            </a:gs>
+            <a:gs pos="100000">
+              <a:schemeClr val="phClr">
+                <a:shade val="20000"/>
+                <a:satMod val="255000"/>
+              </a:schemeClr>
+            </a:gs>
+          </a:gsLst>
+          <a:path path="circle">
+            <a:fillToRect l="50000" t="-80000" r="50000" b="180000"/>
+          </a:path>
+        </a:gradFill>
+        <a:gradFill rotWithShape="1">
+          <a:gsLst>
+            <a:gs pos="0">
+              <a:schemeClr val="phClr">
+                <a:tint val="80000"/>
+                <a:satMod val="300000"/>
+              </a:schemeClr>
+            </a:gs>
+            <a:gs pos="100000">
+              <a:schemeClr val="phClr">
+                <a:shade val="30000"/>
+                <a:satMod val="200000"/>
+              </a:schemeClr>
+            </a:gs>
+          </a:gsLst>
+          <a:path path="circle">
+            <a:fillToRect l="50000" t="50000" r="50000" b="50000"/>
+          </a:path>
+        </a:gradFill>
+      </a:bgFillStyleLst>
+    </a:fmtScheme>
+  </a:themeElements>
+  <a:objectDefaults/>
+  <a:extraClrSchemeLst/>
+</a:theme>
 </file>